--- a/Access Control for XML - Presentation.pptx
+++ b/Access Control for XML - Presentation.pptx
@@ -20,6 +20,7 @@
     <p:sldId id="265" r:id="rId15"/>
     <p:sldId id="266" r:id="rId16"/>
     <p:sldId id="267" r:id="rId17"/>
+    <p:sldId id="268" r:id="rId18"/>
   </p:sldIdLst>
   <p:sldSz cy="5143500" cx="9144000"/>
   <p:notesSz cx="6858000" cy="9144000"/>
@@ -801,7 +802,7 @@
   <p:cSld>
     <p:spTree>
       <p:nvGrpSpPr>
-        <p:cNvPr id="113" name="Shape 113"/>
+        <p:cNvPr id="112" name="Shape 112"/>
         <p:cNvGrpSpPr/>
         <p:nvPr/>
       </p:nvGrpSpPr>
@@ -815,7 +816,7 @@
       </p:grpSpPr>
       <p:sp>
         <p:nvSpPr>
-          <p:cNvPr id="114" name="Google Shape;114;g324d1e3a553_0_427:notes"/>
+          <p:cNvPr id="113" name="Google Shape;113;g324d1e3a553_0_420:notes"/>
           <p:cNvSpPr/>
           <p:nvPr>
             <p:ph idx="2" type="sldImg"/>
@@ -850,7 +851,7 @@
       </p:sp>
       <p:sp>
         <p:nvSpPr>
-          <p:cNvPr id="115" name="Google Shape;115;g324d1e3a553_0_427:notes"/>
+          <p:cNvPr id="114" name="Google Shape;114;g324d1e3a553_0_420:notes"/>
           <p:cNvSpPr txBox="1"/>
           <p:nvPr>
             <p:ph idx="1" type="body"/>
@@ -914,7 +915,7 @@
       </p:grpSpPr>
       <p:sp>
         <p:nvSpPr>
-          <p:cNvPr id="120" name="Google Shape;120;g324d1e3a553_0_434:notes"/>
+          <p:cNvPr id="120" name="Google Shape;120;g324d1e3a553_0_427:notes"/>
           <p:cNvSpPr/>
           <p:nvPr>
             <p:ph idx="2" type="sldImg"/>
@@ -949,7 +950,7 @@
       </p:sp>
       <p:sp>
         <p:nvSpPr>
-          <p:cNvPr id="121" name="Google Shape;121;g324d1e3a553_0_434:notes"/>
+          <p:cNvPr id="121" name="Google Shape;121;g324d1e3a553_0_427:notes"/>
           <p:cNvSpPr txBox="1"/>
           <p:nvPr>
             <p:ph idx="1" type="body"/>
@@ -1013,7 +1014,7 @@
       </p:grpSpPr>
       <p:sp>
         <p:nvSpPr>
-          <p:cNvPr id="126" name="Google Shape;126;g324d1e3a553_0_439:notes"/>
+          <p:cNvPr id="126" name="Google Shape;126;g324d1e3a553_0_434:notes"/>
           <p:cNvSpPr/>
           <p:nvPr>
             <p:ph idx="2" type="sldImg"/>
@@ -1048,7 +1049,106 @@
       </p:sp>
       <p:sp>
         <p:nvSpPr>
-          <p:cNvPr id="127" name="Google Shape;127;g324d1e3a553_0_439:notes"/>
+          <p:cNvPr id="127" name="Google Shape;127;g324d1e3a553_0_434:notes"/>
+          <p:cNvSpPr txBox="1"/>
+          <p:nvPr>
+            <p:ph idx="1" type="body"/>
+          </p:nvPr>
+        </p:nvSpPr>
+        <p:spPr>
+          <a:xfrm>
+            <a:off x="685800" y="4343400"/>
+            <a:ext cx="5486400" cy="4114800"/>
+          </a:xfrm>
+          <a:prstGeom prst="rect">
+            <a:avLst/>
+          </a:prstGeom>
+        </p:spPr>
+        <p:txBody>
+          <a:bodyPr anchorCtr="0" anchor="t" bIns="91425" lIns="91425" spcFirstLastPara="1" rIns="91425" wrap="square" tIns="91425">
+            <a:noAutofit/>
+          </a:bodyPr>
+          <a:lstStyle/>
+          <a:p>
+            <a:pPr indent="0" lvl="0" marL="0" rtl="0" algn="l">
+              <a:spcBef>
+                <a:spcPts val="0"/>
+              </a:spcBef>
+              <a:spcAft>
+                <a:spcPts val="0"/>
+              </a:spcAft>
+              <a:buNone/>
+            </a:pPr>
+            <a:r>
+              <a:t/>
+            </a:r>
+            <a:endParaRPr/>
+          </a:p>
+        </p:txBody>
+      </p:sp>
+    </p:spTree>
+  </p:cSld>
+  <p:clrMapOvr>
+    <a:masterClrMapping/>
+  </p:clrMapOvr>
+</p:notes>
+</file>
+
+<file path=ppt/notesSlides/notesSlide13.xml><?xml version="1.0" encoding="utf-8"?>
+<p:notes xmlns:a="http://schemas.openxmlformats.org/drawingml/2006/main" xmlns:r="http://schemas.openxmlformats.org/officeDocument/2006/relationships" xmlns:mc="http://schemas.openxmlformats.org/markup-compatibility/2006" xmlns:mv="urn:schemas-microsoft-com:mac:vml" xmlns:p="http://schemas.openxmlformats.org/presentationml/2006/main" xmlns:c="http://schemas.openxmlformats.org/drawingml/2006/chart" xmlns:dgm="http://schemas.openxmlformats.org/drawingml/2006/diagram" xmlns:o="urn:schemas-microsoft-com:office:office" xmlns:v="urn:schemas-microsoft-com:vml" xmlns:pvml="urn:schemas-microsoft-com:office:powerpoint" xmlns:com="http://schemas.openxmlformats.org/drawingml/2006/compatibility" xmlns:p14="http://schemas.microsoft.com/office/powerpoint/2010/main" xmlns:p15="http://schemas.microsoft.com/office/powerpoint/2012/main" xmlns:ahyp="http://schemas.microsoft.com/office/drawing/2018/hyperlinkcolor" showMasterPhAnim="0" showMasterSp="0">
+  <p:cSld>
+    <p:spTree>
+      <p:nvGrpSpPr>
+        <p:cNvPr id="131" name="Shape 131"/>
+        <p:cNvGrpSpPr/>
+        <p:nvPr/>
+      </p:nvGrpSpPr>
+      <p:grpSpPr>
+        <a:xfrm>
+          <a:off x="0" y="0"/>
+          <a:ext cx="0" cy="0"/>
+          <a:chOff x="0" y="0"/>
+          <a:chExt cx="0" cy="0"/>
+        </a:xfrm>
+      </p:grpSpPr>
+      <p:sp>
+        <p:nvSpPr>
+          <p:cNvPr id="132" name="Google Shape;132;g324d1e3a553_0_439:notes"/>
+          <p:cNvSpPr/>
+          <p:nvPr>
+            <p:ph idx="2" type="sldImg"/>
+          </p:nvPr>
+        </p:nvSpPr>
+        <p:spPr>
+          <a:xfrm>
+            <a:off x="381300" y="685800"/>
+            <a:ext cx="6096000" cy="3429000"/>
+          </a:xfrm>
+          <a:custGeom>
+            <a:rect b="b" l="l" r="r" t="t"/>
+            <a:pathLst>
+              <a:path extrusionOk="0" h="120000" w="120000">
+                <a:moveTo>
+                  <a:pt x="0" y="0"/>
+                </a:moveTo>
+                <a:lnTo>
+                  <a:pt x="120000" y="0"/>
+                </a:lnTo>
+                <a:lnTo>
+                  <a:pt x="120000" y="120000"/>
+                </a:lnTo>
+                <a:lnTo>
+                  <a:pt x="0" y="120000"/>
+                </a:lnTo>
+                <a:close/>
+              </a:path>
+            </a:pathLst>
+          </a:custGeom>
+        </p:spPr>
+      </p:sp>
+      <p:sp>
+        <p:nvSpPr>
+          <p:cNvPr id="133" name="Google Shape;133;g324d1e3a553_0_439:notes"/>
           <p:cNvSpPr txBox="1"/>
           <p:nvPr>
             <p:ph idx="1" type="body"/>
@@ -1211,7 +1311,7 @@
       </p:grpSpPr>
       <p:sp>
         <p:nvSpPr>
-          <p:cNvPr id="65" name="Google Shape;65;g324d1e3a553_0_379:notes"/>
+          <p:cNvPr id="65" name="Google Shape;65;g32510fa9d1c_0_4:notes"/>
           <p:cNvSpPr/>
           <p:nvPr>
             <p:ph idx="2" type="sldImg"/>
@@ -1246,7 +1346,7 @@
       </p:sp>
       <p:sp>
         <p:nvSpPr>
-          <p:cNvPr id="66" name="Google Shape;66;g324d1e3a553_0_379:notes"/>
+          <p:cNvPr id="66" name="Google Shape;66;g32510fa9d1c_0_4:notes"/>
           <p:cNvSpPr txBox="1"/>
           <p:nvPr>
             <p:ph idx="1" type="body"/>
@@ -1296,7 +1396,7 @@
   <p:cSld>
     <p:spTree>
       <p:nvGrpSpPr>
-        <p:cNvPr id="71" name="Shape 71"/>
+        <p:cNvPr id="70" name="Shape 70"/>
         <p:cNvGrpSpPr/>
         <p:nvPr/>
       </p:nvGrpSpPr>
@@ -1310,7 +1410,7 @@
       </p:grpSpPr>
       <p:sp>
         <p:nvSpPr>
-          <p:cNvPr id="72" name="Google Shape;72;g324d1e3a553_0_385:notes"/>
+          <p:cNvPr id="71" name="Google Shape;71;g324d1e3a553_0_379:notes"/>
           <p:cNvSpPr/>
           <p:nvPr>
             <p:ph idx="2" type="sldImg"/>
@@ -1345,7 +1445,7 @@
       </p:sp>
       <p:sp>
         <p:nvSpPr>
-          <p:cNvPr id="73" name="Google Shape;73;g324d1e3a553_0_385:notes"/>
+          <p:cNvPr id="72" name="Google Shape;72;g324d1e3a553_0_379:notes"/>
           <p:cNvSpPr txBox="1"/>
           <p:nvPr>
             <p:ph idx="1" type="body"/>
@@ -1395,7 +1495,7 @@
   <p:cSld>
     <p:spTree>
       <p:nvGrpSpPr>
-        <p:cNvPr id="78" name="Shape 78"/>
+        <p:cNvPr id="77" name="Shape 77"/>
         <p:cNvGrpSpPr/>
         <p:nvPr/>
       </p:nvGrpSpPr>
@@ -1409,7 +1509,7 @@
       </p:grpSpPr>
       <p:sp>
         <p:nvSpPr>
-          <p:cNvPr id="79" name="Google Shape;79;g324d1e3a553_0_392:notes"/>
+          <p:cNvPr id="78" name="Google Shape;78;g324d1e3a553_0_385:notes"/>
           <p:cNvSpPr/>
           <p:nvPr>
             <p:ph idx="2" type="sldImg"/>
@@ -1444,7 +1544,7 @@
       </p:sp>
       <p:sp>
         <p:nvSpPr>
-          <p:cNvPr id="80" name="Google Shape;80;g324d1e3a553_0_392:notes"/>
+          <p:cNvPr id="79" name="Google Shape;79;g324d1e3a553_0_385:notes"/>
           <p:cNvSpPr txBox="1"/>
           <p:nvPr>
             <p:ph idx="1" type="body"/>
@@ -1494,7 +1594,7 @@
   <p:cSld>
     <p:spTree>
       <p:nvGrpSpPr>
-        <p:cNvPr id="85" name="Shape 85"/>
+        <p:cNvPr id="84" name="Shape 84"/>
         <p:cNvGrpSpPr/>
         <p:nvPr/>
       </p:nvGrpSpPr>
@@ -1508,7 +1608,7 @@
       </p:grpSpPr>
       <p:sp>
         <p:nvSpPr>
-          <p:cNvPr id="86" name="Google Shape;86;g324d1e3a553_0_399:notes"/>
+          <p:cNvPr id="85" name="Google Shape;85;g324d1e3a553_0_392:notes"/>
           <p:cNvSpPr/>
           <p:nvPr>
             <p:ph idx="2" type="sldImg"/>
@@ -1543,7 +1643,7 @@
       </p:sp>
       <p:sp>
         <p:nvSpPr>
-          <p:cNvPr id="87" name="Google Shape;87;g324d1e3a553_0_399:notes"/>
+          <p:cNvPr id="86" name="Google Shape;86;g324d1e3a553_0_392:notes"/>
           <p:cNvSpPr txBox="1"/>
           <p:nvPr>
             <p:ph idx="1" type="body"/>
@@ -1593,7 +1693,7 @@
   <p:cSld>
     <p:spTree>
       <p:nvGrpSpPr>
-        <p:cNvPr id="92" name="Shape 92"/>
+        <p:cNvPr id="91" name="Shape 91"/>
         <p:cNvGrpSpPr/>
         <p:nvPr/>
       </p:nvGrpSpPr>
@@ -1607,7 +1707,7 @@
       </p:grpSpPr>
       <p:sp>
         <p:nvSpPr>
-          <p:cNvPr id="93" name="Google Shape;93;g324d1e3a553_0_405:notes"/>
+          <p:cNvPr id="92" name="Google Shape;92;g324d1e3a553_0_399:notes"/>
           <p:cNvSpPr/>
           <p:nvPr>
             <p:ph idx="2" type="sldImg"/>
@@ -1642,7 +1742,7 @@
       </p:sp>
       <p:sp>
         <p:nvSpPr>
-          <p:cNvPr id="94" name="Google Shape;94;g324d1e3a553_0_405:notes"/>
+          <p:cNvPr id="93" name="Google Shape;93;g324d1e3a553_0_399:notes"/>
           <p:cNvSpPr txBox="1"/>
           <p:nvPr>
             <p:ph idx="1" type="body"/>
@@ -1692,7 +1792,7 @@
   <p:cSld>
     <p:spTree>
       <p:nvGrpSpPr>
-        <p:cNvPr id="99" name="Shape 99"/>
+        <p:cNvPr id="98" name="Shape 98"/>
         <p:cNvGrpSpPr/>
         <p:nvPr/>
       </p:nvGrpSpPr>
@@ -1706,7 +1806,7 @@
       </p:grpSpPr>
       <p:sp>
         <p:nvSpPr>
-          <p:cNvPr id="100" name="Google Shape;100;g324d1e3a553_0_412:notes"/>
+          <p:cNvPr id="99" name="Google Shape;99;g324d1e3a553_0_405:notes"/>
           <p:cNvSpPr/>
           <p:nvPr>
             <p:ph idx="2" type="sldImg"/>
@@ -1741,7 +1841,7 @@
       </p:sp>
       <p:sp>
         <p:nvSpPr>
-          <p:cNvPr id="101" name="Google Shape;101;g324d1e3a553_0_412:notes"/>
+          <p:cNvPr id="100" name="Google Shape;100;g324d1e3a553_0_405:notes"/>
           <p:cNvSpPr txBox="1"/>
           <p:nvPr>
             <p:ph idx="1" type="body"/>
@@ -1791,7 +1891,7 @@
   <p:cSld>
     <p:spTree>
       <p:nvGrpSpPr>
-        <p:cNvPr id="106" name="Shape 106"/>
+        <p:cNvPr id="105" name="Shape 105"/>
         <p:cNvGrpSpPr/>
         <p:nvPr/>
       </p:nvGrpSpPr>
@@ -1805,7 +1905,7 @@
       </p:grpSpPr>
       <p:sp>
         <p:nvSpPr>
-          <p:cNvPr id="107" name="Google Shape;107;g324d1e3a553_0_420:notes"/>
+          <p:cNvPr id="106" name="Google Shape;106;g324d1e3a553_0_412:notes"/>
           <p:cNvSpPr/>
           <p:nvPr>
             <p:ph idx="2" type="sldImg"/>
@@ -1840,7 +1940,7 @@
       </p:sp>
       <p:sp>
         <p:nvSpPr>
-          <p:cNvPr id="108" name="Google Shape;108;g324d1e3a553_0_420:notes"/>
+          <p:cNvPr id="107" name="Google Shape;107;g324d1e3a553_0_412:notes"/>
           <p:cNvSpPr txBox="1"/>
           <p:nvPr>
             <p:ph idx="1" type="body"/>
@@ -6566,8 +6666,8 @@
         </p:nvSpPr>
         <p:spPr>
           <a:xfrm>
-            <a:off x="0" y="346050"/>
-            <a:ext cx="9144000" cy="1148400"/>
+            <a:off x="0" y="338200"/>
+            <a:ext cx="9144000" cy="1761900"/>
           </a:xfrm>
           <a:prstGeom prst="rect">
             <a:avLst/>
@@ -6593,14 +6693,14 @@
               <a:buNone/>
             </a:pPr>
             <a:r>
-              <a:rPr b="1" lang="en" sz="5000">
+              <a:rPr b="1" lang="en" sz="4200">
                 <a:solidFill>
                   <a:srgbClr val="E3FEF7"/>
                 </a:solidFill>
               </a:rPr>
-              <a:t>Control Access for XML</a:t>
+              <a:t>Controlul accesului pentru XML: Modele, Politici și Implementare</a:t>
             </a:r>
-            <a:endParaRPr b="1" sz="5000">
+            <a:endParaRPr b="1" sz="4200">
               <a:solidFill>
                 <a:srgbClr val="E3FEF7"/>
               </a:solidFill>
@@ -6616,7 +6716,7 @@
         </p:nvSpPr>
         <p:spPr>
           <a:xfrm>
-            <a:off x="0" y="1494275"/>
+            <a:off x="0" y="2154900"/>
             <a:ext cx="9144000" cy="561600"/>
           </a:xfrm>
           <a:prstGeom prst="rect">
@@ -6648,7 +6748,7 @@
                   <a:srgbClr val="E3FEF7"/>
                 </a:solidFill>
               </a:rPr>
-              <a:t>By </a:t>
+              <a:t>De </a:t>
             </a:r>
             <a:r>
               <a:rPr i="1" lang="en" sz="1800">
@@ -6680,7 +6780,7 @@
                   <a:srgbClr val="E3FEF7"/>
                 </a:solidFill>
               </a:rPr>
-              <a:t> and </a:t>
+              <a:t> și </a:t>
             </a:r>
             <a:r>
               <a:rPr i="1" lang="en" sz="1800">
@@ -6738,7 +6838,7 @@
                   <a:srgbClr val="E3FEF7"/>
                 </a:solidFill>
               </a:rPr>
-              <a:t>For </a:t>
+              <a:t>Pentru </a:t>
             </a:r>
             <a:r>
               <a:rPr i="1" lang="en" sz="1800">
@@ -6746,7 +6846,7 @@
                   <a:srgbClr val="77B0AA"/>
                 </a:solidFill>
               </a:rPr>
-              <a:t>Information Security</a:t>
+              <a:t>Securitatea Informației</a:t>
             </a:r>
             <a:endParaRPr i="1" sz="1800">
               <a:solidFill>
@@ -6796,7 +6896,7 @@
                   <a:srgbClr val="E3FEF7"/>
                 </a:solidFill>
               </a:rPr>
-              <a:t>On </a:t>
+              <a:t>La data de </a:t>
             </a:r>
             <a:r>
               <a:rPr i="1" lang="en" sz="1800">
@@ -6804,7 +6904,23 @@
                   <a:srgbClr val="77B0AA"/>
                 </a:solidFill>
               </a:rPr>
-              <a:t>16.01.2025, 14:00</a:t>
+              <a:t>16.01.2025, </a:t>
+            </a:r>
+            <a:r>
+              <a:rPr lang="en" sz="1800">
+                <a:solidFill>
+                  <a:srgbClr val="E3FEF7"/>
+                </a:solidFill>
+              </a:rPr>
+              <a:t>ora</a:t>
+            </a:r>
+            <a:r>
+              <a:rPr i="1" lang="en" sz="1800">
+                <a:solidFill>
+                  <a:srgbClr val="77B0AA"/>
+                </a:solidFill>
+              </a:rPr>
+              <a:t> 14:00</a:t>
             </a:r>
             <a:endParaRPr i="1" sz="1800">
               <a:solidFill>
@@ -6834,7 +6950,7 @@
     </p:bg>
     <p:spTree>
       <p:nvGrpSpPr>
-        <p:cNvPr id="116" name="Shape 116"/>
+        <p:cNvPr id="115" name="Shape 115"/>
         <p:cNvGrpSpPr/>
         <p:nvPr/>
       </p:nvGrpSpPr>
@@ -6848,7 +6964,7 @@
       </p:grpSpPr>
       <p:sp>
         <p:nvSpPr>
-          <p:cNvPr id="117" name="Google Shape;117;p22"/>
+          <p:cNvPr id="116" name="Google Shape;116;p22"/>
           <p:cNvSpPr txBox="1"/>
           <p:nvPr/>
         </p:nvSpPr>
@@ -6886,7 +7002,7 @@
                   <a:srgbClr val="E3FEF7"/>
                 </a:solidFill>
               </a:rPr>
-              <a:t>Case Studies</a:t>
+              <a:t>Implementation Approaches</a:t>
             </a:r>
             <a:endParaRPr b="1" sz="4000">
               <a:solidFill>
@@ -6898,7 +7014,7 @@
       </p:sp>
       <p:sp>
         <p:nvSpPr>
-          <p:cNvPr id="118" name="Google Shape;118;p22"/>
+          <p:cNvPr id="117" name="Google Shape;117;p22"/>
           <p:cNvSpPr txBox="1"/>
           <p:nvPr/>
         </p:nvSpPr>
@@ -6939,6 +7055,56 @@
               <a:t>Write here.</a:t>
             </a:r>
             <a:endParaRPr i="1" sz="1800">
+              <a:solidFill>
+                <a:srgbClr val="E3FEF7"/>
+              </a:solidFill>
+            </a:endParaRPr>
+          </a:p>
+        </p:txBody>
+      </p:sp>
+      <p:sp>
+        <p:nvSpPr>
+          <p:cNvPr id="118" name="Google Shape;118;p22"/>
+          <p:cNvSpPr txBox="1"/>
+          <p:nvPr/>
+        </p:nvSpPr>
+        <p:spPr>
+          <a:xfrm>
+            <a:off x="0" y="1061700"/>
+            <a:ext cx="9144000" cy="495600"/>
+          </a:xfrm>
+          <a:prstGeom prst="rect">
+            <a:avLst/>
+          </a:prstGeom>
+          <a:noFill/>
+          <a:ln>
+            <a:noFill/>
+          </a:ln>
+        </p:spPr>
+        <p:txBody>
+          <a:bodyPr anchorCtr="0" anchor="ctr" bIns="91425" lIns="91425" spcFirstLastPara="1" rIns="91425" wrap="square" tIns="91425">
+            <a:noAutofit/>
+          </a:bodyPr>
+          <a:lstStyle/>
+          <a:p>
+            <a:pPr indent="0" lvl="0" marL="0" rtl="0" algn="ctr">
+              <a:spcBef>
+                <a:spcPts val="0"/>
+              </a:spcBef>
+              <a:spcAft>
+                <a:spcPts val="0"/>
+              </a:spcAft>
+              <a:buNone/>
+            </a:pPr>
+            <a:r>
+              <a:rPr b="1" lang="en" sz="2600">
+                <a:solidFill>
+                  <a:srgbClr val="E3FEF7"/>
+                </a:solidFill>
+              </a:rPr>
+              <a:t>Performance Considerations</a:t>
+            </a:r>
+            <a:endParaRPr b="1" sz="2600">
               <a:solidFill>
                 <a:srgbClr val="E3FEF7"/>
               </a:solidFill>
@@ -7018,7 +7184,7 @@
                   <a:srgbClr val="E3FEF7"/>
                 </a:solidFill>
               </a:rPr>
-              <a:t>Conclusions</a:t>
+              <a:t>Case Studies</a:t>
             </a:r>
             <a:endParaRPr b="1" sz="4000">
               <a:solidFill>
@@ -7150,6 +7316,138 @@
                   <a:srgbClr val="E3FEF7"/>
                 </a:solidFill>
               </a:rPr>
+              <a:t>Conclusions</a:t>
+            </a:r>
+            <a:endParaRPr b="1" sz="4000">
+              <a:solidFill>
+                <a:srgbClr val="E3FEF7"/>
+              </a:solidFill>
+            </a:endParaRPr>
+          </a:p>
+        </p:txBody>
+      </p:sp>
+      <p:sp>
+        <p:nvSpPr>
+          <p:cNvPr id="130" name="Google Shape;130;p24"/>
+          <p:cNvSpPr txBox="1"/>
+          <p:nvPr/>
+        </p:nvSpPr>
+        <p:spPr>
+          <a:xfrm>
+            <a:off x="479750" y="1793125"/>
+            <a:ext cx="8234400" cy="2917800"/>
+          </a:xfrm>
+          <a:prstGeom prst="rect">
+            <a:avLst/>
+          </a:prstGeom>
+          <a:noFill/>
+          <a:ln>
+            <a:noFill/>
+          </a:ln>
+        </p:spPr>
+        <p:txBody>
+          <a:bodyPr anchorCtr="0" anchor="ctr" bIns="91425" lIns="91425" spcFirstLastPara="1" rIns="91425" wrap="square" tIns="91425">
+            <a:noAutofit/>
+          </a:bodyPr>
+          <a:lstStyle/>
+          <a:p>
+            <a:pPr indent="0" lvl="0" marL="0" rtl="0" algn="ctr">
+              <a:spcBef>
+                <a:spcPts val="0"/>
+              </a:spcBef>
+              <a:spcAft>
+                <a:spcPts val="0"/>
+              </a:spcAft>
+              <a:buNone/>
+            </a:pPr>
+            <a:r>
+              <a:rPr lang="en" sz="1800">
+                <a:solidFill>
+                  <a:srgbClr val="E3FEF7"/>
+                </a:solidFill>
+              </a:rPr>
+              <a:t>Write here.</a:t>
+            </a:r>
+            <a:endParaRPr i="1" sz="1800">
+              <a:solidFill>
+                <a:srgbClr val="E3FEF7"/>
+              </a:solidFill>
+            </a:endParaRPr>
+          </a:p>
+        </p:txBody>
+      </p:sp>
+    </p:spTree>
+  </p:cSld>
+  <p:clrMapOvr>
+    <a:masterClrMapping/>
+  </p:clrMapOvr>
+</p:sld>
+</file>
+
+<file path=ppt/slides/slide13.xml><?xml version="1.0" encoding="utf-8"?>
+<p:sld xmlns:a="http://schemas.openxmlformats.org/drawingml/2006/main" xmlns:r="http://schemas.openxmlformats.org/officeDocument/2006/relationships" xmlns:mc="http://schemas.openxmlformats.org/markup-compatibility/2006" xmlns:mv="urn:schemas-microsoft-com:mac:vml" xmlns:p="http://schemas.openxmlformats.org/presentationml/2006/main" xmlns:c="http://schemas.openxmlformats.org/drawingml/2006/chart" xmlns:dgm="http://schemas.openxmlformats.org/drawingml/2006/diagram" xmlns:o="urn:schemas-microsoft-com:office:office" xmlns:v="urn:schemas-microsoft-com:vml" xmlns:pvml="urn:schemas-microsoft-com:office:powerpoint" xmlns:com="http://schemas.openxmlformats.org/drawingml/2006/compatibility" xmlns:p14="http://schemas.microsoft.com/office/powerpoint/2010/main" xmlns:p15="http://schemas.microsoft.com/office/powerpoint/2012/main" xmlns:ahyp="http://schemas.microsoft.com/office/drawing/2018/hyperlinkcolor">
+  <p:cSld>
+    <p:bg>
+      <p:bgPr>
+        <a:solidFill>
+          <a:srgbClr val="003C43"/>
+        </a:solidFill>
+      </p:bgPr>
+    </p:bg>
+    <p:spTree>
+      <p:nvGrpSpPr>
+        <p:cNvPr id="134" name="Shape 134"/>
+        <p:cNvGrpSpPr/>
+        <p:nvPr/>
+      </p:nvGrpSpPr>
+      <p:grpSpPr>
+        <a:xfrm>
+          <a:off x="0" y="0"/>
+          <a:ext cx="0" cy="0"/>
+          <a:chOff x="0" y="0"/>
+          <a:chExt cx="0" cy="0"/>
+        </a:xfrm>
+      </p:grpSpPr>
+      <p:sp>
+        <p:nvSpPr>
+          <p:cNvPr id="135" name="Google Shape;135;p25"/>
+          <p:cNvSpPr txBox="1"/>
+          <p:nvPr/>
+        </p:nvSpPr>
+        <p:spPr>
+          <a:xfrm>
+            <a:off x="0" y="180900"/>
+            <a:ext cx="9144000" cy="880800"/>
+          </a:xfrm>
+          <a:prstGeom prst="rect">
+            <a:avLst/>
+          </a:prstGeom>
+          <a:noFill/>
+          <a:ln>
+            <a:noFill/>
+          </a:ln>
+        </p:spPr>
+        <p:txBody>
+          <a:bodyPr anchorCtr="0" anchor="ctr" bIns="91425" lIns="91425" spcFirstLastPara="1" rIns="91425" wrap="square" tIns="91425">
+            <a:noAutofit/>
+          </a:bodyPr>
+          <a:lstStyle/>
+          <a:p>
+            <a:pPr indent="0" lvl="0" marL="0" rtl="0" algn="ctr">
+              <a:spcBef>
+                <a:spcPts val="0"/>
+              </a:spcBef>
+              <a:spcAft>
+                <a:spcPts val="0"/>
+              </a:spcAft>
+              <a:buNone/>
+            </a:pPr>
+            <a:r>
+              <a:rPr b="1" lang="en" sz="4000">
+                <a:solidFill>
+                  <a:srgbClr val="E3FEF7"/>
+                </a:solidFill>
+              </a:rPr>
               <a:t>References</a:t>
             </a:r>
             <a:endParaRPr b="1" sz="4000">
@@ -7162,7 +7460,7 @@
       </p:sp>
       <p:sp>
         <p:nvSpPr>
-          <p:cNvPr id="130" name="Google Shape;130;p24"/>
+          <p:cNvPr id="136" name="Google Shape;136;p25"/>
           <p:cNvSpPr txBox="1"/>
           <p:nvPr/>
         </p:nvSpPr>
@@ -7282,7 +7580,7 @@
                   <a:srgbClr val="E3FEF7"/>
                 </a:solidFill>
               </a:rPr>
-              <a:t>Introduction</a:t>
+              <a:t>Introducere</a:t>
             </a:r>
             <a:endParaRPr b="1" sz="4000">
               <a:solidFill>
@@ -7300,8 +7598,8 @@
         </p:nvSpPr>
         <p:spPr>
           <a:xfrm>
-            <a:off x="479750" y="1793125"/>
-            <a:ext cx="8234400" cy="2917800"/>
+            <a:off x="454800" y="1112850"/>
+            <a:ext cx="8234400" cy="3684600"/>
           </a:xfrm>
           <a:prstGeom prst="rect">
             <a:avLst/>
@@ -7312,19 +7610,88 @@
           </a:ln>
         </p:spPr>
         <p:txBody>
-          <a:bodyPr anchorCtr="0" anchor="ctr" bIns="91425" lIns="91425" spcFirstLastPara="1" rIns="91425" wrap="square" tIns="91425">
+          <a:bodyPr anchorCtr="0" anchor="t" bIns="91425" lIns="91425" spcFirstLastPara="1" rIns="91425" wrap="square" tIns="91425">
             <a:noAutofit/>
           </a:bodyPr>
           <a:lstStyle/>
           <a:p>
-            <a:pPr indent="0" lvl="0" marL="0" rtl="0" algn="ctr">
-              <a:spcBef>
-                <a:spcPts val="0"/>
-              </a:spcBef>
-              <a:spcAft>
-                <a:spcPts val="0"/>
-              </a:spcAft>
-              <a:buNone/>
+            <a:pPr indent="-342900" lvl="0" marL="457200" rtl="0" algn="l">
+              <a:lnSpc>
+                <a:spcPct val="130000"/>
+              </a:lnSpc>
+              <a:spcBef>
+                <a:spcPts val="0"/>
+              </a:spcBef>
+              <a:spcAft>
+                <a:spcPts val="0"/>
+              </a:spcAft>
+              <a:buClr>
+                <a:srgbClr val="E3FEF7"/>
+              </a:buClr>
+              <a:buSzPts val="1800"/>
+              <a:buChar char="●"/>
+            </a:pPr>
+            <a:r>
+              <a:rPr b="1" lang="en" sz="1800">
+                <a:solidFill>
+                  <a:srgbClr val="E3FEF7"/>
+                </a:solidFill>
+              </a:rPr>
+              <a:t>Context și importanță:</a:t>
+            </a:r>
+            <a:endParaRPr b="1" sz="1800">
+              <a:solidFill>
+                <a:srgbClr val="E3FEF7"/>
+              </a:solidFill>
+            </a:endParaRPr>
+          </a:p>
+          <a:p>
+            <a:pPr indent="-342900" lvl="1" marL="914400" rtl="0" algn="l">
+              <a:lnSpc>
+                <a:spcPct val="130000"/>
+              </a:lnSpc>
+              <a:spcBef>
+                <a:spcPts val="0"/>
+              </a:spcBef>
+              <a:spcAft>
+                <a:spcPts val="0"/>
+              </a:spcAft>
+              <a:buClr>
+                <a:srgbClr val="E3FEF7"/>
+              </a:buClr>
+              <a:buSzPts val="1800"/>
+              <a:buChar char="○"/>
+            </a:pPr>
+            <a:r>
+              <a:rPr b="1" lang="en" sz="1800">
+                <a:solidFill>
+                  <a:srgbClr val="E3FEF7"/>
+                </a:solidFill>
+              </a:rPr>
+              <a:t>Controlul accesului:</a:t>
+            </a:r>
+            <a:endParaRPr b="1" sz="1800">
+              <a:solidFill>
+                <a:srgbClr val="E3FEF7"/>
+              </a:solidFill>
+            </a:endParaRPr>
+          </a:p>
+          <a:p>
+            <a:pPr indent="-342900" lvl="2" marL="1371600" rtl="0" algn="l">
+              <a:lnSpc>
+                <a:spcPct val="130000"/>
+              </a:lnSpc>
+              <a:spcBef>
+                <a:spcPts val="0"/>
+              </a:spcBef>
+              <a:spcAft>
+                <a:spcPts val="0"/>
+              </a:spcAft>
+              <a:buClr>
+                <a:srgbClr val="E3FEF7"/>
+              </a:buClr>
+              <a:buSzPts val="1800"/>
+              <a:buChar char="■"/>
             </a:pPr>
             <a:r>
               <a:rPr lang="en" sz="1800">
@@ -7332,9 +7699,195 @@
                   <a:srgbClr val="E3FEF7"/>
                 </a:solidFill>
               </a:rPr>
-              <a:t>Write here.</a:t>
+              <a:t>componentă esențială a securității informațiilor</a:t>
             </a:r>
-            <a:endParaRPr i="1" sz="1800">
+            <a:endParaRPr sz="1800">
+              <a:solidFill>
+                <a:srgbClr val="E3FEF7"/>
+              </a:solidFill>
+            </a:endParaRPr>
+          </a:p>
+          <a:p>
+            <a:pPr indent="-342900" lvl="1" marL="914400" rtl="0" algn="l">
+              <a:lnSpc>
+                <a:spcPct val="130000"/>
+              </a:lnSpc>
+              <a:spcBef>
+                <a:spcPts val="0"/>
+              </a:spcBef>
+              <a:spcAft>
+                <a:spcPts val="0"/>
+              </a:spcAft>
+              <a:buClr>
+                <a:srgbClr val="E3FEF7"/>
+              </a:buClr>
+              <a:buSzPts val="1800"/>
+              <a:buChar char="○"/>
+            </a:pPr>
+            <a:r>
+              <a:rPr b="1" lang="en" sz="1800">
+                <a:solidFill>
+                  <a:srgbClr val="E3FEF7"/>
+                </a:solidFill>
+              </a:rPr>
+              <a:t>XML:</a:t>
+            </a:r>
+            <a:endParaRPr b="1" sz="1800">
+              <a:solidFill>
+                <a:srgbClr val="E3FEF7"/>
+              </a:solidFill>
+            </a:endParaRPr>
+          </a:p>
+          <a:p>
+            <a:pPr indent="-342900" lvl="2" marL="1371600" rtl="0" algn="l">
+              <a:lnSpc>
+                <a:spcPct val="130000"/>
+              </a:lnSpc>
+              <a:spcBef>
+                <a:spcPts val="0"/>
+              </a:spcBef>
+              <a:spcAft>
+                <a:spcPts val="0"/>
+              </a:spcAft>
+              <a:buClr>
+                <a:srgbClr val="E3FEF7"/>
+              </a:buClr>
+              <a:buSzPts val="1800"/>
+              <a:buChar char="■"/>
+            </a:pPr>
+            <a:r>
+              <a:rPr lang="en" sz="1800">
+                <a:solidFill>
+                  <a:srgbClr val="E3FEF7"/>
+                </a:solidFill>
+              </a:rPr>
+              <a:t>utilizat pe scară largă pentru reprezentarea și schimbul de date</a:t>
+            </a:r>
+            <a:endParaRPr sz="1800">
+              <a:solidFill>
+                <a:srgbClr val="E3FEF7"/>
+              </a:solidFill>
+            </a:endParaRPr>
+          </a:p>
+          <a:p>
+            <a:pPr indent="-342900" lvl="0" marL="457200" rtl="0" algn="l">
+              <a:lnSpc>
+                <a:spcPct val="130000"/>
+              </a:lnSpc>
+              <a:spcBef>
+                <a:spcPts val="0"/>
+              </a:spcBef>
+              <a:spcAft>
+                <a:spcPts val="0"/>
+              </a:spcAft>
+              <a:buClr>
+                <a:srgbClr val="E3FEF7"/>
+              </a:buClr>
+              <a:buSzPts val="1800"/>
+              <a:buChar char="●"/>
+            </a:pPr>
+            <a:r>
+              <a:rPr b="1" lang="en" sz="1800">
+                <a:solidFill>
+                  <a:srgbClr val="E3FEF7"/>
+                </a:solidFill>
+              </a:rPr>
+              <a:t>Provocări specifice XML:</a:t>
+            </a:r>
+            <a:endParaRPr b="1" sz="1800">
+              <a:solidFill>
+                <a:srgbClr val="E3FEF7"/>
+              </a:solidFill>
+            </a:endParaRPr>
+          </a:p>
+          <a:p>
+            <a:pPr indent="-342900" lvl="1" marL="914400" rtl="0" algn="l">
+              <a:lnSpc>
+                <a:spcPct val="130000"/>
+              </a:lnSpc>
+              <a:spcBef>
+                <a:spcPts val="0"/>
+              </a:spcBef>
+              <a:spcAft>
+                <a:spcPts val="0"/>
+              </a:spcAft>
+              <a:buClr>
+                <a:srgbClr val="E3FEF7"/>
+              </a:buClr>
+              <a:buSzPts val="1800"/>
+              <a:buChar char="○"/>
+            </a:pPr>
+            <a:r>
+              <a:rPr lang="en" sz="1800">
+                <a:solidFill>
+                  <a:srgbClr val="E3FEF7"/>
+                </a:solidFill>
+              </a:rPr>
+              <a:t>Necesitatea definirii unor politici de acces detaliate:</a:t>
+            </a:r>
+            <a:endParaRPr sz="1800">
+              <a:solidFill>
+                <a:srgbClr val="E3FEF7"/>
+              </a:solidFill>
+            </a:endParaRPr>
+          </a:p>
+          <a:p>
+            <a:pPr indent="-342900" lvl="2" marL="1371600" rtl="0" algn="l">
+              <a:lnSpc>
+                <a:spcPct val="130000"/>
+              </a:lnSpc>
+              <a:spcBef>
+                <a:spcPts val="0"/>
+              </a:spcBef>
+              <a:spcAft>
+                <a:spcPts val="0"/>
+              </a:spcAft>
+              <a:buClr>
+                <a:srgbClr val="E3FEF7"/>
+              </a:buClr>
+              <a:buSzPts val="1800"/>
+              <a:buChar char="■"/>
+            </a:pPr>
+            <a:r>
+              <a:rPr lang="en" sz="1800">
+                <a:solidFill>
+                  <a:srgbClr val="E3FEF7"/>
+                </a:solidFill>
+              </a:rPr>
+              <a:t>să permită controlul la nivelul fiecărui element sau atribut din documentele XML</a:t>
+            </a:r>
+            <a:endParaRPr sz="1800">
+              <a:solidFill>
+                <a:srgbClr val="E3FEF7"/>
+              </a:solidFill>
+            </a:endParaRPr>
+          </a:p>
+          <a:p>
+            <a:pPr indent="-342900" lvl="1" marL="914400" rtl="0" algn="l">
+              <a:lnSpc>
+                <a:spcPct val="130000"/>
+              </a:lnSpc>
+              <a:spcBef>
+                <a:spcPts val="0"/>
+              </a:spcBef>
+              <a:spcAft>
+                <a:spcPts val="0"/>
+              </a:spcAft>
+              <a:buClr>
+                <a:srgbClr val="E3FEF7"/>
+              </a:buClr>
+              <a:buSzPts val="1800"/>
+              <a:buChar char="○"/>
+            </a:pPr>
+            <a:r>
+              <a:rPr lang="en" sz="1800">
+                <a:solidFill>
+                  <a:srgbClr val="E3FEF7"/>
+                </a:solidFill>
+              </a:rPr>
+              <a:t>Riscuri crescute de securitate datorită flexibilității formatului</a:t>
+            </a:r>
+            <a:endParaRPr sz="1800">
               <a:solidFill>
                 <a:srgbClr val="E3FEF7"/>
               </a:solidFill>
@@ -7414,7 +7967,7 @@
                   <a:srgbClr val="E3FEF7"/>
                 </a:solidFill>
               </a:rPr>
-              <a:t>XML Access Control Models</a:t>
+              <a:t>Introducere</a:t>
             </a:r>
             <a:endParaRPr b="1" sz="4000">
               <a:solidFill>
@@ -7432,8 +7985,8 @@
         </p:nvSpPr>
         <p:spPr>
           <a:xfrm>
-            <a:off x="479750" y="1793125"/>
-            <a:ext cx="8234400" cy="2917800"/>
+            <a:off x="454800" y="1112850"/>
+            <a:ext cx="8234400" cy="3684600"/>
           </a:xfrm>
           <a:prstGeom prst="rect">
             <a:avLst/>
@@ -7444,19 +7997,57 @@
           </a:ln>
         </p:spPr>
         <p:txBody>
-          <a:bodyPr anchorCtr="0" anchor="ctr" bIns="91425" lIns="91425" spcFirstLastPara="1" rIns="91425" wrap="square" tIns="91425">
+          <a:bodyPr anchorCtr="0" anchor="t" bIns="91425" lIns="91425" spcFirstLastPara="1" rIns="91425" wrap="square" tIns="91425">
             <a:noAutofit/>
           </a:bodyPr>
           <a:lstStyle/>
           <a:p>
-            <a:pPr indent="0" lvl="0" marL="0" rtl="0" algn="ctr">
-              <a:spcBef>
-                <a:spcPts val="0"/>
-              </a:spcBef>
-              <a:spcAft>
-                <a:spcPts val="0"/>
-              </a:spcAft>
-              <a:buNone/>
+            <a:pPr indent="-342900" lvl="0" marL="457200" rtl="0" algn="l">
+              <a:lnSpc>
+                <a:spcPct val="130000"/>
+              </a:lnSpc>
+              <a:spcBef>
+                <a:spcPts val="0"/>
+              </a:spcBef>
+              <a:spcAft>
+                <a:spcPts val="0"/>
+              </a:spcAft>
+              <a:buClr>
+                <a:srgbClr val="E3FEF7"/>
+              </a:buClr>
+              <a:buSzPts val="1800"/>
+              <a:buChar char="●"/>
+            </a:pPr>
+            <a:r>
+              <a:rPr b="1" lang="en" sz="1800">
+                <a:solidFill>
+                  <a:srgbClr val="E3FEF7"/>
+                </a:solidFill>
+              </a:rPr>
+              <a:t>Soluții și abordări:</a:t>
+            </a:r>
+            <a:endParaRPr b="1" sz="1800">
+              <a:solidFill>
+                <a:srgbClr val="E3FEF7"/>
+              </a:solidFill>
+            </a:endParaRPr>
+          </a:p>
+          <a:p>
+            <a:pPr indent="-342900" lvl="1" marL="914400" rtl="0" algn="l">
+              <a:lnSpc>
+                <a:spcPct val="130000"/>
+              </a:lnSpc>
+              <a:spcBef>
+                <a:spcPts val="0"/>
+              </a:spcBef>
+              <a:spcAft>
+                <a:spcPts val="0"/>
+              </a:spcAft>
+              <a:buClr>
+                <a:srgbClr val="E3FEF7"/>
+              </a:buClr>
+              <a:buSzPts val="1800"/>
+              <a:buChar char="○"/>
             </a:pPr>
             <a:r>
               <a:rPr lang="en" sz="1800">
@@ -7464,59 +8055,226 @@
                   <a:srgbClr val="E3FEF7"/>
                 </a:solidFill>
               </a:rPr>
-              <a:t>Write here.</a:t>
+              <a:t>Control granular al accesului</a:t>
             </a:r>
-            <a:endParaRPr i="1" sz="1800">
+            <a:endParaRPr sz="1800">
               <a:solidFill>
                 <a:srgbClr val="E3FEF7"/>
               </a:solidFill>
             </a:endParaRPr>
           </a:p>
-        </p:txBody>
-      </p:sp>
-      <p:sp>
-        <p:nvSpPr>
-          <p:cNvPr id="70" name="Google Shape;70;p15"/>
-          <p:cNvSpPr txBox="1"/>
-          <p:nvPr/>
-        </p:nvSpPr>
-        <p:spPr>
-          <a:xfrm>
-            <a:off x="0" y="1061700"/>
-            <a:ext cx="9144000" cy="495600"/>
-          </a:xfrm>
-          <a:prstGeom prst="rect">
-            <a:avLst/>
-          </a:prstGeom>
-          <a:noFill/>
-          <a:ln>
-            <a:noFill/>
-          </a:ln>
-        </p:spPr>
-        <p:txBody>
-          <a:bodyPr anchorCtr="0" anchor="ctr" bIns="91425" lIns="91425" spcFirstLastPara="1" rIns="91425" wrap="square" tIns="91425">
-            <a:noAutofit/>
-          </a:bodyPr>
-          <a:lstStyle/>
           <a:p>
-            <a:pPr indent="0" lvl="0" marL="0" rtl="0" algn="ctr">
-              <a:spcBef>
-                <a:spcPts val="0"/>
-              </a:spcBef>
-              <a:spcAft>
-                <a:spcPts val="0"/>
-              </a:spcAft>
-              <a:buNone/>
+            <a:pPr indent="-342900" lvl="1" marL="914400" rtl="0" algn="l">
+              <a:lnSpc>
+                <a:spcPct val="130000"/>
+              </a:lnSpc>
+              <a:spcBef>
+                <a:spcPts val="0"/>
+              </a:spcBef>
+              <a:spcAft>
+                <a:spcPts val="0"/>
+              </a:spcAft>
+              <a:buClr>
+                <a:srgbClr val="E3FEF7"/>
+              </a:buClr>
+              <a:buSzPts val="1800"/>
+              <a:buChar char="○"/>
             </a:pPr>
             <a:r>
-              <a:rPr b="1" lang="en" sz="2600">
+              <a:rPr lang="en" sz="1800">
                 <a:solidFill>
                   <a:srgbClr val="E3FEF7"/>
                 </a:solidFill>
               </a:rPr>
-              <a:t>Basic Concepts</a:t>
+              <a:t>Control bazat pe roluri (RBAC)</a:t>
             </a:r>
-            <a:endParaRPr b="1" sz="2600">
+            <a:endParaRPr sz="1800">
+              <a:solidFill>
+                <a:srgbClr val="E3FEF7"/>
+              </a:solidFill>
+            </a:endParaRPr>
+          </a:p>
+          <a:p>
+            <a:pPr indent="-342900" lvl="1" marL="914400" rtl="0" algn="l">
+              <a:lnSpc>
+                <a:spcPct val="130000"/>
+              </a:lnSpc>
+              <a:spcBef>
+                <a:spcPts val="0"/>
+              </a:spcBef>
+              <a:spcAft>
+                <a:spcPts val="0"/>
+              </a:spcAft>
+              <a:buClr>
+                <a:srgbClr val="E3FEF7"/>
+              </a:buClr>
+              <a:buSzPts val="1800"/>
+              <a:buChar char="○"/>
+            </a:pPr>
+            <a:r>
+              <a:rPr lang="en" sz="1800">
+                <a:solidFill>
+                  <a:srgbClr val="E3FEF7"/>
+                </a:solidFill>
+              </a:rPr>
+              <a:t>Limbaje standardizate, precum XACML</a:t>
+            </a:r>
+            <a:endParaRPr sz="1800">
+              <a:solidFill>
+                <a:srgbClr val="E3FEF7"/>
+              </a:solidFill>
+            </a:endParaRPr>
+          </a:p>
+          <a:p>
+            <a:pPr indent="-342900" lvl="0" marL="457200" rtl="0" algn="l">
+              <a:lnSpc>
+                <a:spcPct val="130000"/>
+              </a:lnSpc>
+              <a:spcBef>
+                <a:spcPts val="0"/>
+              </a:spcBef>
+              <a:spcAft>
+                <a:spcPts val="0"/>
+              </a:spcAft>
+              <a:buClr>
+                <a:srgbClr val="E3FEF7"/>
+              </a:buClr>
+              <a:buSzPts val="1800"/>
+              <a:buChar char="●"/>
+            </a:pPr>
+            <a:r>
+              <a:rPr b="1" lang="en" sz="1800">
+                <a:solidFill>
+                  <a:srgbClr val="E3FEF7"/>
+                </a:solidFill>
+              </a:rPr>
+              <a:t>În următoarele capitole:</a:t>
+            </a:r>
+            <a:endParaRPr b="1" sz="1800">
+              <a:solidFill>
+                <a:srgbClr val="E3FEF7"/>
+              </a:solidFill>
+            </a:endParaRPr>
+          </a:p>
+          <a:p>
+            <a:pPr indent="-342900" lvl="1" marL="914400" rtl="0" algn="l">
+              <a:lnSpc>
+                <a:spcPct val="130000"/>
+              </a:lnSpc>
+              <a:spcBef>
+                <a:spcPts val="0"/>
+              </a:spcBef>
+              <a:spcAft>
+                <a:spcPts val="0"/>
+              </a:spcAft>
+              <a:buClr>
+                <a:srgbClr val="E3FEF7"/>
+              </a:buClr>
+              <a:buSzPts val="1800"/>
+              <a:buChar char="○"/>
+            </a:pPr>
+            <a:r>
+              <a:rPr lang="en" sz="1800">
+                <a:solidFill>
+                  <a:srgbClr val="E3FEF7"/>
+                </a:solidFill>
+              </a:rPr>
+              <a:t>Analiza conceptelor și modelelor de control al accesului pentru XML</a:t>
+            </a:r>
+            <a:endParaRPr sz="1800">
+              <a:solidFill>
+                <a:srgbClr val="E3FEF7"/>
+              </a:solidFill>
+            </a:endParaRPr>
+          </a:p>
+          <a:p>
+            <a:pPr indent="-342900" lvl="1" marL="914400" rtl="0" algn="l">
+              <a:lnSpc>
+                <a:spcPct val="130000"/>
+              </a:lnSpc>
+              <a:spcBef>
+                <a:spcPts val="0"/>
+              </a:spcBef>
+              <a:spcAft>
+                <a:spcPts val="0"/>
+              </a:spcAft>
+              <a:buClr>
+                <a:srgbClr val="E3FEF7"/>
+              </a:buClr>
+              <a:buSzPts val="1800"/>
+              <a:buChar char="○"/>
+            </a:pPr>
+            <a:r>
+              <a:rPr lang="en" sz="1800">
+                <a:solidFill>
+                  <a:srgbClr val="E3FEF7"/>
+                </a:solidFill>
+              </a:rPr>
+              <a:t>Implementare practică și studii de caz</a:t>
+            </a:r>
+            <a:endParaRPr sz="1800">
+              <a:solidFill>
+                <a:srgbClr val="E3FEF7"/>
+              </a:solidFill>
+            </a:endParaRPr>
+          </a:p>
+          <a:p>
+            <a:pPr indent="-342900" lvl="1" marL="914400" rtl="0" algn="l">
+              <a:lnSpc>
+                <a:spcPct val="130000"/>
+              </a:lnSpc>
+              <a:spcBef>
+                <a:spcPts val="0"/>
+              </a:spcBef>
+              <a:spcAft>
+                <a:spcPts val="0"/>
+              </a:spcAft>
+              <a:buClr>
+                <a:srgbClr val="E3FEF7"/>
+              </a:buClr>
+              <a:buSzPts val="1800"/>
+              <a:buChar char="○"/>
+            </a:pPr>
+            <a:r>
+              <a:rPr lang="en" sz="1800">
+                <a:solidFill>
+                  <a:srgbClr val="E3FEF7"/>
+                </a:solidFill>
+              </a:rPr>
+              <a:t>Optimizarea securității și performanței</a:t>
+            </a:r>
+            <a:endParaRPr sz="1800">
+              <a:solidFill>
+                <a:srgbClr val="E3FEF7"/>
+              </a:solidFill>
+            </a:endParaRPr>
+          </a:p>
+          <a:p>
+            <a:pPr indent="-342900" lvl="1" marL="914400" rtl="0" algn="l">
+              <a:lnSpc>
+                <a:spcPct val="130000"/>
+              </a:lnSpc>
+              <a:spcBef>
+                <a:spcPts val="0"/>
+              </a:spcBef>
+              <a:spcAft>
+                <a:spcPts val="0"/>
+              </a:spcAft>
+              <a:buClr>
+                <a:srgbClr val="E3FEF7"/>
+              </a:buClr>
+              <a:buSzPts val="1800"/>
+              <a:buChar char="○"/>
+            </a:pPr>
+            <a:r>
+              <a:rPr lang="en" sz="1800">
+                <a:solidFill>
+                  <a:srgbClr val="E3FEF7"/>
+                </a:solidFill>
+              </a:rPr>
+              <a:t>Concluzii</a:t>
+            </a:r>
+            <a:endParaRPr sz="1800">
               <a:solidFill>
                 <a:srgbClr val="E3FEF7"/>
               </a:solidFill>
@@ -7544,7 +8302,7 @@
     </p:bg>
     <p:spTree>
       <p:nvGrpSpPr>
-        <p:cNvPr id="74" name="Shape 74"/>
+        <p:cNvPr id="73" name="Shape 73"/>
         <p:cNvGrpSpPr/>
         <p:nvPr/>
       </p:nvGrpSpPr>
@@ -7558,7 +8316,7 @@
       </p:grpSpPr>
       <p:sp>
         <p:nvSpPr>
-          <p:cNvPr id="75" name="Google Shape;75;p16"/>
+          <p:cNvPr id="74" name="Google Shape;74;p16"/>
           <p:cNvSpPr txBox="1"/>
           <p:nvPr/>
         </p:nvSpPr>
@@ -7608,7 +8366,7 @@
       </p:sp>
       <p:sp>
         <p:nvSpPr>
-          <p:cNvPr id="76" name="Google Shape;76;p16"/>
+          <p:cNvPr id="75" name="Google Shape;75;p16"/>
           <p:cNvSpPr txBox="1"/>
           <p:nvPr/>
         </p:nvSpPr>
@@ -7658,7 +8416,7 @@
       </p:sp>
       <p:sp>
         <p:nvSpPr>
-          <p:cNvPr id="77" name="Google Shape;77;p16"/>
+          <p:cNvPr id="76" name="Google Shape;76;p16"/>
           <p:cNvSpPr txBox="1"/>
           <p:nvPr/>
         </p:nvSpPr>
@@ -7696,7 +8454,7 @@
                   <a:srgbClr val="E3FEF7"/>
                 </a:solidFill>
               </a:rPr>
-              <a:t>Fine-Grained Access Control</a:t>
+              <a:t>Basic Concepts</a:t>
             </a:r>
             <a:endParaRPr b="1" sz="2600">
               <a:solidFill>
@@ -7726,7 +8484,7 @@
     </p:bg>
     <p:spTree>
       <p:nvGrpSpPr>
-        <p:cNvPr id="81" name="Shape 81"/>
+        <p:cNvPr id="80" name="Shape 80"/>
         <p:cNvGrpSpPr/>
         <p:nvPr/>
       </p:nvGrpSpPr>
@@ -7740,7 +8498,7 @@
       </p:grpSpPr>
       <p:sp>
         <p:nvSpPr>
-          <p:cNvPr id="82" name="Google Shape;82;p17"/>
+          <p:cNvPr id="81" name="Google Shape;81;p17"/>
           <p:cNvSpPr txBox="1"/>
           <p:nvPr/>
         </p:nvSpPr>
@@ -7790,7 +8548,7 @@
       </p:sp>
       <p:sp>
         <p:nvSpPr>
-          <p:cNvPr id="83" name="Google Shape;83;p17"/>
+          <p:cNvPr id="82" name="Google Shape;82;p17"/>
           <p:cNvSpPr txBox="1"/>
           <p:nvPr/>
         </p:nvSpPr>
@@ -7840,7 +8598,7 @@
       </p:sp>
       <p:sp>
         <p:nvSpPr>
-          <p:cNvPr id="84" name="Google Shape;84;p17"/>
+          <p:cNvPr id="83" name="Google Shape;83;p17"/>
           <p:cNvSpPr txBox="1"/>
           <p:nvPr/>
         </p:nvSpPr>
@@ -7878,7 +8636,7 @@
                   <a:srgbClr val="E3FEF7"/>
                 </a:solidFill>
               </a:rPr>
-              <a:t>Role-Based Access Control for XML</a:t>
+              <a:t>Fine-Grained Access Control</a:t>
             </a:r>
             <a:endParaRPr b="1" sz="2600">
               <a:solidFill>
@@ -7908,7 +8666,7 @@
     </p:bg>
     <p:spTree>
       <p:nvGrpSpPr>
-        <p:cNvPr id="88" name="Shape 88"/>
+        <p:cNvPr id="87" name="Shape 87"/>
         <p:cNvGrpSpPr/>
         <p:nvPr/>
       </p:nvGrpSpPr>
@@ -7922,7 +8680,7 @@
       </p:grpSpPr>
       <p:sp>
         <p:nvSpPr>
-          <p:cNvPr id="89" name="Google Shape;89;p18"/>
+          <p:cNvPr id="88" name="Google Shape;88;p18"/>
           <p:cNvSpPr txBox="1"/>
           <p:nvPr/>
         </p:nvSpPr>
@@ -7960,7 +8718,7 @@
                   <a:srgbClr val="E3FEF7"/>
                 </a:solidFill>
               </a:rPr>
-              <a:t>Access Control Policy Languages</a:t>
+              <a:t>XML Access Control Models</a:t>
             </a:r>
             <a:endParaRPr b="1" sz="4000">
               <a:solidFill>
@@ -7972,7 +8730,7 @@
       </p:sp>
       <p:sp>
         <p:nvSpPr>
-          <p:cNvPr id="90" name="Google Shape;90;p18"/>
+          <p:cNvPr id="89" name="Google Shape;89;p18"/>
           <p:cNvSpPr txBox="1"/>
           <p:nvPr/>
         </p:nvSpPr>
@@ -8022,7 +8780,7 @@
       </p:sp>
       <p:sp>
         <p:nvSpPr>
-          <p:cNvPr id="91" name="Google Shape;91;p18"/>
+          <p:cNvPr id="90" name="Google Shape;90;p18"/>
           <p:cNvSpPr txBox="1"/>
           <p:nvPr/>
         </p:nvSpPr>
@@ -8060,7 +8818,7 @@
                   <a:srgbClr val="E3FEF7"/>
                 </a:solidFill>
               </a:rPr>
-              <a:t>XACML</a:t>
+              <a:t>Role-Based Access Control for XML</a:t>
             </a:r>
             <a:endParaRPr b="1" sz="2600">
               <a:solidFill>
@@ -8090,7 +8848,7 @@
     </p:bg>
     <p:spTree>
       <p:nvGrpSpPr>
-        <p:cNvPr id="95" name="Shape 95"/>
+        <p:cNvPr id="94" name="Shape 94"/>
         <p:cNvGrpSpPr/>
         <p:nvPr/>
       </p:nvGrpSpPr>
@@ -8104,7 +8862,7 @@
       </p:grpSpPr>
       <p:sp>
         <p:nvSpPr>
-          <p:cNvPr id="96" name="Google Shape;96;p19"/>
+          <p:cNvPr id="95" name="Google Shape;95;p19"/>
           <p:cNvSpPr txBox="1"/>
           <p:nvPr/>
         </p:nvSpPr>
@@ -8154,7 +8912,7 @@
       </p:sp>
       <p:sp>
         <p:nvSpPr>
-          <p:cNvPr id="97" name="Google Shape;97;p19"/>
+          <p:cNvPr id="96" name="Google Shape;96;p19"/>
           <p:cNvSpPr txBox="1"/>
           <p:nvPr/>
         </p:nvSpPr>
@@ -8204,7 +8962,7 @@
       </p:sp>
       <p:sp>
         <p:nvSpPr>
-          <p:cNvPr id="98" name="Google Shape;98;p19"/>
+          <p:cNvPr id="97" name="Google Shape;97;p19"/>
           <p:cNvSpPr txBox="1"/>
           <p:nvPr/>
         </p:nvSpPr>
@@ -8242,7 +9000,7 @@
                   <a:srgbClr val="E3FEF7"/>
                 </a:solidFill>
               </a:rPr>
-              <a:t>Custom Policy Specifications</a:t>
+              <a:t>XACML</a:t>
             </a:r>
             <a:endParaRPr b="1" sz="2600">
               <a:solidFill>
@@ -8272,7 +9030,7 @@
     </p:bg>
     <p:spTree>
       <p:nvGrpSpPr>
-        <p:cNvPr id="102" name="Shape 102"/>
+        <p:cNvPr id="101" name="Shape 101"/>
         <p:cNvGrpSpPr/>
         <p:nvPr/>
       </p:nvGrpSpPr>
@@ -8286,7 +9044,7 @@
       </p:grpSpPr>
       <p:sp>
         <p:nvSpPr>
-          <p:cNvPr id="103" name="Google Shape;103;p20"/>
+          <p:cNvPr id="102" name="Google Shape;102;p20"/>
           <p:cNvSpPr txBox="1"/>
           <p:nvPr/>
         </p:nvSpPr>
@@ -8324,7 +9082,7 @@
                   <a:srgbClr val="E3FEF7"/>
                 </a:solidFill>
               </a:rPr>
-              <a:t>Implementation Approaches</a:t>
+              <a:t>Access Control Policy Languages</a:t>
             </a:r>
             <a:endParaRPr b="1" sz="4000">
               <a:solidFill>
@@ -8336,7 +9094,7 @@
       </p:sp>
       <p:sp>
         <p:nvSpPr>
-          <p:cNvPr id="104" name="Google Shape;104;p20"/>
+          <p:cNvPr id="103" name="Google Shape;103;p20"/>
           <p:cNvSpPr txBox="1"/>
           <p:nvPr/>
         </p:nvSpPr>
@@ -8386,7 +9144,7 @@
       </p:sp>
       <p:sp>
         <p:nvSpPr>
-          <p:cNvPr id="105" name="Google Shape;105;p20"/>
+          <p:cNvPr id="104" name="Google Shape;104;p20"/>
           <p:cNvSpPr txBox="1"/>
           <p:nvPr/>
         </p:nvSpPr>
@@ -8424,7 +9182,7 @@
                   <a:srgbClr val="E3FEF7"/>
                 </a:solidFill>
               </a:rPr>
-              <a:t>Enforcement Mechanisms</a:t>
+              <a:t>Custom Policy Specifications</a:t>
             </a:r>
             <a:endParaRPr b="1" sz="2600">
               <a:solidFill>
@@ -8454,7 +9212,7 @@
     </p:bg>
     <p:spTree>
       <p:nvGrpSpPr>
-        <p:cNvPr id="109" name="Shape 109"/>
+        <p:cNvPr id="108" name="Shape 108"/>
         <p:cNvGrpSpPr/>
         <p:nvPr/>
       </p:nvGrpSpPr>
@@ -8468,7 +9226,7 @@
       </p:grpSpPr>
       <p:sp>
         <p:nvSpPr>
-          <p:cNvPr id="110" name="Google Shape;110;p21"/>
+          <p:cNvPr id="109" name="Google Shape;109;p21"/>
           <p:cNvSpPr txBox="1"/>
           <p:nvPr/>
         </p:nvSpPr>
@@ -8518,7 +9276,7 @@
       </p:sp>
       <p:sp>
         <p:nvSpPr>
-          <p:cNvPr id="111" name="Google Shape;111;p21"/>
+          <p:cNvPr id="110" name="Google Shape;110;p21"/>
           <p:cNvSpPr txBox="1"/>
           <p:nvPr/>
         </p:nvSpPr>
@@ -8568,7 +9326,7 @@
       </p:sp>
       <p:sp>
         <p:nvSpPr>
-          <p:cNvPr id="112" name="Google Shape;112;p21"/>
+          <p:cNvPr id="111" name="Google Shape;111;p21"/>
           <p:cNvSpPr txBox="1"/>
           <p:nvPr/>
         </p:nvSpPr>
@@ -8606,7 +9364,7 @@
                   <a:srgbClr val="E3FEF7"/>
                 </a:solidFill>
               </a:rPr>
-              <a:t>Performance Considerations</a:t>
+              <a:t>Enforcement Mechanisms</a:t>
             </a:r>
             <a:endParaRPr b="1" sz="2600">
               <a:solidFill>
@@ -8625,6 +9383,285 @@
 </file>
 
 <file path=ppt/theme/theme1.xml><?xml version="1.0" encoding="utf-8"?>
+<a:theme xmlns:a="http://schemas.openxmlformats.org/drawingml/2006/main" xmlns:r="http://schemas.openxmlformats.org/officeDocument/2006/relationships" name="Simple Light">
+  <a:themeElements>
+    <a:clrScheme name="Simple Light">
+      <a:dk1>
+        <a:srgbClr val="000000"/>
+      </a:dk1>
+      <a:lt1>
+        <a:srgbClr val="FFFFFF"/>
+      </a:lt1>
+      <a:dk2>
+        <a:srgbClr val="595959"/>
+      </a:dk2>
+      <a:lt2>
+        <a:srgbClr val="EEEEEE"/>
+      </a:lt2>
+      <a:accent1>
+        <a:srgbClr val="4285F4"/>
+      </a:accent1>
+      <a:accent2>
+        <a:srgbClr val="212121"/>
+      </a:accent2>
+      <a:accent3>
+        <a:srgbClr val="78909C"/>
+      </a:accent3>
+      <a:accent4>
+        <a:srgbClr val="FFAB40"/>
+      </a:accent4>
+      <a:accent5>
+        <a:srgbClr val="0097A7"/>
+      </a:accent5>
+      <a:accent6>
+        <a:srgbClr val="EEFF41"/>
+      </a:accent6>
+      <a:hlink>
+        <a:srgbClr val="0097A7"/>
+      </a:hlink>
+      <a:folHlink>
+        <a:srgbClr val="0097A7"/>
+      </a:folHlink>
+    </a:clrScheme>
+    <a:fontScheme name="Office">
+      <a:majorFont>
+        <a:latin typeface="Arial"/>
+        <a:ea typeface=""/>
+        <a:cs typeface=""/>
+        <a:font script="Jpan" typeface="ＭＳ Ｐゴシック"/>
+        <a:font script="Hang" typeface="맑은 고딕"/>
+        <a:font script="Hans" typeface="宋体"/>
+        <a:font script="Hant" typeface="新細明體"/>
+        <a:font script="Arab" typeface="Times New Roman"/>
+        <a:font script="Hebr" typeface="Times New Roman"/>
+        <a:font script="Thai" typeface="Angsana New"/>
+        <a:font script="Ethi" typeface="Nyala"/>
+        <a:font script="Beng" typeface="Vrinda"/>
+        <a:font script="Gujr" typeface="Shruti"/>
+        <a:font script="Khmr" typeface="MoolBoran"/>
+        <a:font script="Knda" typeface="Tunga"/>
+        <a:font script="Guru" typeface="Raavi"/>
+        <a:font script="Cans" typeface="Euphemia"/>
+        <a:font script="Cher" typeface="Plantagenet Cherokee"/>
+        <a:font script="Yiii" typeface="Microsoft Yi Baiti"/>
+        <a:font script="Tibt" typeface="Microsoft Himalaya"/>
+        <a:font script="Thaa" typeface="MV Boli"/>
+        <a:font script="Deva" typeface="Mangal"/>
+        <a:font script="Telu" typeface="Gautami"/>
+        <a:font script="Taml" typeface="Latha"/>
+        <a:font script="Syrc" typeface="Estrangelo Edessa"/>
+        <a:font script="Orya" typeface="Kalinga"/>
+        <a:font script="Mlym" typeface="Kartika"/>
+        <a:font script="Laoo" typeface="DokChampa"/>
+        <a:font script="Sinh" typeface="Iskoola Pota"/>
+        <a:font script="Mong" typeface="Mongolian Baiti"/>
+        <a:font script="Viet" typeface="Times New Roman"/>
+        <a:font script="Uigh" typeface="Microsoft Uighur"/>
+        <a:font script="Geor" typeface="Sylfaen"/>
+      </a:majorFont>
+      <a:minorFont>
+        <a:latin typeface="Arial"/>
+        <a:ea typeface=""/>
+        <a:cs typeface=""/>
+        <a:font script="Jpan" typeface="ＭＳ Ｐゴシック"/>
+        <a:font script="Hang" typeface="맑은 고딕"/>
+        <a:font script="Hans" typeface="宋体"/>
+        <a:font script="Hant" typeface="新細明體"/>
+        <a:font script="Arab" typeface="Arial"/>
+        <a:font script="Hebr" typeface="Arial"/>
+        <a:font script="Thai" typeface="Cordia New"/>
+        <a:font script="Ethi" typeface="Nyala"/>
+        <a:font script="Beng" typeface="Vrinda"/>
+        <a:font script="Gujr" typeface="Shruti"/>
+        <a:font script="Khmr" typeface="DaunPenh"/>
+        <a:font script="Knda" typeface="Tunga"/>
+        <a:font script="Guru" typeface="Raavi"/>
+        <a:font script="Cans" typeface="Euphemia"/>
+        <a:font script="Cher" typeface="Plantagenet Cherokee"/>
+        <a:font script="Yiii" typeface="Microsoft Yi Baiti"/>
+        <a:font script="Tibt" typeface="Microsoft Himalaya"/>
+        <a:font script="Thaa" typeface="MV Boli"/>
+        <a:font script="Deva" typeface="Mangal"/>
+        <a:font script="Telu" typeface="Gautami"/>
+        <a:font script="Taml" typeface="Latha"/>
+        <a:font script="Syrc" typeface="Estrangelo Edessa"/>
+        <a:font script="Orya" typeface="Kalinga"/>
+        <a:font script="Mlym" typeface="Kartika"/>
+        <a:font script="Laoo" typeface="DokChampa"/>
+        <a:font script="Sinh" typeface="Iskoola Pota"/>
+        <a:font script="Mong" typeface="Mongolian Baiti"/>
+        <a:font script="Viet" typeface="Arial"/>
+        <a:font script="Uigh" typeface="Microsoft Uighur"/>
+        <a:font script="Geor" typeface="Sylfaen"/>
+      </a:minorFont>
+    </a:fontScheme>
+    <a:fmtScheme name="Office">
+      <a:fillStyleLst>
+        <a:solidFill>
+          <a:schemeClr val="phClr"/>
+        </a:solidFill>
+        <a:gradFill rotWithShape="1">
+          <a:gsLst>
+            <a:gs pos="0">
+              <a:schemeClr val="phClr">
+                <a:tint val="50000"/>
+                <a:satMod val="300000"/>
+              </a:schemeClr>
+            </a:gs>
+            <a:gs pos="35000">
+              <a:schemeClr val="phClr">
+                <a:tint val="37000"/>
+                <a:satMod val="300000"/>
+              </a:schemeClr>
+            </a:gs>
+            <a:gs pos="100000">
+              <a:schemeClr val="phClr">
+                <a:tint val="15000"/>
+                <a:satMod val="350000"/>
+              </a:schemeClr>
+            </a:gs>
+          </a:gsLst>
+          <a:lin ang="16200000" scaled="1"/>
+        </a:gradFill>
+        <a:gradFill rotWithShape="1">
+          <a:gsLst>
+            <a:gs pos="0">
+              <a:schemeClr val="phClr">
+                <a:tint val="100000"/>
+                <a:shade val="100000"/>
+                <a:satMod val="130000"/>
+              </a:schemeClr>
+            </a:gs>
+            <a:gs pos="100000">
+              <a:schemeClr val="phClr">
+                <a:tint val="50000"/>
+                <a:shade val="100000"/>
+                <a:satMod val="350000"/>
+              </a:schemeClr>
+            </a:gs>
+          </a:gsLst>
+          <a:lin ang="16200000" scaled="0"/>
+        </a:gradFill>
+      </a:fillStyleLst>
+      <a:lnStyleLst>
+        <a:ln w="9525" cap="flat" cmpd="sng" algn="ctr">
+          <a:solidFill>
+            <a:schemeClr val="phClr">
+              <a:shade val="95000"/>
+              <a:satMod val="105000"/>
+            </a:schemeClr>
+          </a:solidFill>
+          <a:prstDash val="solid"/>
+        </a:ln>
+        <a:ln w="25400" cap="flat" cmpd="sng" algn="ctr">
+          <a:solidFill>
+            <a:schemeClr val="phClr"/>
+          </a:solidFill>
+          <a:prstDash val="solid"/>
+        </a:ln>
+        <a:ln w="38100" cap="flat" cmpd="sng" algn="ctr">
+          <a:solidFill>
+            <a:schemeClr val="phClr"/>
+          </a:solidFill>
+          <a:prstDash val="solid"/>
+        </a:ln>
+      </a:lnStyleLst>
+      <a:effectStyleLst>
+        <a:effectStyle>
+          <a:effectLst>
+            <a:outerShdw blurRad="40000" dist="20000" dir="5400000" rotWithShape="0">
+              <a:srgbClr val="000000">
+                <a:alpha val="38000"/>
+              </a:srgbClr>
+            </a:outerShdw>
+          </a:effectLst>
+        </a:effectStyle>
+        <a:effectStyle>
+          <a:effectLst>
+            <a:outerShdw blurRad="40000" dist="23000" dir="5400000" rotWithShape="0">
+              <a:srgbClr val="000000">
+                <a:alpha val="35000"/>
+              </a:srgbClr>
+            </a:outerShdw>
+          </a:effectLst>
+        </a:effectStyle>
+        <a:effectStyle>
+          <a:effectLst>
+            <a:outerShdw blurRad="40000" dist="23000" dir="5400000" rotWithShape="0">
+              <a:srgbClr val="000000">
+                <a:alpha val="35000"/>
+              </a:srgbClr>
+            </a:outerShdw>
+          </a:effectLst>
+          <a:scene3d>
+            <a:camera prst="orthographicFront">
+              <a:rot lat="0" lon="0" rev="0"/>
+            </a:camera>
+            <a:lightRig rig="threePt" dir="t">
+              <a:rot lat="0" lon="0" rev="1200000"/>
+            </a:lightRig>
+          </a:scene3d>
+          <a:sp3d>
+            <a:bevelT w="63500" h="25400"/>
+          </a:sp3d>
+        </a:effectStyle>
+      </a:effectStyleLst>
+      <a:bgFillStyleLst>
+        <a:solidFill>
+          <a:schemeClr val="phClr"/>
+        </a:solidFill>
+        <a:gradFill rotWithShape="1">
+          <a:gsLst>
+            <a:gs pos="0">
+              <a:schemeClr val="phClr">
+                <a:tint val="40000"/>
+                <a:satMod val="350000"/>
+              </a:schemeClr>
+            </a:gs>
+            <a:gs pos="40000">
+              <a:schemeClr val="phClr">
+                <a:tint val="45000"/>
+                <a:shade val="99000"/>
+                <a:satMod val="350000"/>
+              </a:schemeClr>
+            </a:gs>
+            <a:gs pos="100000">
+              <a:schemeClr val="phClr">
+                <a:shade val="20000"/>
+                <a:satMod val="255000"/>
+              </a:schemeClr>
+            </a:gs>
+          </a:gsLst>
+          <a:path path="circle">
+            <a:fillToRect l="50000" t="-80000" r="50000" b="180000"/>
+          </a:path>
+        </a:gradFill>
+        <a:gradFill rotWithShape="1">
+          <a:gsLst>
+            <a:gs pos="0">
+              <a:schemeClr val="phClr">
+                <a:tint val="80000"/>
+                <a:satMod val="300000"/>
+              </a:schemeClr>
+            </a:gs>
+            <a:gs pos="100000">
+              <a:schemeClr val="phClr">
+                <a:shade val="30000"/>
+                <a:satMod val="200000"/>
+              </a:schemeClr>
+            </a:gs>
+          </a:gsLst>
+          <a:path path="circle">
+            <a:fillToRect l="50000" t="50000" r="50000" b="50000"/>
+          </a:path>
+        </a:gradFill>
+      </a:bgFillStyleLst>
+    </a:fmtScheme>
+  </a:themeElements>
+</a:theme>
+</file>
+
+<file path=ppt/theme/theme2.xml><?xml version="1.0" encoding="utf-8"?>
 <a:theme xmlns:a="http://schemas.openxmlformats.org/drawingml/2006/main" xmlns:r="http://schemas.openxmlformats.org/officeDocument/2006/relationships">
   <a:themeElements>
     <a:clrScheme name="Default">
@@ -8901,283 +9938,4 @@
     </a:fmtScheme>
   </a:themeElements>
 </a:theme>
-</file>
-
-<file path=ppt/theme/theme2.xml><?xml version="1.0" encoding="utf-8"?>
-<a:theme xmlns:a="http://schemas.openxmlformats.org/drawingml/2006/main" xmlns:r="http://schemas.openxmlformats.org/officeDocument/2006/relationships" name="Simple Light">
-  <a:themeElements>
-    <a:clrScheme name="Simple Light">
-      <a:dk1>
-        <a:srgbClr val="000000"/>
-      </a:dk1>
-      <a:lt1>
-        <a:srgbClr val="FFFFFF"/>
-      </a:lt1>
-      <a:dk2>
-        <a:srgbClr val="595959"/>
-      </a:dk2>
-      <a:lt2>
-        <a:srgbClr val="EEEEEE"/>
-      </a:lt2>
-      <a:accent1>
-        <a:srgbClr val="4285F4"/>
-      </a:accent1>
-      <a:accent2>
-        <a:srgbClr val="212121"/>
-      </a:accent2>
-      <a:accent3>
-        <a:srgbClr val="78909C"/>
-      </a:accent3>
-      <a:accent4>
-        <a:srgbClr val="FFAB40"/>
-      </a:accent4>
-      <a:accent5>
-        <a:srgbClr val="0097A7"/>
-      </a:accent5>
-      <a:accent6>
-        <a:srgbClr val="EEFF41"/>
-      </a:accent6>
-      <a:hlink>
-        <a:srgbClr val="0097A7"/>
-      </a:hlink>
-      <a:folHlink>
-        <a:srgbClr val="0097A7"/>
-      </a:folHlink>
-    </a:clrScheme>
-    <a:fontScheme name="Office">
-      <a:majorFont>
-        <a:latin typeface="Arial"/>
-        <a:ea typeface=""/>
-        <a:cs typeface=""/>
-        <a:font script="Jpan" typeface="ＭＳ Ｐゴシック"/>
-        <a:font script="Hang" typeface="맑은 고딕"/>
-        <a:font script="Hans" typeface="宋体"/>
-        <a:font script="Hant" typeface="新細明體"/>
-        <a:font script="Arab" typeface="Times New Roman"/>
-        <a:font script="Hebr" typeface="Times New Roman"/>
-        <a:font script="Thai" typeface="Angsana New"/>
-        <a:font script="Ethi" typeface="Nyala"/>
-        <a:font script="Beng" typeface="Vrinda"/>
-        <a:font script="Gujr" typeface="Shruti"/>
-        <a:font script="Khmr" typeface="MoolBoran"/>
-        <a:font script="Knda" typeface="Tunga"/>
-        <a:font script="Guru" typeface="Raavi"/>
-        <a:font script="Cans" typeface="Euphemia"/>
-        <a:font script="Cher" typeface="Plantagenet Cherokee"/>
-        <a:font script="Yiii" typeface="Microsoft Yi Baiti"/>
-        <a:font script="Tibt" typeface="Microsoft Himalaya"/>
-        <a:font script="Thaa" typeface="MV Boli"/>
-        <a:font script="Deva" typeface="Mangal"/>
-        <a:font script="Telu" typeface="Gautami"/>
-        <a:font script="Taml" typeface="Latha"/>
-        <a:font script="Syrc" typeface="Estrangelo Edessa"/>
-        <a:font script="Orya" typeface="Kalinga"/>
-        <a:font script="Mlym" typeface="Kartika"/>
-        <a:font script="Laoo" typeface="DokChampa"/>
-        <a:font script="Sinh" typeface="Iskoola Pota"/>
-        <a:font script="Mong" typeface="Mongolian Baiti"/>
-        <a:font script="Viet" typeface="Times New Roman"/>
-        <a:font script="Uigh" typeface="Microsoft Uighur"/>
-        <a:font script="Geor" typeface="Sylfaen"/>
-      </a:majorFont>
-      <a:minorFont>
-        <a:latin typeface="Arial"/>
-        <a:ea typeface=""/>
-        <a:cs typeface=""/>
-        <a:font script="Jpan" typeface="ＭＳ Ｐゴシック"/>
-        <a:font script="Hang" typeface="맑은 고딕"/>
-        <a:font script="Hans" typeface="宋体"/>
-        <a:font script="Hant" typeface="新細明體"/>
-        <a:font script="Arab" typeface="Arial"/>
-        <a:font script="Hebr" typeface="Arial"/>
-        <a:font script="Thai" typeface="Cordia New"/>
-        <a:font script="Ethi" typeface="Nyala"/>
-        <a:font script="Beng" typeface="Vrinda"/>
-        <a:font script="Gujr" typeface="Shruti"/>
-        <a:font script="Khmr" typeface="DaunPenh"/>
-        <a:font script="Knda" typeface="Tunga"/>
-        <a:font script="Guru" typeface="Raavi"/>
-        <a:font script="Cans" typeface="Euphemia"/>
-        <a:font script="Cher" typeface="Plantagenet Cherokee"/>
-        <a:font script="Yiii" typeface="Microsoft Yi Baiti"/>
-        <a:font script="Tibt" typeface="Microsoft Himalaya"/>
-        <a:font script="Thaa" typeface="MV Boli"/>
-        <a:font script="Deva" typeface="Mangal"/>
-        <a:font script="Telu" typeface="Gautami"/>
-        <a:font script="Taml" typeface="Latha"/>
-        <a:font script="Syrc" typeface="Estrangelo Edessa"/>
-        <a:font script="Orya" typeface="Kalinga"/>
-        <a:font script="Mlym" typeface="Kartika"/>
-        <a:font script="Laoo" typeface="DokChampa"/>
-        <a:font script="Sinh" typeface="Iskoola Pota"/>
-        <a:font script="Mong" typeface="Mongolian Baiti"/>
-        <a:font script="Viet" typeface="Arial"/>
-        <a:font script="Uigh" typeface="Microsoft Uighur"/>
-        <a:font script="Geor" typeface="Sylfaen"/>
-      </a:minorFont>
-    </a:fontScheme>
-    <a:fmtScheme name="Office">
-      <a:fillStyleLst>
-        <a:solidFill>
-          <a:schemeClr val="phClr"/>
-        </a:solidFill>
-        <a:gradFill rotWithShape="1">
-          <a:gsLst>
-            <a:gs pos="0">
-              <a:schemeClr val="phClr">
-                <a:tint val="50000"/>
-                <a:satMod val="300000"/>
-              </a:schemeClr>
-            </a:gs>
-            <a:gs pos="35000">
-              <a:schemeClr val="phClr">
-                <a:tint val="37000"/>
-                <a:satMod val="300000"/>
-              </a:schemeClr>
-            </a:gs>
-            <a:gs pos="100000">
-              <a:schemeClr val="phClr">
-                <a:tint val="15000"/>
-                <a:satMod val="350000"/>
-              </a:schemeClr>
-            </a:gs>
-          </a:gsLst>
-          <a:lin ang="16200000" scaled="1"/>
-        </a:gradFill>
-        <a:gradFill rotWithShape="1">
-          <a:gsLst>
-            <a:gs pos="0">
-              <a:schemeClr val="phClr">
-                <a:tint val="100000"/>
-                <a:shade val="100000"/>
-                <a:satMod val="130000"/>
-              </a:schemeClr>
-            </a:gs>
-            <a:gs pos="100000">
-              <a:schemeClr val="phClr">
-                <a:tint val="50000"/>
-                <a:shade val="100000"/>
-                <a:satMod val="350000"/>
-              </a:schemeClr>
-            </a:gs>
-          </a:gsLst>
-          <a:lin ang="16200000" scaled="0"/>
-        </a:gradFill>
-      </a:fillStyleLst>
-      <a:lnStyleLst>
-        <a:ln w="9525" cap="flat" cmpd="sng" algn="ctr">
-          <a:solidFill>
-            <a:schemeClr val="phClr">
-              <a:shade val="95000"/>
-              <a:satMod val="105000"/>
-            </a:schemeClr>
-          </a:solidFill>
-          <a:prstDash val="solid"/>
-        </a:ln>
-        <a:ln w="25400" cap="flat" cmpd="sng" algn="ctr">
-          <a:solidFill>
-            <a:schemeClr val="phClr"/>
-          </a:solidFill>
-          <a:prstDash val="solid"/>
-        </a:ln>
-        <a:ln w="38100" cap="flat" cmpd="sng" algn="ctr">
-          <a:solidFill>
-            <a:schemeClr val="phClr"/>
-          </a:solidFill>
-          <a:prstDash val="solid"/>
-        </a:ln>
-      </a:lnStyleLst>
-      <a:effectStyleLst>
-        <a:effectStyle>
-          <a:effectLst>
-            <a:outerShdw blurRad="40000" dist="20000" dir="5400000" rotWithShape="0">
-              <a:srgbClr val="000000">
-                <a:alpha val="38000"/>
-              </a:srgbClr>
-            </a:outerShdw>
-          </a:effectLst>
-        </a:effectStyle>
-        <a:effectStyle>
-          <a:effectLst>
-            <a:outerShdw blurRad="40000" dist="23000" dir="5400000" rotWithShape="0">
-              <a:srgbClr val="000000">
-                <a:alpha val="35000"/>
-              </a:srgbClr>
-            </a:outerShdw>
-          </a:effectLst>
-        </a:effectStyle>
-        <a:effectStyle>
-          <a:effectLst>
-            <a:outerShdw blurRad="40000" dist="23000" dir="5400000" rotWithShape="0">
-              <a:srgbClr val="000000">
-                <a:alpha val="35000"/>
-              </a:srgbClr>
-            </a:outerShdw>
-          </a:effectLst>
-          <a:scene3d>
-            <a:camera prst="orthographicFront">
-              <a:rot lat="0" lon="0" rev="0"/>
-            </a:camera>
-            <a:lightRig rig="threePt" dir="t">
-              <a:rot lat="0" lon="0" rev="1200000"/>
-            </a:lightRig>
-          </a:scene3d>
-          <a:sp3d>
-            <a:bevelT w="63500" h="25400"/>
-          </a:sp3d>
-        </a:effectStyle>
-      </a:effectStyleLst>
-      <a:bgFillStyleLst>
-        <a:solidFill>
-          <a:schemeClr val="phClr"/>
-        </a:solidFill>
-        <a:gradFill rotWithShape="1">
-          <a:gsLst>
-            <a:gs pos="0">
-              <a:schemeClr val="phClr">
-                <a:tint val="40000"/>
-                <a:satMod val="350000"/>
-              </a:schemeClr>
-            </a:gs>
-            <a:gs pos="40000">
-              <a:schemeClr val="phClr">
-                <a:tint val="45000"/>
-                <a:shade val="99000"/>
-                <a:satMod val="350000"/>
-              </a:schemeClr>
-            </a:gs>
-            <a:gs pos="100000">
-              <a:schemeClr val="phClr">
-                <a:shade val="20000"/>
-                <a:satMod val="255000"/>
-              </a:schemeClr>
-            </a:gs>
-          </a:gsLst>
-          <a:path path="circle">
-            <a:fillToRect l="50000" t="-80000" r="50000" b="180000"/>
-          </a:path>
-        </a:gradFill>
-        <a:gradFill rotWithShape="1">
-          <a:gsLst>
-            <a:gs pos="0">
-              <a:schemeClr val="phClr">
-                <a:tint val="80000"/>
-                <a:satMod val="300000"/>
-              </a:schemeClr>
-            </a:gs>
-            <a:gs pos="100000">
-              <a:schemeClr val="phClr">
-                <a:shade val="30000"/>
-                <a:satMod val="200000"/>
-              </a:schemeClr>
-            </a:gs>
-          </a:gsLst>
-          <a:path path="circle">
-            <a:fillToRect l="50000" t="50000" r="50000" b="50000"/>
-          </a:path>
-        </a:gradFill>
-      </a:bgFillStyleLst>
-    </a:fmtScheme>
-  </a:themeElements>
-</a:theme>
 </file>
--- a/Access Control for XML - Presentation.pptx
+++ b/Access Control for XML - Presentation.pptx
@@ -21,6 +21,8 @@
     <p:sldId id="266" r:id="rId16"/>
     <p:sldId id="267" r:id="rId17"/>
     <p:sldId id="268" r:id="rId18"/>
+    <p:sldId id="269" r:id="rId19"/>
+    <p:sldId id="270" r:id="rId20"/>
   </p:sldIdLst>
   <p:sldSz cy="5143500" cx="9144000"/>
   <p:notesSz cx="6858000" cy="9144000"/>
@@ -816,7 +818,7 @@
       </p:grpSpPr>
       <p:sp>
         <p:nvSpPr>
-          <p:cNvPr id="113" name="Google Shape;113;g324d1e3a553_0_420:notes"/>
+          <p:cNvPr id="113" name="Google Shape;113;g324d1e3a553_0_405:notes"/>
           <p:cNvSpPr/>
           <p:nvPr>
             <p:ph idx="2" type="sldImg"/>
@@ -851,7 +853,7 @@
       </p:sp>
       <p:sp>
         <p:nvSpPr>
-          <p:cNvPr id="114" name="Google Shape;114;g324d1e3a553_0_420:notes"/>
+          <p:cNvPr id="114" name="Google Shape;114;g324d1e3a553_0_405:notes"/>
           <p:cNvSpPr txBox="1"/>
           <p:nvPr>
             <p:ph idx="1" type="body"/>
@@ -915,7 +917,7 @@
       </p:grpSpPr>
       <p:sp>
         <p:nvSpPr>
-          <p:cNvPr id="120" name="Google Shape;120;g324d1e3a553_0_427:notes"/>
+          <p:cNvPr id="120" name="Google Shape;120;g324d1e3a553_0_412:notes"/>
           <p:cNvSpPr/>
           <p:nvPr>
             <p:ph idx="2" type="sldImg"/>
@@ -950,7 +952,7 @@
       </p:sp>
       <p:sp>
         <p:nvSpPr>
-          <p:cNvPr id="121" name="Google Shape;121;g324d1e3a553_0_427:notes"/>
+          <p:cNvPr id="121" name="Google Shape;121;g324d1e3a553_0_412:notes"/>
           <p:cNvSpPr txBox="1"/>
           <p:nvPr>
             <p:ph idx="1" type="body"/>
@@ -1000,7 +1002,7 @@
   <p:cSld>
     <p:spTree>
       <p:nvGrpSpPr>
-        <p:cNvPr id="125" name="Shape 125"/>
+        <p:cNvPr id="126" name="Shape 126"/>
         <p:cNvGrpSpPr/>
         <p:nvPr/>
       </p:nvGrpSpPr>
@@ -1014,7 +1016,7 @@
       </p:grpSpPr>
       <p:sp>
         <p:nvSpPr>
-          <p:cNvPr id="126" name="Google Shape;126;g324d1e3a553_0_434:notes"/>
+          <p:cNvPr id="127" name="Google Shape;127;g324d1e3a553_0_420:notes"/>
           <p:cNvSpPr/>
           <p:nvPr>
             <p:ph idx="2" type="sldImg"/>
@@ -1049,7 +1051,7 @@
       </p:sp>
       <p:sp>
         <p:nvSpPr>
-          <p:cNvPr id="127" name="Google Shape;127;g324d1e3a553_0_434:notes"/>
+          <p:cNvPr id="128" name="Google Shape;128;g324d1e3a553_0_420:notes"/>
           <p:cNvSpPr txBox="1"/>
           <p:nvPr>
             <p:ph idx="1" type="body"/>
@@ -1099,7 +1101,7 @@
   <p:cSld>
     <p:spTree>
       <p:nvGrpSpPr>
-        <p:cNvPr id="131" name="Shape 131"/>
+        <p:cNvPr id="133" name="Shape 133"/>
         <p:cNvGrpSpPr/>
         <p:nvPr/>
       </p:nvGrpSpPr>
@@ -1113,7 +1115,7 @@
       </p:grpSpPr>
       <p:sp>
         <p:nvSpPr>
-          <p:cNvPr id="132" name="Google Shape;132;g324d1e3a553_0_439:notes"/>
+          <p:cNvPr id="134" name="Google Shape;134;g324d1e3a553_0_427:notes"/>
           <p:cNvSpPr/>
           <p:nvPr>
             <p:ph idx="2" type="sldImg"/>
@@ -1148,7 +1150,205 @@
       </p:sp>
       <p:sp>
         <p:nvSpPr>
-          <p:cNvPr id="133" name="Google Shape;133;g324d1e3a553_0_439:notes"/>
+          <p:cNvPr id="135" name="Google Shape;135;g324d1e3a553_0_427:notes"/>
+          <p:cNvSpPr txBox="1"/>
+          <p:nvPr>
+            <p:ph idx="1" type="body"/>
+          </p:nvPr>
+        </p:nvSpPr>
+        <p:spPr>
+          <a:xfrm>
+            <a:off x="685800" y="4343400"/>
+            <a:ext cx="5486400" cy="4114800"/>
+          </a:xfrm>
+          <a:prstGeom prst="rect">
+            <a:avLst/>
+          </a:prstGeom>
+        </p:spPr>
+        <p:txBody>
+          <a:bodyPr anchorCtr="0" anchor="t" bIns="91425" lIns="91425" spcFirstLastPara="1" rIns="91425" wrap="square" tIns="91425">
+            <a:noAutofit/>
+          </a:bodyPr>
+          <a:lstStyle/>
+          <a:p>
+            <a:pPr indent="0" lvl="0" marL="0" rtl="0" algn="l">
+              <a:spcBef>
+                <a:spcPts val="0"/>
+              </a:spcBef>
+              <a:spcAft>
+                <a:spcPts val="0"/>
+              </a:spcAft>
+              <a:buNone/>
+            </a:pPr>
+            <a:r>
+              <a:t/>
+            </a:r>
+            <a:endParaRPr/>
+          </a:p>
+        </p:txBody>
+      </p:sp>
+    </p:spTree>
+  </p:cSld>
+  <p:clrMapOvr>
+    <a:masterClrMapping/>
+  </p:clrMapOvr>
+</p:notes>
+</file>
+
+<file path=ppt/notesSlides/notesSlide14.xml><?xml version="1.0" encoding="utf-8"?>
+<p:notes xmlns:a="http://schemas.openxmlformats.org/drawingml/2006/main" xmlns:r="http://schemas.openxmlformats.org/officeDocument/2006/relationships" xmlns:mc="http://schemas.openxmlformats.org/markup-compatibility/2006" xmlns:mv="urn:schemas-microsoft-com:mac:vml" xmlns:p="http://schemas.openxmlformats.org/presentationml/2006/main" xmlns:c="http://schemas.openxmlformats.org/drawingml/2006/chart" xmlns:dgm="http://schemas.openxmlformats.org/drawingml/2006/diagram" xmlns:o="urn:schemas-microsoft-com:office:office" xmlns:v="urn:schemas-microsoft-com:vml" xmlns:pvml="urn:schemas-microsoft-com:office:powerpoint" xmlns:com="http://schemas.openxmlformats.org/drawingml/2006/compatibility" xmlns:p14="http://schemas.microsoft.com/office/powerpoint/2010/main" xmlns:p15="http://schemas.microsoft.com/office/powerpoint/2012/main" xmlns:ahyp="http://schemas.microsoft.com/office/drawing/2018/hyperlinkcolor" showMasterPhAnim="0" showMasterSp="0">
+  <p:cSld>
+    <p:spTree>
+      <p:nvGrpSpPr>
+        <p:cNvPr id="139" name="Shape 139"/>
+        <p:cNvGrpSpPr/>
+        <p:nvPr/>
+      </p:nvGrpSpPr>
+      <p:grpSpPr>
+        <a:xfrm>
+          <a:off x="0" y="0"/>
+          <a:ext cx="0" cy="0"/>
+          <a:chOff x="0" y="0"/>
+          <a:chExt cx="0" cy="0"/>
+        </a:xfrm>
+      </p:grpSpPr>
+      <p:sp>
+        <p:nvSpPr>
+          <p:cNvPr id="140" name="Google Shape;140;g324d1e3a553_0_434:notes"/>
+          <p:cNvSpPr/>
+          <p:nvPr>
+            <p:ph idx="2" type="sldImg"/>
+          </p:nvPr>
+        </p:nvSpPr>
+        <p:spPr>
+          <a:xfrm>
+            <a:off x="381300" y="685800"/>
+            <a:ext cx="6096000" cy="3429000"/>
+          </a:xfrm>
+          <a:custGeom>
+            <a:rect b="b" l="l" r="r" t="t"/>
+            <a:pathLst>
+              <a:path extrusionOk="0" h="120000" w="120000">
+                <a:moveTo>
+                  <a:pt x="0" y="0"/>
+                </a:moveTo>
+                <a:lnTo>
+                  <a:pt x="120000" y="0"/>
+                </a:lnTo>
+                <a:lnTo>
+                  <a:pt x="120000" y="120000"/>
+                </a:lnTo>
+                <a:lnTo>
+                  <a:pt x="0" y="120000"/>
+                </a:lnTo>
+                <a:close/>
+              </a:path>
+            </a:pathLst>
+          </a:custGeom>
+        </p:spPr>
+      </p:sp>
+      <p:sp>
+        <p:nvSpPr>
+          <p:cNvPr id="141" name="Google Shape;141;g324d1e3a553_0_434:notes"/>
+          <p:cNvSpPr txBox="1"/>
+          <p:nvPr>
+            <p:ph idx="1" type="body"/>
+          </p:nvPr>
+        </p:nvSpPr>
+        <p:spPr>
+          <a:xfrm>
+            <a:off x="685800" y="4343400"/>
+            <a:ext cx="5486400" cy="4114800"/>
+          </a:xfrm>
+          <a:prstGeom prst="rect">
+            <a:avLst/>
+          </a:prstGeom>
+        </p:spPr>
+        <p:txBody>
+          <a:bodyPr anchorCtr="0" anchor="t" bIns="91425" lIns="91425" spcFirstLastPara="1" rIns="91425" wrap="square" tIns="91425">
+            <a:noAutofit/>
+          </a:bodyPr>
+          <a:lstStyle/>
+          <a:p>
+            <a:pPr indent="0" lvl="0" marL="0" rtl="0" algn="l">
+              <a:spcBef>
+                <a:spcPts val="0"/>
+              </a:spcBef>
+              <a:spcAft>
+                <a:spcPts val="0"/>
+              </a:spcAft>
+              <a:buNone/>
+            </a:pPr>
+            <a:r>
+              <a:t/>
+            </a:r>
+            <a:endParaRPr/>
+          </a:p>
+        </p:txBody>
+      </p:sp>
+    </p:spTree>
+  </p:cSld>
+  <p:clrMapOvr>
+    <a:masterClrMapping/>
+  </p:clrMapOvr>
+</p:notes>
+</file>
+
+<file path=ppt/notesSlides/notesSlide15.xml><?xml version="1.0" encoding="utf-8"?>
+<p:notes xmlns:a="http://schemas.openxmlformats.org/drawingml/2006/main" xmlns:r="http://schemas.openxmlformats.org/officeDocument/2006/relationships" xmlns:mc="http://schemas.openxmlformats.org/markup-compatibility/2006" xmlns:mv="urn:schemas-microsoft-com:mac:vml" xmlns:p="http://schemas.openxmlformats.org/presentationml/2006/main" xmlns:c="http://schemas.openxmlformats.org/drawingml/2006/chart" xmlns:dgm="http://schemas.openxmlformats.org/drawingml/2006/diagram" xmlns:o="urn:schemas-microsoft-com:office:office" xmlns:v="urn:schemas-microsoft-com:vml" xmlns:pvml="urn:schemas-microsoft-com:office:powerpoint" xmlns:com="http://schemas.openxmlformats.org/drawingml/2006/compatibility" xmlns:p14="http://schemas.microsoft.com/office/powerpoint/2010/main" xmlns:p15="http://schemas.microsoft.com/office/powerpoint/2012/main" xmlns:ahyp="http://schemas.microsoft.com/office/drawing/2018/hyperlinkcolor" showMasterPhAnim="0" showMasterSp="0">
+  <p:cSld>
+    <p:spTree>
+      <p:nvGrpSpPr>
+        <p:cNvPr id="145" name="Shape 145"/>
+        <p:cNvGrpSpPr/>
+        <p:nvPr/>
+      </p:nvGrpSpPr>
+      <p:grpSpPr>
+        <a:xfrm>
+          <a:off x="0" y="0"/>
+          <a:ext cx="0" cy="0"/>
+          <a:chOff x="0" y="0"/>
+          <a:chExt cx="0" cy="0"/>
+        </a:xfrm>
+      </p:grpSpPr>
+      <p:sp>
+        <p:nvSpPr>
+          <p:cNvPr id="146" name="Google Shape;146;g324d1e3a553_0_439:notes"/>
+          <p:cNvSpPr/>
+          <p:nvPr>
+            <p:ph idx="2" type="sldImg"/>
+          </p:nvPr>
+        </p:nvSpPr>
+        <p:spPr>
+          <a:xfrm>
+            <a:off x="381300" y="685800"/>
+            <a:ext cx="6096000" cy="3429000"/>
+          </a:xfrm>
+          <a:custGeom>
+            <a:rect b="b" l="l" r="r" t="t"/>
+            <a:pathLst>
+              <a:path extrusionOk="0" h="120000" w="120000">
+                <a:moveTo>
+                  <a:pt x="0" y="0"/>
+                </a:moveTo>
+                <a:lnTo>
+                  <a:pt x="120000" y="0"/>
+                </a:lnTo>
+                <a:lnTo>
+                  <a:pt x="120000" y="120000"/>
+                </a:lnTo>
+                <a:lnTo>
+                  <a:pt x="0" y="120000"/>
+                </a:lnTo>
+                <a:close/>
+              </a:path>
+            </a:pathLst>
+          </a:custGeom>
+        </p:spPr>
+      </p:sp>
+      <p:sp>
+        <p:nvSpPr>
+          <p:cNvPr id="147" name="Google Shape;147;g324d1e3a553_0_439:notes"/>
           <p:cNvSpPr txBox="1"/>
           <p:nvPr>
             <p:ph idx="1" type="body"/>
@@ -1509,7 +1709,7 @@
       </p:grpSpPr>
       <p:sp>
         <p:nvSpPr>
-          <p:cNvPr id="78" name="Google Shape;78;g324d1e3a553_0_385:notes"/>
+          <p:cNvPr id="78" name="Google Shape;78;g325249bb49a_0_4:notes"/>
           <p:cNvSpPr/>
           <p:nvPr>
             <p:ph idx="2" type="sldImg"/>
@@ -1544,7 +1744,7 @@
       </p:sp>
       <p:sp>
         <p:nvSpPr>
-          <p:cNvPr id="79" name="Google Shape;79;g324d1e3a553_0_385:notes"/>
+          <p:cNvPr id="79" name="Google Shape;79;g325249bb49a_0_4:notes"/>
           <p:cNvSpPr txBox="1"/>
           <p:nvPr>
             <p:ph idx="1" type="body"/>
@@ -1608,7 +1808,7 @@
       </p:grpSpPr>
       <p:sp>
         <p:nvSpPr>
-          <p:cNvPr id="85" name="Google Shape;85;g324d1e3a553_0_392:notes"/>
+          <p:cNvPr id="85" name="Google Shape;85;g325249bb49a_0_11:notes"/>
           <p:cNvSpPr/>
           <p:nvPr>
             <p:ph idx="2" type="sldImg"/>
@@ -1643,7 +1843,7 @@
       </p:sp>
       <p:sp>
         <p:nvSpPr>
-          <p:cNvPr id="86" name="Google Shape;86;g324d1e3a553_0_392:notes"/>
+          <p:cNvPr id="86" name="Google Shape;86;g325249bb49a_0_11:notes"/>
           <p:cNvSpPr txBox="1"/>
           <p:nvPr>
             <p:ph idx="1" type="body"/>
@@ -1707,7 +1907,7 @@
       </p:grpSpPr>
       <p:sp>
         <p:nvSpPr>
-          <p:cNvPr id="92" name="Google Shape;92;g324d1e3a553_0_399:notes"/>
+          <p:cNvPr id="92" name="Google Shape;92;g324d1e3a553_0_385:notes"/>
           <p:cNvSpPr/>
           <p:nvPr>
             <p:ph idx="2" type="sldImg"/>
@@ -1742,7 +1942,7 @@
       </p:sp>
       <p:sp>
         <p:nvSpPr>
-          <p:cNvPr id="93" name="Google Shape;93;g324d1e3a553_0_399:notes"/>
+          <p:cNvPr id="93" name="Google Shape;93;g324d1e3a553_0_385:notes"/>
           <p:cNvSpPr txBox="1"/>
           <p:nvPr>
             <p:ph idx="1" type="body"/>
@@ -1806,7 +2006,7 @@
       </p:grpSpPr>
       <p:sp>
         <p:nvSpPr>
-          <p:cNvPr id="99" name="Google Shape;99;g324d1e3a553_0_405:notes"/>
+          <p:cNvPr id="99" name="Google Shape;99;g324d1e3a553_0_392:notes"/>
           <p:cNvSpPr/>
           <p:nvPr>
             <p:ph idx="2" type="sldImg"/>
@@ -1841,7 +2041,7 @@
       </p:sp>
       <p:sp>
         <p:nvSpPr>
-          <p:cNvPr id="100" name="Google Shape;100;g324d1e3a553_0_405:notes"/>
+          <p:cNvPr id="100" name="Google Shape;100;g324d1e3a553_0_392:notes"/>
           <p:cNvSpPr txBox="1"/>
           <p:nvPr>
             <p:ph idx="1" type="body"/>
@@ -1905,7 +2105,7 @@
       </p:grpSpPr>
       <p:sp>
         <p:nvSpPr>
-          <p:cNvPr id="106" name="Google Shape;106;g324d1e3a553_0_412:notes"/>
+          <p:cNvPr id="106" name="Google Shape;106;g324d1e3a553_0_399:notes"/>
           <p:cNvSpPr/>
           <p:nvPr>
             <p:ph idx="2" type="sldImg"/>
@@ -1940,7 +2140,7 @@
       </p:sp>
       <p:sp>
         <p:nvSpPr>
-          <p:cNvPr id="107" name="Google Shape;107;g324d1e3a553_0_412:notes"/>
+          <p:cNvPr id="107" name="Google Shape;107;g324d1e3a553_0_399:notes"/>
           <p:cNvSpPr txBox="1"/>
           <p:nvPr>
             <p:ph idx="1" type="body"/>
@@ -7002,7 +7202,7 @@
                   <a:srgbClr val="E3FEF7"/>
                 </a:solidFill>
               </a:rPr>
-              <a:t>Implementation Approaches</a:t>
+              <a:t>Access Control Policy Languages</a:t>
             </a:r>
             <a:endParaRPr b="1" sz="4000">
               <a:solidFill>
@@ -7102,7 +7302,7 @@
                   <a:srgbClr val="E3FEF7"/>
                 </a:solidFill>
               </a:rPr>
-              <a:t>Performance Considerations</a:t>
+              <a:t>Custom Policy Specifications</a:t>
             </a:r>
             <a:endParaRPr b="1" sz="2600">
               <a:solidFill>
@@ -7184,7 +7384,7 @@
                   <a:srgbClr val="E3FEF7"/>
                 </a:solidFill>
               </a:rPr>
-              <a:t>Case Studies</a:t>
+              <a:t>Implementation Approaches</a:t>
             </a:r>
             <a:endParaRPr b="1" sz="4000">
               <a:solidFill>
@@ -7244,6 +7444,56 @@
           </a:p>
         </p:txBody>
       </p:sp>
+      <p:sp>
+        <p:nvSpPr>
+          <p:cNvPr id="125" name="Google Shape;125;p23"/>
+          <p:cNvSpPr txBox="1"/>
+          <p:nvPr/>
+        </p:nvSpPr>
+        <p:spPr>
+          <a:xfrm>
+            <a:off x="0" y="1061700"/>
+            <a:ext cx="9144000" cy="495600"/>
+          </a:xfrm>
+          <a:prstGeom prst="rect">
+            <a:avLst/>
+          </a:prstGeom>
+          <a:noFill/>
+          <a:ln>
+            <a:noFill/>
+          </a:ln>
+        </p:spPr>
+        <p:txBody>
+          <a:bodyPr anchorCtr="0" anchor="ctr" bIns="91425" lIns="91425" spcFirstLastPara="1" rIns="91425" wrap="square" tIns="91425">
+            <a:noAutofit/>
+          </a:bodyPr>
+          <a:lstStyle/>
+          <a:p>
+            <a:pPr indent="0" lvl="0" marL="0" rtl="0" algn="ctr">
+              <a:spcBef>
+                <a:spcPts val="0"/>
+              </a:spcBef>
+              <a:spcAft>
+                <a:spcPts val="0"/>
+              </a:spcAft>
+              <a:buNone/>
+            </a:pPr>
+            <a:r>
+              <a:rPr b="1" lang="en" sz="2600">
+                <a:solidFill>
+                  <a:srgbClr val="E3FEF7"/>
+                </a:solidFill>
+              </a:rPr>
+              <a:t>Enforcement Mechanisms</a:t>
+            </a:r>
+            <a:endParaRPr b="1" sz="2600">
+              <a:solidFill>
+                <a:srgbClr val="E3FEF7"/>
+              </a:solidFill>
+            </a:endParaRPr>
+          </a:p>
+        </p:txBody>
+      </p:sp>
     </p:spTree>
   </p:cSld>
   <p:clrMapOvr>
@@ -7264,7 +7514,7 @@
     </p:bg>
     <p:spTree>
       <p:nvGrpSpPr>
-        <p:cNvPr id="128" name="Shape 128"/>
+        <p:cNvPr id="129" name="Shape 129"/>
         <p:cNvGrpSpPr/>
         <p:nvPr/>
       </p:nvGrpSpPr>
@@ -7278,7 +7528,7 @@
       </p:grpSpPr>
       <p:sp>
         <p:nvSpPr>
-          <p:cNvPr id="129" name="Google Shape;129;p24"/>
+          <p:cNvPr id="130" name="Google Shape;130;p24"/>
           <p:cNvSpPr txBox="1"/>
           <p:nvPr/>
         </p:nvSpPr>
@@ -7316,7 +7566,7 @@
                   <a:srgbClr val="E3FEF7"/>
                 </a:solidFill>
               </a:rPr>
-              <a:t>Conclusions</a:t>
+              <a:t>Implementation Approaches</a:t>
             </a:r>
             <a:endParaRPr b="1" sz="4000">
               <a:solidFill>
@@ -7328,7 +7578,7 @@
       </p:sp>
       <p:sp>
         <p:nvSpPr>
-          <p:cNvPr id="130" name="Google Shape;130;p24"/>
+          <p:cNvPr id="131" name="Google Shape;131;p24"/>
           <p:cNvSpPr txBox="1"/>
           <p:nvPr/>
         </p:nvSpPr>
@@ -7369,6 +7619,56 @@
               <a:t>Write here.</a:t>
             </a:r>
             <a:endParaRPr i="1" sz="1800">
+              <a:solidFill>
+                <a:srgbClr val="E3FEF7"/>
+              </a:solidFill>
+            </a:endParaRPr>
+          </a:p>
+        </p:txBody>
+      </p:sp>
+      <p:sp>
+        <p:nvSpPr>
+          <p:cNvPr id="132" name="Google Shape;132;p24"/>
+          <p:cNvSpPr txBox="1"/>
+          <p:nvPr/>
+        </p:nvSpPr>
+        <p:spPr>
+          <a:xfrm>
+            <a:off x="0" y="1061700"/>
+            <a:ext cx="9144000" cy="495600"/>
+          </a:xfrm>
+          <a:prstGeom prst="rect">
+            <a:avLst/>
+          </a:prstGeom>
+          <a:noFill/>
+          <a:ln>
+            <a:noFill/>
+          </a:ln>
+        </p:spPr>
+        <p:txBody>
+          <a:bodyPr anchorCtr="0" anchor="ctr" bIns="91425" lIns="91425" spcFirstLastPara="1" rIns="91425" wrap="square" tIns="91425">
+            <a:noAutofit/>
+          </a:bodyPr>
+          <a:lstStyle/>
+          <a:p>
+            <a:pPr indent="0" lvl="0" marL="0" rtl="0" algn="ctr">
+              <a:spcBef>
+                <a:spcPts val="0"/>
+              </a:spcBef>
+              <a:spcAft>
+                <a:spcPts val="0"/>
+              </a:spcAft>
+              <a:buNone/>
+            </a:pPr>
+            <a:r>
+              <a:rPr b="1" lang="en" sz="2600">
+                <a:solidFill>
+                  <a:srgbClr val="E3FEF7"/>
+                </a:solidFill>
+              </a:rPr>
+              <a:t>Performance Considerations</a:t>
+            </a:r>
+            <a:endParaRPr b="1" sz="2600">
               <a:solidFill>
                 <a:srgbClr val="E3FEF7"/>
               </a:solidFill>
@@ -7396,7 +7696,7 @@
     </p:bg>
     <p:spTree>
       <p:nvGrpSpPr>
-        <p:cNvPr id="134" name="Shape 134"/>
+        <p:cNvPr id="136" name="Shape 136"/>
         <p:cNvGrpSpPr/>
         <p:nvPr/>
       </p:nvGrpSpPr>
@@ -7410,7 +7710,7 @@
       </p:grpSpPr>
       <p:sp>
         <p:nvSpPr>
-          <p:cNvPr id="135" name="Google Shape;135;p25"/>
+          <p:cNvPr id="137" name="Google Shape;137;p25"/>
           <p:cNvSpPr txBox="1"/>
           <p:nvPr/>
         </p:nvSpPr>
@@ -7448,6 +7748,270 @@
                   <a:srgbClr val="E3FEF7"/>
                 </a:solidFill>
               </a:rPr>
+              <a:t>Case Studies</a:t>
+            </a:r>
+            <a:endParaRPr b="1" sz="4000">
+              <a:solidFill>
+                <a:srgbClr val="E3FEF7"/>
+              </a:solidFill>
+            </a:endParaRPr>
+          </a:p>
+        </p:txBody>
+      </p:sp>
+      <p:sp>
+        <p:nvSpPr>
+          <p:cNvPr id="138" name="Google Shape;138;p25"/>
+          <p:cNvSpPr txBox="1"/>
+          <p:nvPr/>
+        </p:nvSpPr>
+        <p:spPr>
+          <a:xfrm>
+            <a:off x="479750" y="1793125"/>
+            <a:ext cx="8234400" cy="2917800"/>
+          </a:xfrm>
+          <a:prstGeom prst="rect">
+            <a:avLst/>
+          </a:prstGeom>
+          <a:noFill/>
+          <a:ln>
+            <a:noFill/>
+          </a:ln>
+        </p:spPr>
+        <p:txBody>
+          <a:bodyPr anchorCtr="0" anchor="ctr" bIns="91425" lIns="91425" spcFirstLastPara="1" rIns="91425" wrap="square" tIns="91425">
+            <a:noAutofit/>
+          </a:bodyPr>
+          <a:lstStyle/>
+          <a:p>
+            <a:pPr indent="0" lvl="0" marL="0" rtl="0" algn="ctr">
+              <a:spcBef>
+                <a:spcPts val="0"/>
+              </a:spcBef>
+              <a:spcAft>
+                <a:spcPts val="0"/>
+              </a:spcAft>
+              <a:buNone/>
+            </a:pPr>
+            <a:r>
+              <a:rPr lang="en" sz="1800">
+                <a:solidFill>
+                  <a:srgbClr val="E3FEF7"/>
+                </a:solidFill>
+              </a:rPr>
+              <a:t>Write here.</a:t>
+            </a:r>
+            <a:endParaRPr i="1" sz="1800">
+              <a:solidFill>
+                <a:srgbClr val="E3FEF7"/>
+              </a:solidFill>
+            </a:endParaRPr>
+          </a:p>
+        </p:txBody>
+      </p:sp>
+    </p:spTree>
+  </p:cSld>
+  <p:clrMapOvr>
+    <a:masterClrMapping/>
+  </p:clrMapOvr>
+</p:sld>
+</file>
+
+<file path=ppt/slides/slide14.xml><?xml version="1.0" encoding="utf-8"?>
+<p:sld xmlns:a="http://schemas.openxmlformats.org/drawingml/2006/main" xmlns:r="http://schemas.openxmlformats.org/officeDocument/2006/relationships" xmlns:mc="http://schemas.openxmlformats.org/markup-compatibility/2006" xmlns:mv="urn:schemas-microsoft-com:mac:vml" xmlns:p="http://schemas.openxmlformats.org/presentationml/2006/main" xmlns:c="http://schemas.openxmlformats.org/drawingml/2006/chart" xmlns:dgm="http://schemas.openxmlformats.org/drawingml/2006/diagram" xmlns:o="urn:schemas-microsoft-com:office:office" xmlns:v="urn:schemas-microsoft-com:vml" xmlns:pvml="urn:schemas-microsoft-com:office:powerpoint" xmlns:com="http://schemas.openxmlformats.org/drawingml/2006/compatibility" xmlns:p14="http://schemas.microsoft.com/office/powerpoint/2010/main" xmlns:p15="http://schemas.microsoft.com/office/powerpoint/2012/main" xmlns:ahyp="http://schemas.microsoft.com/office/drawing/2018/hyperlinkcolor">
+  <p:cSld>
+    <p:bg>
+      <p:bgPr>
+        <a:solidFill>
+          <a:srgbClr val="003C43"/>
+        </a:solidFill>
+      </p:bgPr>
+    </p:bg>
+    <p:spTree>
+      <p:nvGrpSpPr>
+        <p:cNvPr id="142" name="Shape 142"/>
+        <p:cNvGrpSpPr/>
+        <p:nvPr/>
+      </p:nvGrpSpPr>
+      <p:grpSpPr>
+        <a:xfrm>
+          <a:off x="0" y="0"/>
+          <a:ext cx="0" cy="0"/>
+          <a:chOff x="0" y="0"/>
+          <a:chExt cx="0" cy="0"/>
+        </a:xfrm>
+      </p:grpSpPr>
+      <p:sp>
+        <p:nvSpPr>
+          <p:cNvPr id="143" name="Google Shape;143;p26"/>
+          <p:cNvSpPr txBox="1"/>
+          <p:nvPr/>
+        </p:nvSpPr>
+        <p:spPr>
+          <a:xfrm>
+            <a:off x="0" y="180900"/>
+            <a:ext cx="9144000" cy="880800"/>
+          </a:xfrm>
+          <a:prstGeom prst="rect">
+            <a:avLst/>
+          </a:prstGeom>
+          <a:noFill/>
+          <a:ln>
+            <a:noFill/>
+          </a:ln>
+        </p:spPr>
+        <p:txBody>
+          <a:bodyPr anchorCtr="0" anchor="ctr" bIns="91425" lIns="91425" spcFirstLastPara="1" rIns="91425" wrap="square" tIns="91425">
+            <a:noAutofit/>
+          </a:bodyPr>
+          <a:lstStyle/>
+          <a:p>
+            <a:pPr indent="0" lvl="0" marL="0" rtl="0" algn="ctr">
+              <a:spcBef>
+                <a:spcPts val="0"/>
+              </a:spcBef>
+              <a:spcAft>
+                <a:spcPts val="0"/>
+              </a:spcAft>
+              <a:buNone/>
+            </a:pPr>
+            <a:r>
+              <a:rPr b="1" lang="en" sz="4000">
+                <a:solidFill>
+                  <a:srgbClr val="E3FEF7"/>
+                </a:solidFill>
+              </a:rPr>
+              <a:t>Conclusions</a:t>
+            </a:r>
+            <a:endParaRPr b="1" sz="4000">
+              <a:solidFill>
+                <a:srgbClr val="E3FEF7"/>
+              </a:solidFill>
+            </a:endParaRPr>
+          </a:p>
+        </p:txBody>
+      </p:sp>
+      <p:sp>
+        <p:nvSpPr>
+          <p:cNvPr id="144" name="Google Shape;144;p26"/>
+          <p:cNvSpPr txBox="1"/>
+          <p:nvPr/>
+        </p:nvSpPr>
+        <p:spPr>
+          <a:xfrm>
+            <a:off x="479750" y="1793125"/>
+            <a:ext cx="8234400" cy="2917800"/>
+          </a:xfrm>
+          <a:prstGeom prst="rect">
+            <a:avLst/>
+          </a:prstGeom>
+          <a:noFill/>
+          <a:ln>
+            <a:noFill/>
+          </a:ln>
+        </p:spPr>
+        <p:txBody>
+          <a:bodyPr anchorCtr="0" anchor="ctr" bIns="91425" lIns="91425" spcFirstLastPara="1" rIns="91425" wrap="square" tIns="91425">
+            <a:noAutofit/>
+          </a:bodyPr>
+          <a:lstStyle/>
+          <a:p>
+            <a:pPr indent="0" lvl="0" marL="0" rtl="0" algn="ctr">
+              <a:spcBef>
+                <a:spcPts val="0"/>
+              </a:spcBef>
+              <a:spcAft>
+                <a:spcPts val="0"/>
+              </a:spcAft>
+              <a:buNone/>
+            </a:pPr>
+            <a:r>
+              <a:rPr lang="en" sz="1800">
+                <a:solidFill>
+                  <a:srgbClr val="E3FEF7"/>
+                </a:solidFill>
+              </a:rPr>
+              <a:t>Write here.</a:t>
+            </a:r>
+            <a:endParaRPr i="1" sz="1800">
+              <a:solidFill>
+                <a:srgbClr val="E3FEF7"/>
+              </a:solidFill>
+            </a:endParaRPr>
+          </a:p>
+        </p:txBody>
+      </p:sp>
+    </p:spTree>
+  </p:cSld>
+  <p:clrMapOvr>
+    <a:masterClrMapping/>
+  </p:clrMapOvr>
+</p:sld>
+</file>
+
+<file path=ppt/slides/slide15.xml><?xml version="1.0" encoding="utf-8"?>
+<p:sld xmlns:a="http://schemas.openxmlformats.org/drawingml/2006/main" xmlns:r="http://schemas.openxmlformats.org/officeDocument/2006/relationships" xmlns:mc="http://schemas.openxmlformats.org/markup-compatibility/2006" xmlns:mv="urn:schemas-microsoft-com:mac:vml" xmlns:p="http://schemas.openxmlformats.org/presentationml/2006/main" xmlns:c="http://schemas.openxmlformats.org/drawingml/2006/chart" xmlns:dgm="http://schemas.openxmlformats.org/drawingml/2006/diagram" xmlns:o="urn:schemas-microsoft-com:office:office" xmlns:v="urn:schemas-microsoft-com:vml" xmlns:pvml="urn:schemas-microsoft-com:office:powerpoint" xmlns:com="http://schemas.openxmlformats.org/drawingml/2006/compatibility" xmlns:p14="http://schemas.microsoft.com/office/powerpoint/2010/main" xmlns:p15="http://schemas.microsoft.com/office/powerpoint/2012/main" xmlns:ahyp="http://schemas.microsoft.com/office/drawing/2018/hyperlinkcolor">
+  <p:cSld>
+    <p:bg>
+      <p:bgPr>
+        <a:solidFill>
+          <a:srgbClr val="003C43"/>
+        </a:solidFill>
+      </p:bgPr>
+    </p:bg>
+    <p:spTree>
+      <p:nvGrpSpPr>
+        <p:cNvPr id="148" name="Shape 148"/>
+        <p:cNvGrpSpPr/>
+        <p:nvPr/>
+      </p:nvGrpSpPr>
+      <p:grpSpPr>
+        <a:xfrm>
+          <a:off x="0" y="0"/>
+          <a:ext cx="0" cy="0"/>
+          <a:chOff x="0" y="0"/>
+          <a:chExt cx="0" cy="0"/>
+        </a:xfrm>
+      </p:grpSpPr>
+      <p:sp>
+        <p:nvSpPr>
+          <p:cNvPr id="149" name="Google Shape;149;p27"/>
+          <p:cNvSpPr txBox="1"/>
+          <p:nvPr/>
+        </p:nvSpPr>
+        <p:spPr>
+          <a:xfrm>
+            <a:off x="0" y="180900"/>
+            <a:ext cx="9144000" cy="880800"/>
+          </a:xfrm>
+          <a:prstGeom prst="rect">
+            <a:avLst/>
+          </a:prstGeom>
+          <a:noFill/>
+          <a:ln>
+            <a:noFill/>
+          </a:ln>
+        </p:spPr>
+        <p:txBody>
+          <a:bodyPr anchorCtr="0" anchor="ctr" bIns="91425" lIns="91425" spcFirstLastPara="1" rIns="91425" wrap="square" tIns="91425">
+            <a:noAutofit/>
+          </a:bodyPr>
+          <a:lstStyle/>
+          <a:p>
+            <a:pPr indent="0" lvl="0" marL="0" rtl="0" algn="ctr">
+              <a:spcBef>
+                <a:spcPts val="0"/>
+              </a:spcBef>
+              <a:spcAft>
+                <a:spcPts val="0"/>
+              </a:spcAft>
+              <a:buNone/>
+            </a:pPr>
+            <a:r>
+              <a:rPr b="1" lang="en" sz="4000">
+                <a:solidFill>
+                  <a:srgbClr val="E3FEF7"/>
+                </a:solidFill>
+              </a:rPr>
               <a:t>References</a:t>
             </a:r>
             <a:endParaRPr b="1" sz="4000">
@@ -7460,7 +8024,7 @@
       </p:sp>
       <p:sp>
         <p:nvSpPr>
-          <p:cNvPr id="136" name="Google Shape;136;p25"/>
+          <p:cNvPr id="150" name="Google Shape;150;p27"/>
           <p:cNvSpPr txBox="1"/>
           <p:nvPr/>
         </p:nvSpPr>
@@ -8354,7 +8918,7 @@
                   <a:srgbClr val="E3FEF7"/>
                 </a:solidFill>
               </a:rPr>
-              <a:t>XML Access Control Models</a:t>
+              <a:t>Modele de Control al Accesului XML</a:t>
             </a:r>
             <a:endParaRPr b="1" sz="4000">
               <a:solidFill>
@@ -8367,56 +8931,6 @@
       <p:sp>
         <p:nvSpPr>
           <p:cNvPr id="75" name="Google Shape;75;p16"/>
-          <p:cNvSpPr txBox="1"/>
-          <p:nvPr/>
-        </p:nvSpPr>
-        <p:spPr>
-          <a:xfrm>
-            <a:off x="479750" y="1793125"/>
-            <a:ext cx="8234400" cy="2917800"/>
-          </a:xfrm>
-          <a:prstGeom prst="rect">
-            <a:avLst/>
-          </a:prstGeom>
-          <a:noFill/>
-          <a:ln>
-            <a:noFill/>
-          </a:ln>
-        </p:spPr>
-        <p:txBody>
-          <a:bodyPr anchorCtr="0" anchor="ctr" bIns="91425" lIns="91425" spcFirstLastPara="1" rIns="91425" wrap="square" tIns="91425">
-            <a:noAutofit/>
-          </a:bodyPr>
-          <a:lstStyle/>
-          <a:p>
-            <a:pPr indent="0" lvl="0" marL="0" rtl="0" algn="ctr">
-              <a:spcBef>
-                <a:spcPts val="0"/>
-              </a:spcBef>
-              <a:spcAft>
-                <a:spcPts val="0"/>
-              </a:spcAft>
-              <a:buNone/>
-            </a:pPr>
-            <a:r>
-              <a:rPr lang="en" sz="1800">
-                <a:solidFill>
-                  <a:srgbClr val="E3FEF7"/>
-                </a:solidFill>
-              </a:rPr>
-              <a:t>Write here.</a:t>
-            </a:r>
-            <a:endParaRPr i="1" sz="1800">
-              <a:solidFill>
-                <a:srgbClr val="E3FEF7"/>
-              </a:solidFill>
-            </a:endParaRPr>
-          </a:p>
-        </p:txBody>
-      </p:sp>
-      <p:sp>
-        <p:nvSpPr>
-          <p:cNvPr id="76" name="Google Shape;76;p16"/>
           <p:cNvSpPr txBox="1"/>
           <p:nvPr/>
         </p:nvSpPr>
@@ -8454,9 +8968,198 @@
                   <a:srgbClr val="E3FEF7"/>
                 </a:solidFill>
               </a:rPr>
-              <a:t>Basic Concepts</a:t>
+              <a:t>Concepte de bază</a:t>
             </a:r>
             <a:endParaRPr b="1" sz="2600">
+              <a:solidFill>
+                <a:srgbClr val="E3FEF7"/>
+              </a:solidFill>
+            </a:endParaRPr>
+          </a:p>
+        </p:txBody>
+      </p:sp>
+      <p:sp>
+        <p:nvSpPr>
+          <p:cNvPr id="76" name="Google Shape;76;p16"/>
+          <p:cNvSpPr txBox="1"/>
+          <p:nvPr/>
+        </p:nvSpPr>
+        <p:spPr>
+          <a:xfrm>
+            <a:off x="454800" y="1557300"/>
+            <a:ext cx="8234400" cy="3303000"/>
+          </a:xfrm>
+          <a:prstGeom prst="rect">
+            <a:avLst/>
+          </a:prstGeom>
+          <a:noFill/>
+          <a:ln>
+            <a:noFill/>
+          </a:ln>
+        </p:spPr>
+        <p:txBody>
+          <a:bodyPr anchorCtr="0" anchor="t" bIns="91425" lIns="91425" spcFirstLastPara="1" rIns="91425" wrap="square" tIns="91425">
+            <a:noAutofit/>
+          </a:bodyPr>
+          <a:lstStyle/>
+          <a:p>
+            <a:pPr indent="-342900" lvl="0" marL="457200" rtl="0" algn="l">
+              <a:lnSpc>
+                <a:spcPct val="130000"/>
+              </a:lnSpc>
+              <a:spcBef>
+                <a:spcPts val="0"/>
+              </a:spcBef>
+              <a:spcAft>
+                <a:spcPts val="0"/>
+              </a:spcAft>
+              <a:buClr>
+                <a:srgbClr val="E3FEF7"/>
+              </a:buClr>
+              <a:buSzPts val="1800"/>
+              <a:buChar char="●"/>
+            </a:pPr>
+            <a:r>
+              <a:rPr b="1" lang="en" sz="1800">
+                <a:solidFill>
+                  <a:srgbClr val="E3FEF7"/>
+                </a:solidFill>
+              </a:rPr>
+              <a:t>Definiție</a:t>
+            </a:r>
+            <a:r>
+              <a:rPr b="1" lang="en" sz="1800">
+                <a:solidFill>
+                  <a:srgbClr val="E3FEF7"/>
+                </a:solidFill>
+              </a:rPr>
+              <a:t>:</a:t>
+            </a:r>
+            <a:endParaRPr b="1" sz="1800">
+              <a:solidFill>
+                <a:srgbClr val="E3FEF7"/>
+              </a:solidFill>
+            </a:endParaRPr>
+          </a:p>
+          <a:p>
+            <a:pPr indent="-342900" lvl="1" marL="914400" rtl="0" algn="l">
+              <a:lnSpc>
+                <a:spcPct val="130000"/>
+              </a:lnSpc>
+              <a:spcBef>
+                <a:spcPts val="0"/>
+              </a:spcBef>
+              <a:spcAft>
+                <a:spcPts val="0"/>
+              </a:spcAft>
+              <a:buClr>
+                <a:srgbClr val="E3FEF7"/>
+              </a:buClr>
+              <a:buSzPts val="1800"/>
+              <a:buChar char="○"/>
+            </a:pPr>
+            <a:r>
+              <a:rPr b="1" lang="en" sz="1800">
+                <a:solidFill>
+                  <a:srgbClr val="E3FEF7"/>
+                </a:solidFill>
+              </a:rPr>
+              <a:t>Controlul accesului:</a:t>
+            </a:r>
+            <a:endParaRPr b="1" sz="1800">
+              <a:solidFill>
+                <a:srgbClr val="E3FEF7"/>
+              </a:solidFill>
+            </a:endParaRPr>
+          </a:p>
+          <a:p>
+            <a:pPr indent="-342900" lvl="2" marL="1371600" rtl="0" algn="l">
+              <a:lnSpc>
+                <a:spcPct val="130000"/>
+              </a:lnSpc>
+              <a:spcBef>
+                <a:spcPts val="0"/>
+              </a:spcBef>
+              <a:spcAft>
+                <a:spcPts val="0"/>
+              </a:spcAft>
+              <a:buClr>
+                <a:srgbClr val="E3FEF7"/>
+              </a:buClr>
+              <a:buSzPts val="1800"/>
+              <a:buChar char="■"/>
+            </a:pPr>
+            <a:r>
+              <a:rPr lang="en" sz="1800">
+                <a:solidFill>
+                  <a:srgbClr val="E3FEF7"/>
+                </a:solidFill>
+              </a:rPr>
+              <a:t>reglementarea accesului la resurse în funcție de drepturi și condiții</a:t>
+            </a:r>
+            <a:endParaRPr sz="1800">
+              <a:solidFill>
+                <a:srgbClr val="E3FEF7"/>
+              </a:solidFill>
+            </a:endParaRPr>
+          </a:p>
+          <a:p>
+            <a:pPr indent="-342900" lvl="0" marL="457200" rtl="0" algn="l">
+              <a:lnSpc>
+                <a:spcPct val="130000"/>
+              </a:lnSpc>
+              <a:spcBef>
+                <a:spcPts val="0"/>
+              </a:spcBef>
+              <a:spcAft>
+                <a:spcPts val="0"/>
+              </a:spcAft>
+              <a:buClr>
+                <a:srgbClr val="E3FEF7"/>
+              </a:buClr>
+              <a:buSzPts val="1800"/>
+              <a:buChar char="●"/>
+            </a:pPr>
+            <a:r>
+              <a:rPr b="1" lang="en" sz="1800">
+                <a:solidFill>
+                  <a:srgbClr val="E3FEF7"/>
+                </a:solidFill>
+              </a:rPr>
+              <a:t>Scop:</a:t>
+            </a:r>
+            <a:endParaRPr b="1" sz="1800">
+              <a:solidFill>
+                <a:srgbClr val="E3FEF7"/>
+              </a:solidFill>
+            </a:endParaRPr>
+          </a:p>
+          <a:p>
+            <a:pPr indent="-342900" lvl="1" marL="914400" rtl="0" algn="l">
+              <a:lnSpc>
+                <a:spcPct val="130000"/>
+              </a:lnSpc>
+              <a:spcBef>
+                <a:spcPts val="0"/>
+              </a:spcBef>
+              <a:spcAft>
+                <a:spcPts val="0"/>
+              </a:spcAft>
+              <a:buClr>
+                <a:srgbClr val="E3FEF7"/>
+              </a:buClr>
+              <a:buSzPts val="1800"/>
+              <a:buChar char="○"/>
+            </a:pPr>
+            <a:r>
+              <a:rPr lang="en" sz="1800">
+                <a:solidFill>
+                  <a:srgbClr val="E3FEF7"/>
+                </a:solidFill>
+              </a:rPr>
+              <a:t>Protecția datelor structurate împotriva accesului neautorizat și manipulării</a:t>
+            </a:r>
+            <a:endParaRPr sz="1800">
               <a:solidFill>
                 <a:srgbClr val="E3FEF7"/>
               </a:solidFill>
@@ -8536,7 +9239,7 @@
                   <a:srgbClr val="E3FEF7"/>
                 </a:solidFill>
               </a:rPr>
-              <a:t>XML Access Control Models</a:t>
+              <a:t>Modele de Control al Accesului XML</a:t>
             </a:r>
             <a:endParaRPr b="1" sz="4000">
               <a:solidFill>
@@ -8549,56 +9252,6 @@
       <p:sp>
         <p:nvSpPr>
           <p:cNvPr id="82" name="Google Shape;82;p17"/>
-          <p:cNvSpPr txBox="1"/>
-          <p:nvPr/>
-        </p:nvSpPr>
-        <p:spPr>
-          <a:xfrm>
-            <a:off x="479750" y="1793125"/>
-            <a:ext cx="8234400" cy="2917800"/>
-          </a:xfrm>
-          <a:prstGeom prst="rect">
-            <a:avLst/>
-          </a:prstGeom>
-          <a:noFill/>
-          <a:ln>
-            <a:noFill/>
-          </a:ln>
-        </p:spPr>
-        <p:txBody>
-          <a:bodyPr anchorCtr="0" anchor="ctr" bIns="91425" lIns="91425" spcFirstLastPara="1" rIns="91425" wrap="square" tIns="91425">
-            <a:noAutofit/>
-          </a:bodyPr>
-          <a:lstStyle/>
-          <a:p>
-            <a:pPr indent="0" lvl="0" marL="0" rtl="0" algn="ctr">
-              <a:spcBef>
-                <a:spcPts val="0"/>
-              </a:spcBef>
-              <a:spcAft>
-                <a:spcPts val="0"/>
-              </a:spcAft>
-              <a:buNone/>
-            </a:pPr>
-            <a:r>
-              <a:rPr lang="en" sz="1800">
-                <a:solidFill>
-                  <a:srgbClr val="E3FEF7"/>
-                </a:solidFill>
-              </a:rPr>
-              <a:t>Write here.</a:t>
-            </a:r>
-            <a:endParaRPr i="1" sz="1800">
-              <a:solidFill>
-                <a:srgbClr val="E3FEF7"/>
-              </a:solidFill>
-            </a:endParaRPr>
-          </a:p>
-        </p:txBody>
-      </p:sp>
-      <p:sp>
-        <p:nvSpPr>
-          <p:cNvPr id="83" name="Google Shape;83;p17"/>
           <p:cNvSpPr txBox="1"/>
           <p:nvPr/>
         </p:nvSpPr>
@@ -8636,9 +9289,314 @@
                   <a:srgbClr val="E3FEF7"/>
                 </a:solidFill>
               </a:rPr>
-              <a:t>Fine-Grained Access Control</a:t>
+              <a:t>Concepte de bază</a:t>
             </a:r>
             <a:endParaRPr b="1" sz="2600">
+              <a:solidFill>
+                <a:srgbClr val="E3FEF7"/>
+              </a:solidFill>
+            </a:endParaRPr>
+          </a:p>
+        </p:txBody>
+      </p:sp>
+      <p:sp>
+        <p:nvSpPr>
+          <p:cNvPr id="83" name="Google Shape;83;p17"/>
+          <p:cNvSpPr txBox="1"/>
+          <p:nvPr/>
+        </p:nvSpPr>
+        <p:spPr>
+          <a:xfrm>
+            <a:off x="454800" y="1557300"/>
+            <a:ext cx="8234400" cy="3303000"/>
+          </a:xfrm>
+          <a:prstGeom prst="rect">
+            <a:avLst/>
+          </a:prstGeom>
+          <a:noFill/>
+          <a:ln>
+            <a:noFill/>
+          </a:ln>
+        </p:spPr>
+        <p:txBody>
+          <a:bodyPr anchorCtr="0" anchor="t" bIns="91425" lIns="91425" spcFirstLastPara="1" rIns="91425" wrap="square" tIns="91425">
+            <a:noAutofit/>
+          </a:bodyPr>
+          <a:lstStyle/>
+          <a:p>
+            <a:pPr indent="-342900" lvl="0" marL="457200" rtl="0" algn="l">
+              <a:lnSpc>
+                <a:spcPct val="130000"/>
+              </a:lnSpc>
+              <a:spcBef>
+                <a:spcPts val="0"/>
+              </a:spcBef>
+              <a:spcAft>
+                <a:spcPts val="0"/>
+              </a:spcAft>
+              <a:buClr>
+                <a:srgbClr val="E3FEF7"/>
+              </a:buClr>
+              <a:buSzPts val="1800"/>
+              <a:buChar char="●"/>
+            </a:pPr>
+            <a:r>
+              <a:rPr b="1" lang="en" sz="1800">
+                <a:solidFill>
+                  <a:srgbClr val="E3FEF7"/>
+                </a:solidFill>
+              </a:rPr>
+              <a:t>Componentele principale ale politicilor de acces:</a:t>
+            </a:r>
+            <a:endParaRPr b="1" sz="1800">
+              <a:solidFill>
+                <a:srgbClr val="E3FEF7"/>
+              </a:solidFill>
+            </a:endParaRPr>
+          </a:p>
+          <a:p>
+            <a:pPr indent="-342900" lvl="1" marL="914400" rtl="0" algn="l">
+              <a:lnSpc>
+                <a:spcPct val="130000"/>
+              </a:lnSpc>
+              <a:spcBef>
+                <a:spcPts val="0"/>
+              </a:spcBef>
+              <a:spcAft>
+                <a:spcPts val="0"/>
+              </a:spcAft>
+              <a:buClr>
+                <a:srgbClr val="E3FEF7"/>
+              </a:buClr>
+              <a:buSzPts val="1800"/>
+              <a:buChar char="○"/>
+            </a:pPr>
+            <a:r>
+              <a:rPr b="1" lang="en" sz="1800">
+                <a:solidFill>
+                  <a:srgbClr val="E3FEF7"/>
+                </a:solidFill>
+              </a:rPr>
+              <a:t>Subiect:</a:t>
+            </a:r>
+            <a:endParaRPr b="1" sz="1800">
+              <a:solidFill>
+                <a:srgbClr val="E3FEF7"/>
+              </a:solidFill>
+            </a:endParaRPr>
+          </a:p>
+          <a:p>
+            <a:pPr indent="-342900" lvl="2" marL="1371600" rtl="0" algn="l">
+              <a:lnSpc>
+                <a:spcPct val="130000"/>
+              </a:lnSpc>
+              <a:spcBef>
+                <a:spcPts val="0"/>
+              </a:spcBef>
+              <a:spcAft>
+                <a:spcPts val="0"/>
+              </a:spcAft>
+              <a:buClr>
+                <a:srgbClr val="E3FEF7"/>
+              </a:buClr>
+              <a:buSzPts val="1800"/>
+              <a:buChar char="■"/>
+            </a:pPr>
+            <a:r>
+              <a:rPr lang="en" sz="1800">
+                <a:solidFill>
+                  <a:srgbClr val="E3FEF7"/>
+                </a:solidFill>
+              </a:rPr>
+              <a:t>Cine solicită accesul (utilizator/rol)</a:t>
+            </a:r>
+            <a:endParaRPr sz="1800">
+              <a:solidFill>
+                <a:srgbClr val="E3FEF7"/>
+              </a:solidFill>
+            </a:endParaRPr>
+          </a:p>
+          <a:p>
+            <a:pPr indent="-342900" lvl="1" marL="914400" rtl="0" algn="l">
+              <a:lnSpc>
+                <a:spcPct val="130000"/>
+              </a:lnSpc>
+              <a:spcBef>
+                <a:spcPts val="0"/>
+              </a:spcBef>
+              <a:spcAft>
+                <a:spcPts val="0"/>
+              </a:spcAft>
+              <a:buClr>
+                <a:srgbClr val="E3FEF7"/>
+              </a:buClr>
+              <a:buSzPts val="1800"/>
+              <a:buChar char="○"/>
+            </a:pPr>
+            <a:r>
+              <a:rPr lang="en" sz="1800">
+                <a:solidFill>
+                  <a:srgbClr val="E3FEF7"/>
+                </a:solidFill>
+              </a:rPr>
+              <a:t>Obiect:</a:t>
+            </a:r>
+            <a:endParaRPr sz="1800">
+              <a:solidFill>
+                <a:srgbClr val="E3FEF7"/>
+              </a:solidFill>
+            </a:endParaRPr>
+          </a:p>
+          <a:p>
+            <a:pPr indent="-342900" lvl="2" marL="1371600" rtl="0" algn="l">
+              <a:lnSpc>
+                <a:spcPct val="130000"/>
+              </a:lnSpc>
+              <a:spcBef>
+                <a:spcPts val="0"/>
+              </a:spcBef>
+              <a:spcAft>
+                <a:spcPts val="0"/>
+              </a:spcAft>
+              <a:buClr>
+                <a:srgbClr val="E3FEF7"/>
+              </a:buClr>
+              <a:buSzPts val="1800"/>
+              <a:buChar char="■"/>
+            </a:pPr>
+            <a:r>
+              <a:rPr lang="en" sz="1800">
+                <a:solidFill>
+                  <a:srgbClr val="E3FEF7"/>
+                </a:solidFill>
+              </a:rPr>
+              <a:t>Resursa protejată (element/atribut XML)</a:t>
+            </a:r>
+            <a:endParaRPr sz="1800">
+              <a:solidFill>
+                <a:srgbClr val="E3FEF7"/>
+              </a:solidFill>
+            </a:endParaRPr>
+          </a:p>
+          <a:p>
+            <a:pPr indent="-342900" lvl="1" marL="914400" rtl="0" algn="l">
+              <a:lnSpc>
+                <a:spcPct val="130000"/>
+              </a:lnSpc>
+              <a:spcBef>
+                <a:spcPts val="0"/>
+              </a:spcBef>
+              <a:spcAft>
+                <a:spcPts val="0"/>
+              </a:spcAft>
+              <a:buClr>
+                <a:srgbClr val="E3FEF7"/>
+              </a:buClr>
+              <a:buSzPts val="1800"/>
+              <a:buChar char="○"/>
+            </a:pPr>
+            <a:r>
+              <a:rPr lang="en" sz="1800">
+                <a:solidFill>
+                  <a:srgbClr val="E3FEF7"/>
+                </a:solidFill>
+              </a:rPr>
+              <a:t>Acțiune:</a:t>
+            </a:r>
+            <a:endParaRPr sz="1800">
+              <a:solidFill>
+                <a:srgbClr val="E3FEF7"/>
+              </a:solidFill>
+            </a:endParaRPr>
+          </a:p>
+          <a:p>
+            <a:pPr indent="-342900" lvl="2" marL="1371600" rtl="0" algn="l">
+              <a:lnSpc>
+                <a:spcPct val="130000"/>
+              </a:lnSpc>
+              <a:spcBef>
+                <a:spcPts val="0"/>
+              </a:spcBef>
+              <a:spcAft>
+                <a:spcPts val="0"/>
+              </a:spcAft>
+              <a:buClr>
+                <a:srgbClr val="E3FEF7"/>
+              </a:buClr>
+              <a:buSzPts val="1800"/>
+              <a:buChar char="■"/>
+            </a:pPr>
+            <a:r>
+              <a:rPr lang="en" sz="1800">
+                <a:solidFill>
+                  <a:srgbClr val="E3FEF7"/>
+                </a:solidFill>
+              </a:rPr>
+              <a:t>Ce se permite (citire, scriere, ștergere)</a:t>
+            </a:r>
+            <a:endParaRPr sz="1800">
+              <a:solidFill>
+                <a:srgbClr val="E3FEF7"/>
+              </a:solidFill>
+            </a:endParaRPr>
+          </a:p>
+          <a:p>
+            <a:pPr indent="-342900" lvl="1" marL="914400" rtl="0" algn="l">
+              <a:lnSpc>
+                <a:spcPct val="130000"/>
+              </a:lnSpc>
+              <a:spcBef>
+                <a:spcPts val="0"/>
+              </a:spcBef>
+              <a:spcAft>
+                <a:spcPts val="0"/>
+              </a:spcAft>
+              <a:buClr>
+                <a:srgbClr val="E3FEF7"/>
+              </a:buClr>
+              <a:buSzPts val="1800"/>
+              <a:buChar char="○"/>
+            </a:pPr>
+            <a:r>
+              <a:rPr lang="en" sz="1800">
+                <a:solidFill>
+                  <a:srgbClr val="E3FEF7"/>
+                </a:solidFill>
+              </a:rPr>
+              <a:t>Condiții:</a:t>
+            </a:r>
+            <a:endParaRPr sz="1800">
+              <a:solidFill>
+                <a:srgbClr val="E3FEF7"/>
+              </a:solidFill>
+            </a:endParaRPr>
+          </a:p>
+          <a:p>
+            <a:pPr indent="-342900" lvl="2" marL="1371600" rtl="0" algn="l">
+              <a:lnSpc>
+                <a:spcPct val="130000"/>
+              </a:lnSpc>
+              <a:spcBef>
+                <a:spcPts val="0"/>
+              </a:spcBef>
+              <a:spcAft>
+                <a:spcPts val="0"/>
+              </a:spcAft>
+              <a:buClr>
+                <a:srgbClr val="E3FEF7"/>
+              </a:buClr>
+              <a:buSzPts val="1800"/>
+              <a:buChar char="■"/>
+            </a:pPr>
+            <a:r>
+              <a:rPr lang="en" sz="1800">
+                <a:solidFill>
+                  <a:srgbClr val="E3FEF7"/>
+                </a:solidFill>
+              </a:rPr>
+              <a:t>Când și cum este permis accesul (ex. timp, locație)</a:t>
+            </a:r>
+            <a:endParaRPr sz="1800">
               <a:solidFill>
                 <a:srgbClr val="E3FEF7"/>
               </a:solidFill>
@@ -8718,7 +9676,7 @@
                   <a:srgbClr val="E3FEF7"/>
                 </a:solidFill>
               </a:rPr>
-              <a:t>XML Access Control Models</a:t>
+              <a:t>Modele de Control al Accesului XML</a:t>
             </a:r>
             <a:endParaRPr b="1" sz="4000">
               <a:solidFill>
@@ -8731,56 +9689,6 @@
       <p:sp>
         <p:nvSpPr>
           <p:cNvPr id="89" name="Google Shape;89;p18"/>
-          <p:cNvSpPr txBox="1"/>
-          <p:nvPr/>
-        </p:nvSpPr>
-        <p:spPr>
-          <a:xfrm>
-            <a:off x="479750" y="1793125"/>
-            <a:ext cx="8234400" cy="2917800"/>
-          </a:xfrm>
-          <a:prstGeom prst="rect">
-            <a:avLst/>
-          </a:prstGeom>
-          <a:noFill/>
-          <a:ln>
-            <a:noFill/>
-          </a:ln>
-        </p:spPr>
-        <p:txBody>
-          <a:bodyPr anchorCtr="0" anchor="ctr" bIns="91425" lIns="91425" spcFirstLastPara="1" rIns="91425" wrap="square" tIns="91425">
-            <a:noAutofit/>
-          </a:bodyPr>
-          <a:lstStyle/>
-          <a:p>
-            <a:pPr indent="0" lvl="0" marL="0" rtl="0" algn="ctr">
-              <a:spcBef>
-                <a:spcPts val="0"/>
-              </a:spcBef>
-              <a:spcAft>
-                <a:spcPts val="0"/>
-              </a:spcAft>
-              <a:buNone/>
-            </a:pPr>
-            <a:r>
-              <a:rPr lang="en" sz="1800">
-                <a:solidFill>
-                  <a:srgbClr val="E3FEF7"/>
-                </a:solidFill>
-              </a:rPr>
-              <a:t>Write here.</a:t>
-            </a:r>
-            <a:endParaRPr i="1" sz="1800">
-              <a:solidFill>
-                <a:srgbClr val="E3FEF7"/>
-              </a:solidFill>
-            </a:endParaRPr>
-          </a:p>
-        </p:txBody>
-      </p:sp>
-      <p:sp>
-        <p:nvSpPr>
-          <p:cNvPr id="90" name="Google Shape;90;p18"/>
           <p:cNvSpPr txBox="1"/>
           <p:nvPr/>
         </p:nvSpPr>
@@ -8818,9 +9726,221 @@
                   <a:srgbClr val="E3FEF7"/>
                 </a:solidFill>
               </a:rPr>
-              <a:t>Role-Based Access Control for XML</a:t>
+              <a:t>Concepte de bază</a:t>
             </a:r>
             <a:endParaRPr b="1" sz="2600">
+              <a:solidFill>
+                <a:srgbClr val="E3FEF7"/>
+              </a:solidFill>
+            </a:endParaRPr>
+          </a:p>
+        </p:txBody>
+      </p:sp>
+      <p:sp>
+        <p:nvSpPr>
+          <p:cNvPr id="90" name="Google Shape;90;p18"/>
+          <p:cNvSpPr txBox="1"/>
+          <p:nvPr/>
+        </p:nvSpPr>
+        <p:spPr>
+          <a:xfrm>
+            <a:off x="454800" y="1557300"/>
+            <a:ext cx="8234400" cy="3303000"/>
+          </a:xfrm>
+          <a:prstGeom prst="rect">
+            <a:avLst/>
+          </a:prstGeom>
+          <a:noFill/>
+          <a:ln>
+            <a:noFill/>
+          </a:ln>
+        </p:spPr>
+        <p:txBody>
+          <a:bodyPr anchorCtr="0" anchor="t" bIns="91425" lIns="91425" spcFirstLastPara="1" rIns="91425" wrap="square" tIns="91425">
+            <a:noAutofit/>
+          </a:bodyPr>
+          <a:lstStyle/>
+          <a:p>
+            <a:pPr indent="-342900" lvl="0" marL="457200" rtl="0" algn="l">
+              <a:lnSpc>
+                <a:spcPct val="130000"/>
+              </a:lnSpc>
+              <a:spcBef>
+                <a:spcPts val="0"/>
+              </a:spcBef>
+              <a:spcAft>
+                <a:spcPts val="0"/>
+              </a:spcAft>
+              <a:buClr>
+                <a:srgbClr val="E3FEF7"/>
+              </a:buClr>
+              <a:buSzPts val="1800"/>
+              <a:buChar char="●"/>
+            </a:pPr>
+            <a:r>
+              <a:rPr b="1" lang="en" sz="1800">
+                <a:solidFill>
+                  <a:srgbClr val="E3FEF7"/>
+                </a:solidFill>
+              </a:rPr>
+              <a:t>Componentele principale ale politicilor de acces:</a:t>
+            </a:r>
+            <a:endParaRPr b="1" sz="1800">
+              <a:solidFill>
+                <a:srgbClr val="E3FEF7"/>
+              </a:solidFill>
+            </a:endParaRPr>
+          </a:p>
+          <a:p>
+            <a:pPr indent="-342900" lvl="1" marL="914400" rtl="0" algn="l">
+              <a:lnSpc>
+                <a:spcPct val="130000"/>
+              </a:lnSpc>
+              <a:spcBef>
+                <a:spcPts val="0"/>
+              </a:spcBef>
+              <a:spcAft>
+                <a:spcPts val="0"/>
+              </a:spcAft>
+              <a:buClr>
+                <a:srgbClr val="E3FEF7"/>
+              </a:buClr>
+              <a:buSzPts val="1800"/>
+              <a:buChar char="○"/>
+            </a:pPr>
+            <a:r>
+              <a:rPr b="1" lang="en" sz="1800">
+                <a:solidFill>
+                  <a:srgbClr val="E3FEF7"/>
+                </a:solidFill>
+              </a:rPr>
+              <a:t>Particularități XML:</a:t>
+            </a:r>
+            <a:endParaRPr b="1" sz="1800">
+              <a:solidFill>
+                <a:srgbClr val="E3FEF7"/>
+              </a:solidFill>
+            </a:endParaRPr>
+          </a:p>
+          <a:p>
+            <a:pPr indent="-342900" lvl="2" marL="1371600" rtl="0" algn="l">
+              <a:lnSpc>
+                <a:spcPct val="130000"/>
+              </a:lnSpc>
+              <a:spcBef>
+                <a:spcPts val="0"/>
+              </a:spcBef>
+              <a:spcAft>
+                <a:spcPts val="0"/>
+              </a:spcAft>
+              <a:buClr>
+                <a:srgbClr val="E3FEF7"/>
+              </a:buClr>
+              <a:buSzPts val="1800"/>
+              <a:buChar char="■"/>
+            </a:pPr>
+            <a:r>
+              <a:rPr b="1" lang="en" sz="1800">
+                <a:solidFill>
+                  <a:srgbClr val="E3FEF7"/>
+                </a:solidFill>
+              </a:rPr>
+              <a:t>Necesitatea unui control granular (nivel element/atribut).</a:t>
+            </a:r>
+            <a:endParaRPr b="1" sz="1800">
+              <a:solidFill>
+                <a:srgbClr val="E3FEF7"/>
+              </a:solidFill>
+            </a:endParaRPr>
+          </a:p>
+          <a:p>
+            <a:pPr indent="-342900" lvl="2" marL="1371600" rtl="0" algn="l">
+              <a:lnSpc>
+                <a:spcPct val="130000"/>
+              </a:lnSpc>
+              <a:spcBef>
+                <a:spcPts val="0"/>
+              </a:spcBef>
+              <a:spcAft>
+                <a:spcPts val="0"/>
+              </a:spcAft>
+              <a:buClr>
+                <a:srgbClr val="E3FEF7"/>
+              </a:buClr>
+              <a:buSzPts val="1800"/>
+              <a:buChar char="■"/>
+            </a:pPr>
+            <a:r>
+              <a:rPr b="1" lang="en" sz="1800">
+                <a:solidFill>
+                  <a:srgbClr val="E3FEF7"/>
+                </a:solidFill>
+              </a:rPr>
+              <a:t>Integrare cu alte mecanisme de securitate:</a:t>
+            </a:r>
+            <a:endParaRPr b="1" sz="1800">
+              <a:solidFill>
+                <a:srgbClr val="E3FEF7"/>
+              </a:solidFill>
+            </a:endParaRPr>
+          </a:p>
+          <a:p>
+            <a:pPr indent="-342900" lvl="3" marL="1828800" rtl="0" algn="l">
+              <a:lnSpc>
+                <a:spcPct val="130000"/>
+              </a:lnSpc>
+              <a:spcBef>
+                <a:spcPts val="0"/>
+              </a:spcBef>
+              <a:spcAft>
+                <a:spcPts val="0"/>
+              </a:spcAft>
+              <a:buClr>
+                <a:srgbClr val="E3FEF7"/>
+              </a:buClr>
+              <a:buSzPts val="1800"/>
+              <a:buChar char="●"/>
+            </a:pPr>
+            <a:r>
+              <a:rPr b="1" lang="en" sz="1800">
+                <a:solidFill>
+                  <a:srgbClr val="E3FEF7"/>
+                </a:solidFill>
+              </a:rPr>
+              <a:t>criptare</a:t>
+            </a:r>
+            <a:endParaRPr b="1" sz="1800">
+              <a:solidFill>
+                <a:srgbClr val="E3FEF7"/>
+              </a:solidFill>
+            </a:endParaRPr>
+          </a:p>
+          <a:p>
+            <a:pPr indent="-342900" lvl="3" marL="1828800" rtl="0" algn="l">
+              <a:lnSpc>
+                <a:spcPct val="130000"/>
+              </a:lnSpc>
+              <a:spcBef>
+                <a:spcPts val="0"/>
+              </a:spcBef>
+              <a:spcAft>
+                <a:spcPts val="0"/>
+              </a:spcAft>
+              <a:buClr>
+                <a:srgbClr val="E3FEF7"/>
+              </a:buClr>
+              <a:buSzPts val="1800"/>
+              <a:buChar char="●"/>
+            </a:pPr>
+            <a:r>
+              <a:rPr b="1" lang="en" sz="1800">
+                <a:solidFill>
+                  <a:srgbClr val="E3FEF7"/>
+                </a:solidFill>
+              </a:rPr>
+              <a:t>semnătură digitală</a:t>
+            </a:r>
+            <a:endParaRPr b="1" sz="1800">
               <a:solidFill>
                 <a:srgbClr val="E3FEF7"/>
               </a:solidFill>
@@ -8900,7 +10020,7 @@
                   <a:srgbClr val="E3FEF7"/>
                 </a:solidFill>
               </a:rPr>
-              <a:t>Access Control Policy Languages</a:t>
+              <a:t>XML Access Control Models</a:t>
             </a:r>
             <a:endParaRPr b="1" sz="4000">
               <a:solidFill>
@@ -9000,7 +10120,7 @@
                   <a:srgbClr val="E3FEF7"/>
                 </a:solidFill>
               </a:rPr>
-              <a:t>XACML</a:t>
+              <a:t>Fine-Grained Access Control</a:t>
             </a:r>
             <a:endParaRPr b="1" sz="2600">
               <a:solidFill>
@@ -9082,7 +10202,7 @@
                   <a:srgbClr val="E3FEF7"/>
                 </a:solidFill>
               </a:rPr>
-              <a:t>Access Control Policy Languages</a:t>
+              <a:t>XML Access Control Models</a:t>
             </a:r>
             <a:endParaRPr b="1" sz="4000">
               <a:solidFill>
@@ -9182,7 +10302,7 @@
                   <a:srgbClr val="E3FEF7"/>
                 </a:solidFill>
               </a:rPr>
-              <a:t>Custom Policy Specifications</a:t>
+              <a:t>Role-Based Access Control for XML</a:t>
             </a:r>
             <a:endParaRPr b="1" sz="2600">
               <a:solidFill>
@@ -9264,7 +10384,7 @@
                   <a:srgbClr val="E3FEF7"/>
                 </a:solidFill>
               </a:rPr>
-              <a:t>Implementation Approaches</a:t>
+              <a:t>Access Control Policy Languages</a:t>
             </a:r>
             <a:endParaRPr b="1" sz="4000">
               <a:solidFill>
@@ -9364,7 +10484,7 @@
                   <a:srgbClr val="E3FEF7"/>
                 </a:solidFill>
               </a:rPr>
-              <a:t>Enforcement Mechanisms</a:t>
+              <a:t>XACML</a:t>
             </a:r>
             <a:endParaRPr b="1" sz="2600">
               <a:solidFill>
@@ -9383,6 +10503,285 @@
 </file>
 
 <file path=ppt/theme/theme1.xml><?xml version="1.0" encoding="utf-8"?>
+<a:theme xmlns:a="http://schemas.openxmlformats.org/drawingml/2006/main" xmlns:r="http://schemas.openxmlformats.org/officeDocument/2006/relationships">
+  <a:themeElements>
+    <a:clrScheme name="Default">
+      <a:dk1>
+        <a:srgbClr val="000000"/>
+      </a:dk1>
+      <a:lt1>
+        <a:srgbClr val="FFFFFF"/>
+      </a:lt1>
+      <a:dk2>
+        <a:srgbClr val="158158"/>
+      </a:dk2>
+      <a:lt2>
+        <a:srgbClr val="F3F3F3"/>
+      </a:lt2>
+      <a:accent1>
+        <a:srgbClr val="058DC7"/>
+      </a:accent1>
+      <a:accent2>
+        <a:srgbClr val="50B432"/>
+      </a:accent2>
+      <a:accent3>
+        <a:srgbClr val="ED561B"/>
+      </a:accent3>
+      <a:accent4>
+        <a:srgbClr val="EDEF00"/>
+      </a:accent4>
+      <a:accent5>
+        <a:srgbClr val="24CBE5"/>
+      </a:accent5>
+      <a:accent6>
+        <a:srgbClr val="64E572"/>
+      </a:accent6>
+      <a:hlink>
+        <a:srgbClr val="2200CC"/>
+      </a:hlink>
+      <a:folHlink>
+        <a:srgbClr val="551A8B"/>
+      </a:folHlink>
+    </a:clrScheme>
+    <a:fontScheme name="Office">
+      <a:majorFont>
+        <a:latin typeface="Arial"/>
+        <a:ea typeface=""/>
+        <a:cs typeface=""/>
+        <a:font script="Jpan" typeface="ＭＳ Ｐゴシック"/>
+        <a:font script="Hang" typeface="맑은 고딕"/>
+        <a:font script="Hans" typeface="宋体"/>
+        <a:font script="Hant" typeface="新細明體"/>
+        <a:font script="Arab" typeface="Times New Roman"/>
+        <a:font script="Hebr" typeface="Times New Roman"/>
+        <a:font script="Thai" typeface="Angsana New"/>
+        <a:font script="Ethi" typeface="Nyala"/>
+        <a:font script="Beng" typeface="Vrinda"/>
+        <a:font script="Gujr" typeface="Shruti"/>
+        <a:font script="Khmr" typeface="MoolBoran"/>
+        <a:font script="Knda" typeface="Tunga"/>
+        <a:font script="Guru" typeface="Raavi"/>
+        <a:font script="Cans" typeface="Euphemia"/>
+        <a:font script="Cher" typeface="Plantagenet Cherokee"/>
+        <a:font script="Yiii" typeface="Microsoft Yi Baiti"/>
+        <a:font script="Tibt" typeface="Microsoft Himalaya"/>
+        <a:font script="Thaa" typeface="MV Boli"/>
+        <a:font script="Deva" typeface="Mangal"/>
+        <a:font script="Telu" typeface="Gautami"/>
+        <a:font script="Taml" typeface="Latha"/>
+        <a:font script="Syrc" typeface="Estrangelo Edessa"/>
+        <a:font script="Orya" typeface="Kalinga"/>
+        <a:font script="Mlym" typeface="Kartika"/>
+        <a:font script="Laoo" typeface="DokChampa"/>
+        <a:font script="Sinh" typeface="Iskoola Pota"/>
+        <a:font script="Mong" typeface="Mongolian Baiti"/>
+        <a:font script="Viet" typeface="Times New Roman"/>
+        <a:font script="Uigh" typeface="Microsoft Uighur"/>
+        <a:font script="Geor" typeface="Sylfaen"/>
+      </a:majorFont>
+      <a:minorFont>
+        <a:latin typeface="Arial"/>
+        <a:ea typeface=""/>
+        <a:cs typeface=""/>
+        <a:font script="Jpan" typeface="ＭＳ Ｐゴシック"/>
+        <a:font script="Hang" typeface="맑은 고딕"/>
+        <a:font script="Hans" typeface="宋体"/>
+        <a:font script="Hant" typeface="新細明體"/>
+        <a:font script="Arab" typeface="Arial"/>
+        <a:font script="Hebr" typeface="Arial"/>
+        <a:font script="Thai" typeface="Cordia New"/>
+        <a:font script="Ethi" typeface="Nyala"/>
+        <a:font script="Beng" typeface="Vrinda"/>
+        <a:font script="Gujr" typeface="Shruti"/>
+        <a:font script="Khmr" typeface="DaunPenh"/>
+        <a:font script="Knda" typeface="Tunga"/>
+        <a:font script="Guru" typeface="Raavi"/>
+        <a:font script="Cans" typeface="Euphemia"/>
+        <a:font script="Cher" typeface="Plantagenet Cherokee"/>
+        <a:font script="Yiii" typeface="Microsoft Yi Baiti"/>
+        <a:font script="Tibt" typeface="Microsoft Himalaya"/>
+        <a:font script="Thaa" typeface="MV Boli"/>
+        <a:font script="Deva" typeface="Mangal"/>
+        <a:font script="Telu" typeface="Gautami"/>
+        <a:font script="Taml" typeface="Latha"/>
+        <a:font script="Syrc" typeface="Estrangelo Edessa"/>
+        <a:font script="Orya" typeface="Kalinga"/>
+        <a:font script="Mlym" typeface="Kartika"/>
+        <a:font script="Laoo" typeface="DokChampa"/>
+        <a:font script="Sinh" typeface="Iskoola Pota"/>
+        <a:font script="Mong" typeface="Mongolian Baiti"/>
+        <a:font script="Viet" typeface="Arial"/>
+        <a:font script="Uigh" typeface="Microsoft Uighur"/>
+        <a:font script="Geor" typeface="Sylfaen"/>
+      </a:minorFont>
+    </a:fontScheme>
+    <a:fmtScheme name="Office">
+      <a:fillStyleLst>
+        <a:solidFill>
+          <a:schemeClr val="phClr"/>
+        </a:solidFill>
+        <a:gradFill rotWithShape="1">
+          <a:gsLst>
+            <a:gs pos="0">
+              <a:schemeClr val="phClr">
+                <a:tint val="50000"/>
+                <a:satMod val="300000"/>
+              </a:schemeClr>
+            </a:gs>
+            <a:gs pos="35000">
+              <a:schemeClr val="phClr">
+                <a:tint val="37000"/>
+                <a:satMod val="300000"/>
+              </a:schemeClr>
+            </a:gs>
+            <a:gs pos="100000">
+              <a:schemeClr val="phClr">
+                <a:tint val="15000"/>
+                <a:satMod val="350000"/>
+              </a:schemeClr>
+            </a:gs>
+          </a:gsLst>
+          <a:lin ang="16200000" scaled="1"/>
+        </a:gradFill>
+        <a:gradFill rotWithShape="1">
+          <a:gsLst>
+            <a:gs pos="0">
+              <a:schemeClr val="phClr">
+                <a:tint val="100000"/>
+                <a:shade val="100000"/>
+                <a:satMod val="130000"/>
+              </a:schemeClr>
+            </a:gs>
+            <a:gs pos="100000">
+              <a:schemeClr val="phClr">
+                <a:tint val="50000"/>
+                <a:shade val="100000"/>
+                <a:satMod val="350000"/>
+              </a:schemeClr>
+            </a:gs>
+          </a:gsLst>
+          <a:lin ang="16200000" scaled="0"/>
+        </a:gradFill>
+      </a:fillStyleLst>
+      <a:lnStyleLst>
+        <a:ln w="9525" cap="flat" cmpd="sng" algn="ctr">
+          <a:solidFill>
+            <a:schemeClr val="phClr">
+              <a:shade val="95000"/>
+              <a:satMod val="105000"/>
+            </a:schemeClr>
+          </a:solidFill>
+          <a:prstDash val="solid"/>
+        </a:ln>
+        <a:ln w="25400" cap="flat" cmpd="sng" algn="ctr">
+          <a:solidFill>
+            <a:schemeClr val="phClr"/>
+          </a:solidFill>
+          <a:prstDash val="solid"/>
+        </a:ln>
+        <a:ln w="38100" cap="flat" cmpd="sng" algn="ctr">
+          <a:solidFill>
+            <a:schemeClr val="phClr"/>
+          </a:solidFill>
+          <a:prstDash val="solid"/>
+        </a:ln>
+      </a:lnStyleLst>
+      <a:effectStyleLst>
+        <a:effectStyle>
+          <a:effectLst>
+            <a:outerShdw blurRad="40000" dist="20000" dir="5400000" rotWithShape="0">
+              <a:srgbClr val="000000">
+                <a:alpha val="38000"/>
+              </a:srgbClr>
+            </a:outerShdw>
+          </a:effectLst>
+        </a:effectStyle>
+        <a:effectStyle>
+          <a:effectLst>
+            <a:outerShdw blurRad="40000" dist="23000" dir="5400000" rotWithShape="0">
+              <a:srgbClr val="000000">
+                <a:alpha val="35000"/>
+              </a:srgbClr>
+            </a:outerShdw>
+          </a:effectLst>
+        </a:effectStyle>
+        <a:effectStyle>
+          <a:effectLst>
+            <a:outerShdw blurRad="40000" dist="23000" dir="5400000" rotWithShape="0">
+              <a:srgbClr val="000000">
+                <a:alpha val="35000"/>
+              </a:srgbClr>
+            </a:outerShdw>
+          </a:effectLst>
+          <a:scene3d>
+            <a:camera prst="orthographicFront">
+              <a:rot lat="0" lon="0" rev="0"/>
+            </a:camera>
+            <a:lightRig rig="threePt" dir="t">
+              <a:rot lat="0" lon="0" rev="1200000"/>
+            </a:lightRig>
+          </a:scene3d>
+          <a:sp3d>
+            <a:bevelT w="63500" h="25400"/>
+          </a:sp3d>
+        </a:effectStyle>
+      </a:effectStyleLst>
+      <a:bgFillStyleLst>
+        <a:solidFill>
+          <a:schemeClr val="phClr"/>
+        </a:solidFill>
+        <a:gradFill rotWithShape="1">
+          <a:gsLst>
+            <a:gs pos="0">
+              <a:schemeClr val="phClr">
+                <a:tint val="40000"/>
+                <a:satMod val="350000"/>
+              </a:schemeClr>
+            </a:gs>
+            <a:gs pos="40000">
+              <a:schemeClr val="phClr">
+                <a:tint val="45000"/>
+                <a:shade val="99000"/>
+                <a:satMod val="350000"/>
+              </a:schemeClr>
+            </a:gs>
+            <a:gs pos="100000">
+              <a:schemeClr val="phClr">
+                <a:shade val="20000"/>
+                <a:satMod val="255000"/>
+              </a:schemeClr>
+            </a:gs>
+          </a:gsLst>
+          <a:path path="circle">
+            <a:fillToRect l="50000" t="-80000" r="50000" b="180000"/>
+          </a:path>
+        </a:gradFill>
+        <a:gradFill rotWithShape="1">
+          <a:gsLst>
+            <a:gs pos="0">
+              <a:schemeClr val="phClr">
+                <a:tint val="80000"/>
+                <a:satMod val="300000"/>
+              </a:schemeClr>
+            </a:gs>
+            <a:gs pos="100000">
+              <a:schemeClr val="phClr">
+                <a:shade val="30000"/>
+                <a:satMod val="200000"/>
+              </a:schemeClr>
+            </a:gs>
+          </a:gsLst>
+          <a:path path="circle">
+            <a:fillToRect l="50000" t="50000" r="50000" b="50000"/>
+          </a:path>
+        </a:gradFill>
+      </a:bgFillStyleLst>
+    </a:fmtScheme>
+  </a:themeElements>
+</a:theme>
+</file>
+
+<file path=ppt/theme/theme2.xml><?xml version="1.0" encoding="utf-8"?>
 <a:theme xmlns:a="http://schemas.openxmlformats.org/drawingml/2006/main" xmlns:r="http://schemas.openxmlformats.org/officeDocument/2006/relationships" name="Simple Light">
   <a:themeElements>
     <a:clrScheme name="Simple Light">
@@ -9659,283 +11058,4 @@
     </a:fmtScheme>
   </a:themeElements>
 </a:theme>
-</file>
-
-<file path=ppt/theme/theme2.xml><?xml version="1.0" encoding="utf-8"?>
-<a:theme xmlns:a="http://schemas.openxmlformats.org/drawingml/2006/main" xmlns:r="http://schemas.openxmlformats.org/officeDocument/2006/relationships">
-  <a:themeElements>
-    <a:clrScheme name="Default">
-      <a:dk1>
-        <a:srgbClr val="000000"/>
-      </a:dk1>
-      <a:lt1>
-        <a:srgbClr val="FFFFFF"/>
-      </a:lt1>
-      <a:dk2>
-        <a:srgbClr val="158158"/>
-      </a:dk2>
-      <a:lt2>
-        <a:srgbClr val="F3F3F3"/>
-      </a:lt2>
-      <a:accent1>
-        <a:srgbClr val="058DC7"/>
-      </a:accent1>
-      <a:accent2>
-        <a:srgbClr val="50B432"/>
-      </a:accent2>
-      <a:accent3>
-        <a:srgbClr val="ED561B"/>
-      </a:accent3>
-      <a:accent4>
-        <a:srgbClr val="EDEF00"/>
-      </a:accent4>
-      <a:accent5>
-        <a:srgbClr val="24CBE5"/>
-      </a:accent5>
-      <a:accent6>
-        <a:srgbClr val="64E572"/>
-      </a:accent6>
-      <a:hlink>
-        <a:srgbClr val="2200CC"/>
-      </a:hlink>
-      <a:folHlink>
-        <a:srgbClr val="551A8B"/>
-      </a:folHlink>
-    </a:clrScheme>
-    <a:fontScheme name="Office">
-      <a:majorFont>
-        <a:latin typeface="Arial"/>
-        <a:ea typeface=""/>
-        <a:cs typeface=""/>
-        <a:font script="Jpan" typeface="ＭＳ Ｐゴシック"/>
-        <a:font script="Hang" typeface="맑은 고딕"/>
-        <a:font script="Hans" typeface="宋体"/>
-        <a:font script="Hant" typeface="新細明體"/>
-        <a:font script="Arab" typeface="Times New Roman"/>
-        <a:font script="Hebr" typeface="Times New Roman"/>
-        <a:font script="Thai" typeface="Angsana New"/>
-        <a:font script="Ethi" typeface="Nyala"/>
-        <a:font script="Beng" typeface="Vrinda"/>
-        <a:font script="Gujr" typeface="Shruti"/>
-        <a:font script="Khmr" typeface="MoolBoran"/>
-        <a:font script="Knda" typeface="Tunga"/>
-        <a:font script="Guru" typeface="Raavi"/>
-        <a:font script="Cans" typeface="Euphemia"/>
-        <a:font script="Cher" typeface="Plantagenet Cherokee"/>
-        <a:font script="Yiii" typeface="Microsoft Yi Baiti"/>
-        <a:font script="Tibt" typeface="Microsoft Himalaya"/>
-        <a:font script="Thaa" typeface="MV Boli"/>
-        <a:font script="Deva" typeface="Mangal"/>
-        <a:font script="Telu" typeface="Gautami"/>
-        <a:font script="Taml" typeface="Latha"/>
-        <a:font script="Syrc" typeface="Estrangelo Edessa"/>
-        <a:font script="Orya" typeface="Kalinga"/>
-        <a:font script="Mlym" typeface="Kartika"/>
-        <a:font script="Laoo" typeface="DokChampa"/>
-        <a:font script="Sinh" typeface="Iskoola Pota"/>
-        <a:font script="Mong" typeface="Mongolian Baiti"/>
-        <a:font script="Viet" typeface="Times New Roman"/>
-        <a:font script="Uigh" typeface="Microsoft Uighur"/>
-        <a:font script="Geor" typeface="Sylfaen"/>
-      </a:majorFont>
-      <a:minorFont>
-        <a:latin typeface="Arial"/>
-        <a:ea typeface=""/>
-        <a:cs typeface=""/>
-        <a:font script="Jpan" typeface="ＭＳ Ｐゴシック"/>
-        <a:font script="Hang" typeface="맑은 고딕"/>
-        <a:font script="Hans" typeface="宋体"/>
-        <a:font script="Hant" typeface="新細明體"/>
-        <a:font script="Arab" typeface="Arial"/>
-        <a:font script="Hebr" typeface="Arial"/>
-        <a:font script="Thai" typeface="Cordia New"/>
-        <a:font script="Ethi" typeface="Nyala"/>
-        <a:font script="Beng" typeface="Vrinda"/>
-        <a:font script="Gujr" typeface="Shruti"/>
-        <a:font script="Khmr" typeface="DaunPenh"/>
-        <a:font script="Knda" typeface="Tunga"/>
-        <a:font script="Guru" typeface="Raavi"/>
-        <a:font script="Cans" typeface="Euphemia"/>
-        <a:font script="Cher" typeface="Plantagenet Cherokee"/>
-        <a:font script="Yiii" typeface="Microsoft Yi Baiti"/>
-        <a:font script="Tibt" typeface="Microsoft Himalaya"/>
-        <a:font script="Thaa" typeface="MV Boli"/>
-        <a:font script="Deva" typeface="Mangal"/>
-        <a:font script="Telu" typeface="Gautami"/>
-        <a:font script="Taml" typeface="Latha"/>
-        <a:font script="Syrc" typeface="Estrangelo Edessa"/>
-        <a:font script="Orya" typeface="Kalinga"/>
-        <a:font script="Mlym" typeface="Kartika"/>
-        <a:font script="Laoo" typeface="DokChampa"/>
-        <a:font script="Sinh" typeface="Iskoola Pota"/>
-        <a:font script="Mong" typeface="Mongolian Baiti"/>
-        <a:font script="Viet" typeface="Arial"/>
-        <a:font script="Uigh" typeface="Microsoft Uighur"/>
-        <a:font script="Geor" typeface="Sylfaen"/>
-      </a:minorFont>
-    </a:fontScheme>
-    <a:fmtScheme name="Office">
-      <a:fillStyleLst>
-        <a:solidFill>
-          <a:schemeClr val="phClr"/>
-        </a:solidFill>
-        <a:gradFill rotWithShape="1">
-          <a:gsLst>
-            <a:gs pos="0">
-              <a:schemeClr val="phClr">
-                <a:tint val="50000"/>
-                <a:satMod val="300000"/>
-              </a:schemeClr>
-            </a:gs>
-            <a:gs pos="35000">
-              <a:schemeClr val="phClr">
-                <a:tint val="37000"/>
-                <a:satMod val="300000"/>
-              </a:schemeClr>
-            </a:gs>
-            <a:gs pos="100000">
-              <a:schemeClr val="phClr">
-                <a:tint val="15000"/>
-                <a:satMod val="350000"/>
-              </a:schemeClr>
-            </a:gs>
-          </a:gsLst>
-          <a:lin ang="16200000" scaled="1"/>
-        </a:gradFill>
-        <a:gradFill rotWithShape="1">
-          <a:gsLst>
-            <a:gs pos="0">
-              <a:schemeClr val="phClr">
-                <a:tint val="100000"/>
-                <a:shade val="100000"/>
-                <a:satMod val="130000"/>
-              </a:schemeClr>
-            </a:gs>
-            <a:gs pos="100000">
-              <a:schemeClr val="phClr">
-                <a:tint val="50000"/>
-                <a:shade val="100000"/>
-                <a:satMod val="350000"/>
-              </a:schemeClr>
-            </a:gs>
-          </a:gsLst>
-          <a:lin ang="16200000" scaled="0"/>
-        </a:gradFill>
-      </a:fillStyleLst>
-      <a:lnStyleLst>
-        <a:ln w="9525" cap="flat" cmpd="sng" algn="ctr">
-          <a:solidFill>
-            <a:schemeClr val="phClr">
-              <a:shade val="95000"/>
-              <a:satMod val="105000"/>
-            </a:schemeClr>
-          </a:solidFill>
-          <a:prstDash val="solid"/>
-        </a:ln>
-        <a:ln w="25400" cap="flat" cmpd="sng" algn="ctr">
-          <a:solidFill>
-            <a:schemeClr val="phClr"/>
-          </a:solidFill>
-          <a:prstDash val="solid"/>
-        </a:ln>
-        <a:ln w="38100" cap="flat" cmpd="sng" algn="ctr">
-          <a:solidFill>
-            <a:schemeClr val="phClr"/>
-          </a:solidFill>
-          <a:prstDash val="solid"/>
-        </a:ln>
-      </a:lnStyleLst>
-      <a:effectStyleLst>
-        <a:effectStyle>
-          <a:effectLst>
-            <a:outerShdw blurRad="40000" dist="20000" dir="5400000" rotWithShape="0">
-              <a:srgbClr val="000000">
-                <a:alpha val="38000"/>
-              </a:srgbClr>
-            </a:outerShdw>
-          </a:effectLst>
-        </a:effectStyle>
-        <a:effectStyle>
-          <a:effectLst>
-            <a:outerShdw blurRad="40000" dist="23000" dir="5400000" rotWithShape="0">
-              <a:srgbClr val="000000">
-                <a:alpha val="35000"/>
-              </a:srgbClr>
-            </a:outerShdw>
-          </a:effectLst>
-        </a:effectStyle>
-        <a:effectStyle>
-          <a:effectLst>
-            <a:outerShdw blurRad="40000" dist="23000" dir="5400000" rotWithShape="0">
-              <a:srgbClr val="000000">
-                <a:alpha val="35000"/>
-              </a:srgbClr>
-            </a:outerShdw>
-          </a:effectLst>
-          <a:scene3d>
-            <a:camera prst="orthographicFront">
-              <a:rot lat="0" lon="0" rev="0"/>
-            </a:camera>
-            <a:lightRig rig="threePt" dir="t">
-              <a:rot lat="0" lon="0" rev="1200000"/>
-            </a:lightRig>
-          </a:scene3d>
-          <a:sp3d>
-            <a:bevelT w="63500" h="25400"/>
-          </a:sp3d>
-        </a:effectStyle>
-      </a:effectStyleLst>
-      <a:bgFillStyleLst>
-        <a:solidFill>
-          <a:schemeClr val="phClr"/>
-        </a:solidFill>
-        <a:gradFill rotWithShape="1">
-          <a:gsLst>
-            <a:gs pos="0">
-              <a:schemeClr val="phClr">
-                <a:tint val="40000"/>
-                <a:satMod val="350000"/>
-              </a:schemeClr>
-            </a:gs>
-            <a:gs pos="40000">
-              <a:schemeClr val="phClr">
-                <a:tint val="45000"/>
-                <a:shade val="99000"/>
-                <a:satMod val="350000"/>
-              </a:schemeClr>
-            </a:gs>
-            <a:gs pos="100000">
-              <a:schemeClr val="phClr">
-                <a:shade val="20000"/>
-                <a:satMod val="255000"/>
-              </a:schemeClr>
-            </a:gs>
-          </a:gsLst>
-          <a:path path="circle">
-            <a:fillToRect l="50000" t="-80000" r="50000" b="180000"/>
-          </a:path>
-        </a:gradFill>
-        <a:gradFill rotWithShape="1">
-          <a:gsLst>
-            <a:gs pos="0">
-              <a:schemeClr val="phClr">
-                <a:tint val="80000"/>
-                <a:satMod val="300000"/>
-              </a:schemeClr>
-            </a:gs>
-            <a:gs pos="100000">
-              <a:schemeClr val="phClr">
-                <a:shade val="30000"/>
-                <a:satMod val="200000"/>
-              </a:schemeClr>
-            </a:gs>
-          </a:gsLst>
-          <a:path path="circle">
-            <a:fillToRect l="50000" t="50000" r="50000" b="50000"/>
-          </a:path>
-        </a:gradFill>
-      </a:bgFillStyleLst>
-    </a:fmtScheme>
-  </a:themeElements>
-</a:theme>
 </file>
--- a/Access Control for XML - Presentation.pptx
+++ b/Access Control for XML - Presentation.pptx
@@ -23,6 +23,8 @@
     <p:sldId id="268" r:id="rId18"/>
     <p:sldId id="269" r:id="rId19"/>
     <p:sldId id="270" r:id="rId20"/>
+    <p:sldId id="271" r:id="rId21"/>
+    <p:sldId id="272" r:id="rId22"/>
   </p:sldIdLst>
   <p:sldSz cy="5143500" cx="9144000"/>
   <p:notesSz cx="6858000" cy="9144000"/>
@@ -818,7 +820,7 @@
       </p:grpSpPr>
       <p:sp>
         <p:nvSpPr>
-          <p:cNvPr id="113" name="Google Shape;113;g324d1e3a553_0_405:notes"/>
+          <p:cNvPr id="113" name="Google Shape;113;g324d1e3a553_0_392:notes"/>
           <p:cNvSpPr/>
           <p:nvPr>
             <p:ph idx="2" type="sldImg"/>
@@ -853,7 +855,7 @@
       </p:sp>
       <p:sp>
         <p:nvSpPr>
-          <p:cNvPr id="114" name="Google Shape;114;g324d1e3a553_0_405:notes"/>
+          <p:cNvPr id="114" name="Google Shape;114;g324d1e3a553_0_392:notes"/>
           <p:cNvSpPr txBox="1"/>
           <p:nvPr>
             <p:ph idx="1" type="body"/>
@@ -917,7 +919,7 @@
       </p:grpSpPr>
       <p:sp>
         <p:nvSpPr>
-          <p:cNvPr id="120" name="Google Shape;120;g324d1e3a553_0_412:notes"/>
+          <p:cNvPr id="120" name="Google Shape;120;g324d1e3a553_0_399:notes"/>
           <p:cNvSpPr/>
           <p:nvPr>
             <p:ph idx="2" type="sldImg"/>
@@ -952,7 +954,7 @@
       </p:sp>
       <p:sp>
         <p:nvSpPr>
-          <p:cNvPr id="121" name="Google Shape;121;g324d1e3a553_0_412:notes"/>
+          <p:cNvPr id="121" name="Google Shape;121;g324d1e3a553_0_399:notes"/>
           <p:cNvSpPr txBox="1"/>
           <p:nvPr>
             <p:ph idx="1" type="body"/>
@@ -1016,7 +1018,7 @@
       </p:grpSpPr>
       <p:sp>
         <p:nvSpPr>
-          <p:cNvPr id="127" name="Google Shape;127;g324d1e3a553_0_420:notes"/>
+          <p:cNvPr id="127" name="Google Shape;127;g324d1e3a553_0_405:notes"/>
           <p:cNvSpPr/>
           <p:nvPr>
             <p:ph idx="2" type="sldImg"/>
@@ -1051,7 +1053,7 @@
       </p:sp>
       <p:sp>
         <p:nvSpPr>
-          <p:cNvPr id="128" name="Google Shape;128;g324d1e3a553_0_420:notes"/>
+          <p:cNvPr id="128" name="Google Shape;128;g324d1e3a553_0_405:notes"/>
           <p:cNvSpPr txBox="1"/>
           <p:nvPr>
             <p:ph idx="1" type="body"/>
@@ -1115,7 +1117,7 @@
       </p:grpSpPr>
       <p:sp>
         <p:nvSpPr>
-          <p:cNvPr id="134" name="Google Shape;134;g324d1e3a553_0_427:notes"/>
+          <p:cNvPr id="134" name="Google Shape;134;g324d1e3a553_0_412:notes"/>
           <p:cNvSpPr/>
           <p:nvPr>
             <p:ph idx="2" type="sldImg"/>
@@ -1150,7 +1152,7 @@
       </p:sp>
       <p:sp>
         <p:nvSpPr>
-          <p:cNvPr id="135" name="Google Shape;135;g324d1e3a553_0_427:notes"/>
+          <p:cNvPr id="135" name="Google Shape;135;g324d1e3a553_0_412:notes"/>
           <p:cNvSpPr txBox="1"/>
           <p:nvPr>
             <p:ph idx="1" type="body"/>
@@ -1200,7 +1202,7 @@
   <p:cSld>
     <p:spTree>
       <p:nvGrpSpPr>
-        <p:cNvPr id="139" name="Shape 139"/>
+        <p:cNvPr id="140" name="Shape 140"/>
         <p:cNvGrpSpPr/>
         <p:nvPr/>
       </p:nvGrpSpPr>
@@ -1214,7 +1216,7 @@
       </p:grpSpPr>
       <p:sp>
         <p:nvSpPr>
-          <p:cNvPr id="140" name="Google Shape;140;g324d1e3a553_0_434:notes"/>
+          <p:cNvPr id="141" name="Google Shape;141;g324d1e3a553_0_420:notes"/>
           <p:cNvSpPr/>
           <p:nvPr>
             <p:ph idx="2" type="sldImg"/>
@@ -1249,7 +1251,7 @@
       </p:sp>
       <p:sp>
         <p:nvSpPr>
-          <p:cNvPr id="141" name="Google Shape;141;g324d1e3a553_0_434:notes"/>
+          <p:cNvPr id="142" name="Google Shape;142;g324d1e3a553_0_420:notes"/>
           <p:cNvSpPr txBox="1"/>
           <p:nvPr>
             <p:ph idx="1" type="body"/>
@@ -1299,7 +1301,7 @@
   <p:cSld>
     <p:spTree>
       <p:nvGrpSpPr>
-        <p:cNvPr id="145" name="Shape 145"/>
+        <p:cNvPr id="147" name="Shape 147"/>
         <p:cNvGrpSpPr/>
         <p:nvPr/>
       </p:nvGrpSpPr>
@@ -1313,7 +1315,7 @@
       </p:grpSpPr>
       <p:sp>
         <p:nvSpPr>
-          <p:cNvPr id="146" name="Google Shape;146;g324d1e3a553_0_439:notes"/>
+          <p:cNvPr id="148" name="Google Shape;148;g324d1e3a553_0_427:notes"/>
           <p:cNvSpPr/>
           <p:nvPr>
             <p:ph idx="2" type="sldImg"/>
@@ -1348,7 +1350,205 @@
       </p:sp>
       <p:sp>
         <p:nvSpPr>
-          <p:cNvPr id="147" name="Google Shape;147;g324d1e3a553_0_439:notes"/>
+          <p:cNvPr id="149" name="Google Shape;149;g324d1e3a553_0_427:notes"/>
+          <p:cNvSpPr txBox="1"/>
+          <p:nvPr>
+            <p:ph idx="1" type="body"/>
+          </p:nvPr>
+        </p:nvSpPr>
+        <p:spPr>
+          <a:xfrm>
+            <a:off x="685800" y="4343400"/>
+            <a:ext cx="5486400" cy="4114800"/>
+          </a:xfrm>
+          <a:prstGeom prst="rect">
+            <a:avLst/>
+          </a:prstGeom>
+        </p:spPr>
+        <p:txBody>
+          <a:bodyPr anchorCtr="0" anchor="t" bIns="91425" lIns="91425" spcFirstLastPara="1" rIns="91425" wrap="square" tIns="91425">
+            <a:noAutofit/>
+          </a:bodyPr>
+          <a:lstStyle/>
+          <a:p>
+            <a:pPr indent="0" lvl="0" marL="0" rtl="0" algn="l">
+              <a:spcBef>
+                <a:spcPts val="0"/>
+              </a:spcBef>
+              <a:spcAft>
+                <a:spcPts val="0"/>
+              </a:spcAft>
+              <a:buNone/>
+            </a:pPr>
+            <a:r>
+              <a:t/>
+            </a:r>
+            <a:endParaRPr/>
+          </a:p>
+        </p:txBody>
+      </p:sp>
+    </p:spTree>
+  </p:cSld>
+  <p:clrMapOvr>
+    <a:masterClrMapping/>
+  </p:clrMapOvr>
+</p:notes>
+</file>
+
+<file path=ppt/notesSlides/notesSlide16.xml><?xml version="1.0" encoding="utf-8"?>
+<p:notes xmlns:a="http://schemas.openxmlformats.org/drawingml/2006/main" xmlns:r="http://schemas.openxmlformats.org/officeDocument/2006/relationships" xmlns:mc="http://schemas.openxmlformats.org/markup-compatibility/2006" xmlns:mv="urn:schemas-microsoft-com:mac:vml" xmlns:p="http://schemas.openxmlformats.org/presentationml/2006/main" xmlns:c="http://schemas.openxmlformats.org/drawingml/2006/chart" xmlns:dgm="http://schemas.openxmlformats.org/drawingml/2006/diagram" xmlns:o="urn:schemas-microsoft-com:office:office" xmlns:v="urn:schemas-microsoft-com:vml" xmlns:pvml="urn:schemas-microsoft-com:office:powerpoint" xmlns:com="http://schemas.openxmlformats.org/drawingml/2006/compatibility" xmlns:p14="http://schemas.microsoft.com/office/powerpoint/2010/main" xmlns:p15="http://schemas.microsoft.com/office/powerpoint/2012/main" xmlns:ahyp="http://schemas.microsoft.com/office/drawing/2018/hyperlinkcolor" showMasterPhAnim="0" showMasterSp="0">
+  <p:cSld>
+    <p:spTree>
+      <p:nvGrpSpPr>
+        <p:cNvPr id="153" name="Shape 153"/>
+        <p:cNvGrpSpPr/>
+        <p:nvPr/>
+      </p:nvGrpSpPr>
+      <p:grpSpPr>
+        <a:xfrm>
+          <a:off x="0" y="0"/>
+          <a:ext cx="0" cy="0"/>
+          <a:chOff x="0" y="0"/>
+          <a:chExt cx="0" cy="0"/>
+        </a:xfrm>
+      </p:grpSpPr>
+      <p:sp>
+        <p:nvSpPr>
+          <p:cNvPr id="154" name="Google Shape;154;g324d1e3a553_0_434:notes"/>
+          <p:cNvSpPr/>
+          <p:nvPr>
+            <p:ph idx="2" type="sldImg"/>
+          </p:nvPr>
+        </p:nvSpPr>
+        <p:spPr>
+          <a:xfrm>
+            <a:off x="381300" y="685800"/>
+            <a:ext cx="6096000" cy="3429000"/>
+          </a:xfrm>
+          <a:custGeom>
+            <a:rect b="b" l="l" r="r" t="t"/>
+            <a:pathLst>
+              <a:path extrusionOk="0" h="120000" w="120000">
+                <a:moveTo>
+                  <a:pt x="0" y="0"/>
+                </a:moveTo>
+                <a:lnTo>
+                  <a:pt x="120000" y="0"/>
+                </a:lnTo>
+                <a:lnTo>
+                  <a:pt x="120000" y="120000"/>
+                </a:lnTo>
+                <a:lnTo>
+                  <a:pt x="0" y="120000"/>
+                </a:lnTo>
+                <a:close/>
+              </a:path>
+            </a:pathLst>
+          </a:custGeom>
+        </p:spPr>
+      </p:sp>
+      <p:sp>
+        <p:nvSpPr>
+          <p:cNvPr id="155" name="Google Shape;155;g324d1e3a553_0_434:notes"/>
+          <p:cNvSpPr txBox="1"/>
+          <p:nvPr>
+            <p:ph idx="1" type="body"/>
+          </p:nvPr>
+        </p:nvSpPr>
+        <p:spPr>
+          <a:xfrm>
+            <a:off x="685800" y="4343400"/>
+            <a:ext cx="5486400" cy="4114800"/>
+          </a:xfrm>
+          <a:prstGeom prst="rect">
+            <a:avLst/>
+          </a:prstGeom>
+        </p:spPr>
+        <p:txBody>
+          <a:bodyPr anchorCtr="0" anchor="t" bIns="91425" lIns="91425" spcFirstLastPara="1" rIns="91425" wrap="square" tIns="91425">
+            <a:noAutofit/>
+          </a:bodyPr>
+          <a:lstStyle/>
+          <a:p>
+            <a:pPr indent="0" lvl="0" marL="0" rtl="0" algn="l">
+              <a:spcBef>
+                <a:spcPts val="0"/>
+              </a:spcBef>
+              <a:spcAft>
+                <a:spcPts val="0"/>
+              </a:spcAft>
+              <a:buNone/>
+            </a:pPr>
+            <a:r>
+              <a:t/>
+            </a:r>
+            <a:endParaRPr/>
+          </a:p>
+        </p:txBody>
+      </p:sp>
+    </p:spTree>
+  </p:cSld>
+  <p:clrMapOvr>
+    <a:masterClrMapping/>
+  </p:clrMapOvr>
+</p:notes>
+</file>
+
+<file path=ppt/notesSlides/notesSlide17.xml><?xml version="1.0" encoding="utf-8"?>
+<p:notes xmlns:a="http://schemas.openxmlformats.org/drawingml/2006/main" xmlns:r="http://schemas.openxmlformats.org/officeDocument/2006/relationships" xmlns:mc="http://schemas.openxmlformats.org/markup-compatibility/2006" xmlns:mv="urn:schemas-microsoft-com:mac:vml" xmlns:p="http://schemas.openxmlformats.org/presentationml/2006/main" xmlns:c="http://schemas.openxmlformats.org/drawingml/2006/chart" xmlns:dgm="http://schemas.openxmlformats.org/drawingml/2006/diagram" xmlns:o="urn:schemas-microsoft-com:office:office" xmlns:v="urn:schemas-microsoft-com:vml" xmlns:pvml="urn:schemas-microsoft-com:office:powerpoint" xmlns:com="http://schemas.openxmlformats.org/drawingml/2006/compatibility" xmlns:p14="http://schemas.microsoft.com/office/powerpoint/2010/main" xmlns:p15="http://schemas.microsoft.com/office/powerpoint/2012/main" xmlns:ahyp="http://schemas.microsoft.com/office/drawing/2018/hyperlinkcolor" showMasterPhAnim="0" showMasterSp="0">
+  <p:cSld>
+    <p:spTree>
+      <p:nvGrpSpPr>
+        <p:cNvPr id="159" name="Shape 159"/>
+        <p:cNvGrpSpPr/>
+        <p:nvPr/>
+      </p:nvGrpSpPr>
+      <p:grpSpPr>
+        <a:xfrm>
+          <a:off x="0" y="0"/>
+          <a:ext cx="0" cy="0"/>
+          <a:chOff x="0" y="0"/>
+          <a:chExt cx="0" cy="0"/>
+        </a:xfrm>
+      </p:grpSpPr>
+      <p:sp>
+        <p:nvSpPr>
+          <p:cNvPr id="160" name="Google Shape;160;g324d1e3a553_0_439:notes"/>
+          <p:cNvSpPr/>
+          <p:nvPr>
+            <p:ph idx="2" type="sldImg"/>
+          </p:nvPr>
+        </p:nvSpPr>
+        <p:spPr>
+          <a:xfrm>
+            <a:off x="381300" y="685800"/>
+            <a:ext cx="6096000" cy="3429000"/>
+          </a:xfrm>
+          <a:custGeom>
+            <a:rect b="b" l="l" r="r" t="t"/>
+            <a:pathLst>
+              <a:path extrusionOk="0" h="120000" w="120000">
+                <a:moveTo>
+                  <a:pt x="0" y="0"/>
+                </a:moveTo>
+                <a:lnTo>
+                  <a:pt x="120000" y="0"/>
+                </a:lnTo>
+                <a:lnTo>
+                  <a:pt x="120000" y="120000"/>
+                </a:lnTo>
+                <a:lnTo>
+                  <a:pt x="0" y="120000"/>
+                </a:lnTo>
+                <a:close/>
+              </a:path>
+            </a:pathLst>
+          </a:custGeom>
+        </p:spPr>
+      </p:sp>
+      <p:sp>
+        <p:nvSpPr>
+          <p:cNvPr id="161" name="Google Shape;161;g324d1e3a553_0_439:notes"/>
           <p:cNvSpPr txBox="1"/>
           <p:nvPr>
             <p:ph idx="1" type="body"/>
@@ -2006,7 +2206,7 @@
       </p:grpSpPr>
       <p:sp>
         <p:nvSpPr>
-          <p:cNvPr id="99" name="Google Shape;99;g324d1e3a553_0_392:notes"/>
+          <p:cNvPr id="99" name="Google Shape;99;g325249bb49a_0_18:notes"/>
           <p:cNvSpPr/>
           <p:nvPr>
             <p:ph idx="2" type="sldImg"/>
@@ -2041,7 +2241,7 @@
       </p:sp>
       <p:sp>
         <p:nvSpPr>
-          <p:cNvPr id="100" name="Google Shape;100;g324d1e3a553_0_392:notes"/>
+          <p:cNvPr id="100" name="Google Shape;100;g325249bb49a_0_18:notes"/>
           <p:cNvSpPr txBox="1"/>
           <p:nvPr>
             <p:ph idx="1" type="body"/>
@@ -2105,7 +2305,7 @@
       </p:grpSpPr>
       <p:sp>
         <p:nvSpPr>
-          <p:cNvPr id="106" name="Google Shape;106;g324d1e3a553_0_399:notes"/>
+          <p:cNvPr id="106" name="Google Shape;106;g325249bb49a_0_24:notes"/>
           <p:cNvSpPr/>
           <p:nvPr>
             <p:ph idx="2" type="sldImg"/>
@@ -2140,7 +2340,7 @@
       </p:sp>
       <p:sp>
         <p:nvSpPr>
-          <p:cNvPr id="107" name="Google Shape;107;g324d1e3a553_0_399:notes"/>
+          <p:cNvPr id="107" name="Google Shape;107;g325249bb49a_0_24:notes"/>
           <p:cNvSpPr txBox="1"/>
           <p:nvPr>
             <p:ph idx="1" type="body"/>
@@ -7202,7 +7402,7 @@
                   <a:srgbClr val="E3FEF7"/>
                 </a:solidFill>
               </a:rPr>
-              <a:t>Access Control Policy Languages</a:t>
+              <a:t>XML Access Control Models</a:t>
             </a:r>
             <a:endParaRPr b="1" sz="4000">
               <a:solidFill>
@@ -7302,7 +7502,7 @@
                   <a:srgbClr val="E3FEF7"/>
                 </a:solidFill>
               </a:rPr>
-              <a:t>Custom Policy Specifications</a:t>
+              <a:t>Role-Based Access Control for XML</a:t>
             </a:r>
             <a:endParaRPr b="1" sz="2600">
               <a:solidFill>
@@ -7384,7 +7584,7 @@
                   <a:srgbClr val="E3FEF7"/>
                 </a:solidFill>
               </a:rPr>
-              <a:t>Implementation Approaches</a:t>
+              <a:t>Access Control Policy Languages</a:t>
             </a:r>
             <a:endParaRPr b="1" sz="4000">
               <a:solidFill>
@@ -7484,7 +7684,7 @@
                   <a:srgbClr val="E3FEF7"/>
                 </a:solidFill>
               </a:rPr>
-              <a:t>Enforcement Mechanisms</a:t>
+              <a:t>XACML</a:t>
             </a:r>
             <a:endParaRPr b="1" sz="2600">
               <a:solidFill>
@@ -7566,7 +7766,7 @@
                   <a:srgbClr val="E3FEF7"/>
                 </a:solidFill>
               </a:rPr>
-              <a:t>Implementation Approaches</a:t>
+              <a:t>Access Control Policy Languages</a:t>
             </a:r>
             <a:endParaRPr b="1" sz="4000">
               <a:solidFill>
@@ -7666,7 +7866,7 @@
                   <a:srgbClr val="E3FEF7"/>
                 </a:solidFill>
               </a:rPr>
-              <a:t>Performance Considerations</a:t>
+              <a:t>Custom Policy Specifications</a:t>
             </a:r>
             <a:endParaRPr b="1" sz="2600">
               <a:solidFill>
@@ -7748,7 +7948,7 @@
                   <a:srgbClr val="E3FEF7"/>
                 </a:solidFill>
               </a:rPr>
-              <a:t>Case Studies</a:t>
+              <a:t>Implementation Approaches</a:t>
             </a:r>
             <a:endParaRPr b="1" sz="4000">
               <a:solidFill>
@@ -7808,6 +8008,56 @@
           </a:p>
         </p:txBody>
       </p:sp>
+      <p:sp>
+        <p:nvSpPr>
+          <p:cNvPr id="139" name="Google Shape;139;p25"/>
+          <p:cNvSpPr txBox="1"/>
+          <p:nvPr/>
+        </p:nvSpPr>
+        <p:spPr>
+          <a:xfrm>
+            <a:off x="0" y="1061700"/>
+            <a:ext cx="9144000" cy="495600"/>
+          </a:xfrm>
+          <a:prstGeom prst="rect">
+            <a:avLst/>
+          </a:prstGeom>
+          <a:noFill/>
+          <a:ln>
+            <a:noFill/>
+          </a:ln>
+        </p:spPr>
+        <p:txBody>
+          <a:bodyPr anchorCtr="0" anchor="ctr" bIns="91425" lIns="91425" spcFirstLastPara="1" rIns="91425" wrap="square" tIns="91425">
+            <a:noAutofit/>
+          </a:bodyPr>
+          <a:lstStyle/>
+          <a:p>
+            <a:pPr indent="0" lvl="0" marL="0" rtl="0" algn="ctr">
+              <a:spcBef>
+                <a:spcPts val="0"/>
+              </a:spcBef>
+              <a:spcAft>
+                <a:spcPts val="0"/>
+              </a:spcAft>
+              <a:buNone/>
+            </a:pPr>
+            <a:r>
+              <a:rPr b="1" lang="en" sz="2600">
+                <a:solidFill>
+                  <a:srgbClr val="E3FEF7"/>
+                </a:solidFill>
+              </a:rPr>
+              <a:t>Enforcement Mechanisms</a:t>
+            </a:r>
+            <a:endParaRPr b="1" sz="2600">
+              <a:solidFill>
+                <a:srgbClr val="E3FEF7"/>
+              </a:solidFill>
+            </a:endParaRPr>
+          </a:p>
+        </p:txBody>
+      </p:sp>
     </p:spTree>
   </p:cSld>
   <p:clrMapOvr>
@@ -7828,7 +8078,7 @@
     </p:bg>
     <p:spTree>
       <p:nvGrpSpPr>
-        <p:cNvPr id="142" name="Shape 142"/>
+        <p:cNvPr id="143" name="Shape 143"/>
         <p:cNvGrpSpPr/>
         <p:nvPr/>
       </p:nvGrpSpPr>
@@ -7842,7 +8092,7 @@
       </p:grpSpPr>
       <p:sp>
         <p:nvSpPr>
-          <p:cNvPr id="143" name="Google Shape;143;p26"/>
+          <p:cNvPr id="144" name="Google Shape;144;p26"/>
           <p:cNvSpPr txBox="1"/>
           <p:nvPr/>
         </p:nvSpPr>
@@ -7880,7 +8130,7 @@
                   <a:srgbClr val="E3FEF7"/>
                 </a:solidFill>
               </a:rPr>
-              <a:t>Conclusions</a:t>
+              <a:t>Implementation Approaches</a:t>
             </a:r>
             <a:endParaRPr b="1" sz="4000">
               <a:solidFill>
@@ -7892,7 +8142,7 @@
       </p:sp>
       <p:sp>
         <p:nvSpPr>
-          <p:cNvPr id="144" name="Google Shape;144;p26"/>
+          <p:cNvPr id="145" name="Google Shape;145;p26"/>
           <p:cNvSpPr txBox="1"/>
           <p:nvPr/>
         </p:nvSpPr>
@@ -7933,6 +8183,56 @@
               <a:t>Write here.</a:t>
             </a:r>
             <a:endParaRPr i="1" sz="1800">
+              <a:solidFill>
+                <a:srgbClr val="E3FEF7"/>
+              </a:solidFill>
+            </a:endParaRPr>
+          </a:p>
+        </p:txBody>
+      </p:sp>
+      <p:sp>
+        <p:nvSpPr>
+          <p:cNvPr id="146" name="Google Shape;146;p26"/>
+          <p:cNvSpPr txBox="1"/>
+          <p:nvPr/>
+        </p:nvSpPr>
+        <p:spPr>
+          <a:xfrm>
+            <a:off x="0" y="1061700"/>
+            <a:ext cx="9144000" cy="495600"/>
+          </a:xfrm>
+          <a:prstGeom prst="rect">
+            <a:avLst/>
+          </a:prstGeom>
+          <a:noFill/>
+          <a:ln>
+            <a:noFill/>
+          </a:ln>
+        </p:spPr>
+        <p:txBody>
+          <a:bodyPr anchorCtr="0" anchor="ctr" bIns="91425" lIns="91425" spcFirstLastPara="1" rIns="91425" wrap="square" tIns="91425">
+            <a:noAutofit/>
+          </a:bodyPr>
+          <a:lstStyle/>
+          <a:p>
+            <a:pPr indent="0" lvl="0" marL="0" rtl="0" algn="ctr">
+              <a:spcBef>
+                <a:spcPts val="0"/>
+              </a:spcBef>
+              <a:spcAft>
+                <a:spcPts val="0"/>
+              </a:spcAft>
+              <a:buNone/>
+            </a:pPr>
+            <a:r>
+              <a:rPr b="1" lang="en" sz="2600">
+                <a:solidFill>
+                  <a:srgbClr val="E3FEF7"/>
+                </a:solidFill>
+              </a:rPr>
+              <a:t>Performance Considerations</a:t>
+            </a:r>
+            <a:endParaRPr b="1" sz="2600">
               <a:solidFill>
                 <a:srgbClr val="E3FEF7"/>
               </a:solidFill>
@@ -7960,7 +8260,7 @@
     </p:bg>
     <p:spTree>
       <p:nvGrpSpPr>
-        <p:cNvPr id="148" name="Shape 148"/>
+        <p:cNvPr id="150" name="Shape 150"/>
         <p:cNvGrpSpPr/>
         <p:nvPr/>
       </p:nvGrpSpPr>
@@ -7974,7 +8274,7 @@
       </p:grpSpPr>
       <p:sp>
         <p:nvSpPr>
-          <p:cNvPr id="149" name="Google Shape;149;p27"/>
+          <p:cNvPr id="151" name="Google Shape;151;p27"/>
           <p:cNvSpPr txBox="1"/>
           <p:nvPr/>
         </p:nvSpPr>
@@ -8012,7 +8312,7 @@
                   <a:srgbClr val="E3FEF7"/>
                 </a:solidFill>
               </a:rPr>
-              <a:t>References</a:t>
+              <a:t>Case Studies</a:t>
             </a:r>
             <a:endParaRPr b="1" sz="4000">
               <a:solidFill>
@@ -8024,7 +8324,271 @@
       </p:sp>
       <p:sp>
         <p:nvSpPr>
-          <p:cNvPr id="150" name="Google Shape;150;p27"/>
+          <p:cNvPr id="152" name="Google Shape;152;p27"/>
+          <p:cNvSpPr txBox="1"/>
+          <p:nvPr/>
+        </p:nvSpPr>
+        <p:spPr>
+          <a:xfrm>
+            <a:off x="479750" y="1793125"/>
+            <a:ext cx="8234400" cy="2917800"/>
+          </a:xfrm>
+          <a:prstGeom prst="rect">
+            <a:avLst/>
+          </a:prstGeom>
+          <a:noFill/>
+          <a:ln>
+            <a:noFill/>
+          </a:ln>
+        </p:spPr>
+        <p:txBody>
+          <a:bodyPr anchorCtr="0" anchor="ctr" bIns="91425" lIns="91425" spcFirstLastPara="1" rIns="91425" wrap="square" tIns="91425">
+            <a:noAutofit/>
+          </a:bodyPr>
+          <a:lstStyle/>
+          <a:p>
+            <a:pPr indent="0" lvl="0" marL="0" rtl="0" algn="ctr">
+              <a:spcBef>
+                <a:spcPts val="0"/>
+              </a:spcBef>
+              <a:spcAft>
+                <a:spcPts val="0"/>
+              </a:spcAft>
+              <a:buNone/>
+            </a:pPr>
+            <a:r>
+              <a:rPr lang="en" sz="1800">
+                <a:solidFill>
+                  <a:srgbClr val="E3FEF7"/>
+                </a:solidFill>
+              </a:rPr>
+              <a:t>Write here.</a:t>
+            </a:r>
+            <a:endParaRPr i="1" sz="1800">
+              <a:solidFill>
+                <a:srgbClr val="E3FEF7"/>
+              </a:solidFill>
+            </a:endParaRPr>
+          </a:p>
+        </p:txBody>
+      </p:sp>
+    </p:spTree>
+  </p:cSld>
+  <p:clrMapOvr>
+    <a:masterClrMapping/>
+  </p:clrMapOvr>
+</p:sld>
+</file>
+
+<file path=ppt/slides/slide16.xml><?xml version="1.0" encoding="utf-8"?>
+<p:sld xmlns:a="http://schemas.openxmlformats.org/drawingml/2006/main" xmlns:r="http://schemas.openxmlformats.org/officeDocument/2006/relationships" xmlns:mc="http://schemas.openxmlformats.org/markup-compatibility/2006" xmlns:mv="urn:schemas-microsoft-com:mac:vml" xmlns:p="http://schemas.openxmlformats.org/presentationml/2006/main" xmlns:c="http://schemas.openxmlformats.org/drawingml/2006/chart" xmlns:dgm="http://schemas.openxmlformats.org/drawingml/2006/diagram" xmlns:o="urn:schemas-microsoft-com:office:office" xmlns:v="urn:schemas-microsoft-com:vml" xmlns:pvml="urn:schemas-microsoft-com:office:powerpoint" xmlns:com="http://schemas.openxmlformats.org/drawingml/2006/compatibility" xmlns:p14="http://schemas.microsoft.com/office/powerpoint/2010/main" xmlns:p15="http://schemas.microsoft.com/office/powerpoint/2012/main" xmlns:ahyp="http://schemas.microsoft.com/office/drawing/2018/hyperlinkcolor">
+  <p:cSld>
+    <p:bg>
+      <p:bgPr>
+        <a:solidFill>
+          <a:srgbClr val="003C43"/>
+        </a:solidFill>
+      </p:bgPr>
+    </p:bg>
+    <p:spTree>
+      <p:nvGrpSpPr>
+        <p:cNvPr id="156" name="Shape 156"/>
+        <p:cNvGrpSpPr/>
+        <p:nvPr/>
+      </p:nvGrpSpPr>
+      <p:grpSpPr>
+        <a:xfrm>
+          <a:off x="0" y="0"/>
+          <a:ext cx="0" cy="0"/>
+          <a:chOff x="0" y="0"/>
+          <a:chExt cx="0" cy="0"/>
+        </a:xfrm>
+      </p:grpSpPr>
+      <p:sp>
+        <p:nvSpPr>
+          <p:cNvPr id="157" name="Google Shape;157;p28"/>
+          <p:cNvSpPr txBox="1"/>
+          <p:nvPr/>
+        </p:nvSpPr>
+        <p:spPr>
+          <a:xfrm>
+            <a:off x="0" y="180900"/>
+            <a:ext cx="9144000" cy="880800"/>
+          </a:xfrm>
+          <a:prstGeom prst="rect">
+            <a:avLst/>
+          </a:prstGeom>
+          <a:noFill/>
+          <a:ln>
+            <a:noFill/>
+          </a:ln>
+        </p:spPr>
+        <p:txBody>
+          <a:bodyPr anchorCtr="0" anchor="ctr" bIns="91425" lIns="91425" spcFirstLastPara="1" rIns="91425" wrap="square" tIns="91425">
+            <a:noAutofit/>
+          </a:bodyPr>
+          <a:lstStyle/>
+          <a:p>
+            <a:pPr indent="0" lvl="0" marL="0" rtl="0" algn="ctr">
+              <a:spcBef>
+                <a:spcPts val="0"/>
+              </a:spcBef>
+              <a:spcAft>
+                <a:spcPts val="0"/>
+              </a:spcAft>
+              <a:buNone/>
+            </a:pPr>
+            <a:r>
+              <a:rPr b="1" lang="en" sz="4000">
+                <a:solidFill>
+                  <a:srgbClr val="E3FEF7"/>
+                </a:solidFill>
+              </a:rPr>
+              <a:t>Conclusions</a:t>
+            </a:r>
+            <a:endParaRPr b="1" sz="4000">
+              <a:solidFill>
+                <a:srgbClr val="E3FEF7"/>
+              </a:solidFill>
+            </a:endParaRPr>
+          </a:p>
+        </p:txBody>
+      </p:sp>
+      <p:sp>
+        <p:nvSpPr>
+          <p:cNvPr id="158" name="Google Shape;158;p28"/>
+          <p:cNvSpPr txBox="1"/>
+          <p:nvPr/>
+        </p:nvSpPr>
+        <p:spPr>
+          <a:xfrm>
+            <a:off x="479750" y="1793125"/>
+            <a:ext cx="8234400" cy="2917800"/>
+          </a:xfrm>
+          <a:prstGeom prst="rect">
+            <a:avLst/>
+          </a:prstGeom>
+          <a:noFill/>
+          <a:ln>
+            <a:noFill/>
+          </a:ln>
+        </p:spPr>
+        <p:txBody>
+          <a:bodyPr anchorCtr="0" anchor="ctr" bIns="91425" lIns="91425" spcFirstLastPara="1" rIns="91425" wrap="square" tIns="91425">
+            <a:noAutofit/>
+          </a:bodyPr>
+          <a:lstStyle/>
+          <a:p>
+            <a:pPr indent="0" lvl="0" marL="0" rtl="0" algn="ctr">
+              <a:spcBef>
+                <a:spcPts val="0"/>
+              </a:spcBef>
+              <a:spcAft>
+                <a:spcPts val="0"/>
+              </a:spcAft>
+              <a:buNone/>
+            </a:pPr>
+            <a:r>
+              <a:rPr lang="en" sz="1800">
+                <a:solidFill>
+                  <a:srgbClr val="E3FEF7"/>
+                </a:solidFill>
+              </a:rPr>
+              <a:t>Write here.</a:t>
+            </a:r>
+            <a:endParaRPr i="1" sz="1800">
+              <a:solidFill>
+                <a:srgbClr val="E3FEF7"/>
+              </a:solidFill>
+            </a:endParaRPr>
+          </a:p>
+        </p:txBody>
+      </p:sp>
+    </p:spTree>
+  </p:cSld>
+  <p:clrMapOvr>
+    <a:masterClrMapping/>
+  </p:clrMapOvr>
+</p:sld>
+</file>
+
+<file path=ppt/slides/slide17.xml><?xml version="1.0" encoding="utf-8"?>
+<p:sld xmlns:a="http://schemas.openxmlformats.org/drawingml/2006/main" xmlns:r="http://schemas.openxmlformats.org/officeDocument/2006/relationships" xmlns:mc="http://schemas.openxmlformats.org/markup-compatibility/2006" xmlns:mv="urn:schemas-microsoft-com:mac:vml" xmlns:p="http://schemas.openxmlformats.org/presentationml/2006/main" xmlns:c="http://schemas.openxmlformats.org/drawingml/2006/chart" xmlns:dgm="http://schemas.openxmlformats.org/drawingml/2006/diagram" xmlns:o="urn:schemas-microsoft-com:office:office" xmlns:v="urn:schemas-microsoft-com:vml" xmlns:pvml="urn:schemas-microsoft-com:office:powerpoint" xmlns:com="http://schemas.openxmlformats.org/drawingml/2006/compatibility" xmlns:p14="http://schemas.microsoft.com/office/powerpoint/2010/main" xmlns:p15="http://schemas.microsoft.com/office/powerpoint/2012/main" xmlns:ahyp="http://schemas.microsoft.com/office/drawing/2018/hyperlinkcolor">
+  <p:cSld>
+    <p:bg>
+      <p:bgPr>
+        <a:solidFill>
+          <a:srgbClr val="003C43"/>
+        </a:solidFill>
+      </p:bgPr>
+    </p:bg>
+    <p:spTree>
+      <p:nvGrpSpPr>
+        <p:cNvPr id="162" name="Shape 162"/>
+        <p:cNvGrpSpPr/>
+        <p:nvPr/>
+      </p:nvGrpSpPr>
+      <p:grpSpPr>
+        <a:xfrm>
+          <a:off x="0" y="0"/>
+          <a:ext cx="0" cy="0"/>
+          <a:chOff x="0" y="0"/>
+          <a:chExt cx="0" cy="0"/>
+        </a:xfrm>
+      </p:grpSpPr>
+      <p:sp>
+        <p:nvSpPr>
+          <p:cNvPr id="163" name="Google Shape;163;p29"/>
+          <p:cNvSpPr txBox="1"/>
+          <p:nvPr/>
+        </p:nvSpPr>
+        <p:spPr>
+          <a:xfrm>
+            <a:off x="0" y="180900"/>
+            <a:ext cx="9144000" cy="880800"/>
+          </a:xfrm>
+          <a:prstGeom prst="rect">
+            <a:avLst/>
+          </a:prstGeom>
+          <a:noFill/>
+          <a:ln>
+            <a:noFill/>
+          </a:ln>
+        </p:spPr>
+        <p:txBody>
+          <a:bodyPr anchorCtr="0" anchor="ctr" bIns="91425" lIns="91425" spcFirstLastPara="1" rIns="91425" wrap="square" tIns="91425">
+            <a:noAutofit/>
+          </a:bodyPr>
+          <a:lstStyle/>
+          <a:p>
+            <a:pPr indent="0" lvl="0" marL="0" rtl="0" algn="ctr">
+              <a:spcBef>
+                <a:spcPts val="0"/>
+              </a:spcBef>
+              <a:spcAft>
+                <a:spcPts val="0"/>
+              </a:spcAft>
+              <a:buNone/>
+            </a:pPr>
+            <a:r>
+              <a:rPr b="1" lang="en" sz="4000">
+                <a:solidFill>
+                  <a:srgbClr val="E3FEF7"/>
+                </a:solidFill>
+              </a:rPr>
+              <a:t>References</a:t>
+            </a:r>
+            <a:endParaRPr b="1" sz="4000">
+              <a:solidFill>
+                <a:srgbClr val="E3FEF7"/>
+              </a:solidFill>
+            </a:endParaRPr>
+          </a:p>
+        </p:txBody>
+      </p:sp>
+      <p:sp>
+        <p:nvSpPr>
+          <p:cNvPr id="164" name="Google Shape;164;p29"/>
           <p:cNvSpPr txBox="1"/>
           <p:nvPr/>
         </p:nvSpPr>
@@ -10020,7 +10584,7 @@
                   <a:srgbClr val="E3FEF7"/>
                 </a:solidFill>
               </a:rPr>
-              <a:t>XML Access Control Models</a:t>
+              <a:t>Modele de Control al Accesului XML</a:t>
             </a:r>
             <a:endParaRPr b="1" sz="4000">
               <a:solidFill>
@@ -10033,56 +10597,6 @@
       <p:sp>
         <p:nvSpPr>
           <p:cNvPr id="96" name="Google Shape;96;p19"/>
-          <p:cNvSpPr txBox="1"/>
-          <p:nvPr/>
-        </p:nvSpPr>
-        <p:spPr>
-          <a:xfrm>
-            <a:off x="479750" y="1793125"/>
-            <a:ext cx="8234400" cy="2917800"/>
-          </a:xfrm>
-          <a:prstGeom prst="rect">
-            <a:avLst/>
-          </a:prstGeom>
-          <a:noFill/>
-          <a:ln>
-            <a:noFill/>
-          </a:ln>
-        </p:spPr>
-        <p:txBody>
-          <a:bodyPr anchorCtr="0" anchor="ctr" bIns="91425" lIns="91425" spcFirstLastPara="1" rIns="91425" wrap="square" tIns="91425">
-            <a:noAutofit/>
-          </a:bodyPr>
-          <a:lstStyle/>
-          <a:p>
-            <a:pPr indent="0" lvl="0" marL="0" rtl="0" algn="ctr">
-              <a:spcBef>
-                <a:spcPts val="0"/>
-              </a:spcBef>
-              <a:spcAft>
-                <a:spcPts val="0"/>
-              </a:spcAft>
-              <a:buNone/>
-            </a:pPr>
-            <a:r>
-              <a:rPr lang="en" sz="1800">
-                <a:solidFill>
-                  <a:srgbClr val="E3FEF7"/>
-                </a:solidFill>
-              </a:rPr>
-              <a:t>Write here.</a:t>
-            </a:r>
-            <a:endParaRPr i="1" sz="1800">
-              <a:solidFill>
-                <a:srgbClr val="E3FEF7"/>
-              </a:solidFill>
-            </a:endParaRPr>
-          </a:p>
-        </p:txBody>
-      </p:sp>
-      <p:sp>
-        <p:nvSpPr>
-          <p:cNvPr id="97" name="Google Shape;97;p19"/>
           <p:cNvSpPr txBox="1"/>
           <p:nvPr/>
         </p:nvSpPr>
@@ -10120,9 +10634,190 @@
                   <a:srgbClr val="E3FEF7"/>
                 </a:solidFill>
               </a:rPr>
-              <a:t>Fine-Grained Access Control</a:t>
+              <a:t>Control al Accesului Fin</a:t>
             </a:r>
             <a:endParaRPr b="1" sz="2600">
+              <a:solidFill>
+                <a:srgbClr val="E3FEF7"/>
+              </a:solidFill>
+            </a:endParaRPr>
+          </a:p>
+        </p:txBody>
+      </p:sp>
+      <p:sp>
+        <p:nvSpPr>
+          <p:cNvPr id="97" name="Google Shape;97;p19"/>
+          <p:cNvSpPr txBox="1"/>
+          <p:nvPr/>
+        </p:nvSpPr>
+        <p:spPr>
+          <a:xfrm>
+            <a:off x="454800" y="1557300"/>
+            <a:ext cx="8234400" cy="3303000"/>
+          </a:xfrm>
+          <a:prstGeom prst="rect">
+            <a:avLst/>
+          </a:prstGeom>
+          <a:noFill/>
+          <a:ln>
+            <a:noFill/>
+          </a:ln>
+        </p:spPr>
+        <p:txBody>
+          <a:bodyPr anchorCtr="0" anchor="t" bIns="91425" lIns="91425" spcFirstLastPara="1" rIns="91425" wrap="square" tIns="91425">
+            <a:noAutofit/>
+          </a:bodyPr>
+          <a:lstStyle/>
+          <a:p>
+            <a:pPr indent="-342900" lvl="0" marL="457200" rtl="0" algn="l">
+              <a:lnSpc>
+                <a:spcPct val="130000"/>
+              </a:lnSpc>
+              <a:spcBef>
+                <a:spcPts val="0"/>
+              </a:spcBef>
+              <a:spcAft>
+                <a:spcPts val="0"/>
+              </a:spcAft>
+              <a:buClr>
+                <a:srgbClr val="E3FEF7"/>
+              </a:buClr>
+              <a:buSzPts val="1800"/>
+              <a:buChar char="●"/>
+            </a:pPr>
+            <a:r>
+              <a:rPr b="1" lang="en" sz="1800">
+                <a:solidFill>
+                  <a:srgbClr val="E3FEF7"/>
+                </a:solidFill>
+              </a:rPr>
+              <a:t>Definiție:</a:t>
+            </a:r>
+            <a:endParaRPr b="1" sz="1800">
+              <a:solidFill>
+                <a:srgbClr val="E3FEF7"/>
+              </a:solidFill>
+            </a:endParaRPr>
+          </a:p>
+          <a:p>
+            <a:pPr indent="-342900" lvl="1" marL="914400" rtl="0" algn="l">
+              <a:lnSpc>
+                <a:spcPct val="130000"/>
+              </a:lnSpc>
+              <a:spcBef>
+                <a:spcPts val="0"/>
+              </a:spcBef>
+              <a:spcAft>
+                <a:spcPts val="0"/>
+              </a:spcAft>
+              <a:buClr>
+                <a:srgbClr val="E3FEF7"/>
+              </a:buClr>
+              <a:buSzPts val="1800"/>
+              <a:buChar char="○"/>
+            </a:pPr>
+            <a:r>
+              <a:rPr b="1" lang="en" sz="1800">
+                <a:solidFill>
+                  <a:srgbClr val="E3FEF7"/>
+                </a:solidFill>
+              </a:rPr>
+              <a:t>Permite definirea politicilor de acces detaliate la nivel de elemente, atribute sau valori XML.</a:t>
+            </a:r>
+            <a:endParaRPr b="1" sz="1800">
+              <a:solidFill>
+                <a:srgbClr val="E3FEF7"/>
+              </a:solidFill>
+            </a:endParaRPr>
+          </a:p>
+          <a:p>
+            <a:pPr indent="-342900" lvl="0" marL="457200" rtl="0" algn="l">
+              <a:lnSpc>
+                <a:spcPct val="130000"/>
+              </a:lnSpc>
+              <a:spcBef>
+                <a:spcPts val="0"/>
+              </a:spcBef>
+              <a:spcAft>
+                <a:spcPts val="0"/>
+              </a:spcAft>
+              <a:buClr>
+                <a:srgbClr val="E3FEF7"/>
+              </a:buClr>
+              <a:buSzPts val="1800"/>
+              <a:buChar char="●"/>
+            </a:pPr>
+            <a:r>
+              <a:rPr b="1" lang="en" sz="1800">
+                <a:solidFill>
+                  <a:srgbClr val="E3FEF7"/>
+                </a:solidFill>
+              </a:rPr>
+              <a:t>Provocări:</a:t>
+            </a:r>
+            <a:endParaRPr b="1" sz="1800">
+              <a:solidFill>
+                <a:srgbClr val="E3FEF7"/>
+              </a:solidFill>
+            </a:endParaRPr>
+          </a:p>
+          <a:p>
+            <a:pPr indent="-342900" lvl="1" marL="914400" rtl="0" algn="l">
+              <a:lnSpc>
+                <a:spcPct val="130000"/>
+              </a:lnSpc>
+              <a:spcBef>
+                <a:spcPts val="0"/>
+              </a:spcBef>
+              <a:spcAft>
+                <a:spcPts val="0"/>
+              </a:spcAft>
+              <a:buClr>
+                <a:srgbClr val="E3FEF7"/>
+              </a:buClr>
+              <a:buSzPts val="1800"/>
+              <a:buChar char="○"/>
+            </a:pPr>
+            <a:r>
+              <a:rPr b="1" lang="en" sz="1800">
+                <a:solidFill>
+                  <a:srgbClr val="E3FEF7"/>
+                </a:solidFill>
+              </a:rPr>
+              <a:t>Complexitate ridicată în definirea și gestionarea regulilor.</a:t>
+            </a:r>
+            <a:endParaRPr b="1" sz="1800">
+              <a:solidFill>
+                <a:srgbClr val="E3FEF7"/>
+              </a:solidFill>
+            </a:endParaRPr>
+          </a:p>
+          <a:p>
+            <a:pPr indent="-342900" lvl="1" marL="914400" rtl="0" algn="l">
+              <a:lnSpc>
+                <a:spcPct val="130000"/>
+              </a:lnSpc>
+              <a:spcBef>
+                <a:spcPts val="0"/>
+              </a:spcBef>
+              <a:spcAft>
+                <a:spcPts val="0"/>
+              </a:spcAft>
+              <a:buClr>
+                <a:srgbClr val="E3FEF7"/>
+              </a:buClr>
+              <a:buSzPts val="1800"/>
+              <a:buChar char="○"/>
+            </a:pPr>
+            <a:r>
+              <a:rPr b="1" lang="en" sz="1800">
+                <a:solidFill>
+                  <a:srgbClr val="E3FEF7"/>
+                </a:solidFill>
+              </a:rPr>
+              <a:t>Impact asupra performanței sistemului.</a:t>
+            </a:r>
+            <a:endParaRPr b="1" sz="1800">
               <a:solidFill>
                 <a:srgbClr val="E3FEF7"/>
               </a:solidFill>
@@ -10202,7 +10897,7 @@
                   <a:srgbClr val="E3FEF7"/>
                 </a:solidFill>
               </a:rPr>
-              <a:t>XML Access Control Models</a:t>
+              <a:t>Modele de Control al Accesului XML</a:t>
             </a:r>
             <a:endParaRPr b="1" sz="4000">
               <a:solidFill>
@@ -10215,56 +10910,6 @@
       <p:sp>
         <p:nvSpPr>
           <p:cNvPr id="103" name="Google Shape;103;p20"/>
-          <p:cNvSpPr txBox="1"/>
-          <p:nvPr/>
-        </p:nvSpPr>
-        <p:spPr>
-          <a:xfrm>
-            <a:off x="479750" y="1793125"/>
-            <a:ext cx="8234400" cy="2917800"/>
-          </a:xfrm>
-          <a:prstGeom prst="rect">
-            <a:avLst/>
-          </a:prstGeom>
-          <a:noFill/>
-          <a:ln>
-            <a:noFill/>
-          </a:ln>
-        </p:spPr>
-        <p:txBody>
-          <a:bodyPr anchorCtr="0" anchor="ctr" bIns="91425" lIns="91425" spcFirstLastPara="1" rIns="91425" wrap="square" tIns="91425">
-            <a:noAutofit/>
-          </a:bodyPr>
-          <a:lstStyle/>
-          <a:p>
-            <a:pPr indent="0" lvl="0" marL="0" rtl="0" algn="ctr">
-              <a:spcBef>
-                <a:spcPts val="0"/>
-              </a:spcBef>
-              <a:spcAft>
-                <a:spcPts val="0"/>
-              </a:spcAft>
-              <a:buNone/>
-            </a:pPr>
-            <a:r>
-              <a:rPr lang="en" sz="1800">
-                <a:solidFill>
-                  <a:srgbClr val="E3FEF7"/>
-                </a:solidFill>
-              </a:rPr>
-              <a:t>Write here.</a:t>
-            </a:r>
-            <a:endParaRPr i="1" sz="1800">
-              <a:solidFill>
-                <a:srgbClr val="E3FEF7"/>
-              </a:solidFill>
-            </a:endParaRPr>
-          </a:p>
-        </p:txBody>
-      </p:sp>
-      <p:sp>
-        <p:nvSpPr>
-          <p:cNvPr id="104" name="Google Shape;104;p20"/>
           <p:cNvSpPr txBox="1"/>
           <p:nvPr/>
         </p:nvSpPr>
@@ -10302,9 +10947,252 @@
                   <a:srgbClr val="E3FEF7"/>
                 </a:solidFill>
               </a:rPr>
-              <a:t>Role-Based Access Control for XML</a:t>
+              <a:t>Control al Accesului Fin</a:t>
             </a:r>
             <a:endParaRPr b="1" sz="2600">
+              <a:solidFill>
+                <a:srgbClr val="E3FEF7"/>
+              </a:solidFill>
+            </a:endParaRPr>
+          </a:p>
+        </p:txBody>
+      </p:sp>
+      <p:sp>
+        <p:nvSpPr>
+          <p:cNvPr id="104" name="Google Shape;104;p20"/>
+          <p:cNvSpPr txBox="1"/>
+          <p:nvPr/>
+        </p:nvSpPr>
+        <p:spPr>
+          <a:xfrm>
+            <a:off x="454800" y="1557300"/>
+            <a:ext cx="8234400" cy="3303000"/>
+          </a:xfrm>
+          <a:prstGeom prst="rect">
+            <a:avLst/>
+          </a:prstGeom>
+          <a:noFill/>
+          <a:ln>
+            <a:noFill/>
+          </a:ln>
+        </p:spPr>
+        <p:txBody>
+          <a:bodyPr anchorCtr="0" anchor="t" bIns="91425" lIns="91425" spcFirstLastPara="1" rIns="91425" wrap="square" tIns="91425">
+            <a:noAutofit/>
+          </a:bodyPr>
+          <a:lstStyle/>
+          <a:p>
+            <a:pPr indent="-342900" lvl="0" marL="457200" rtl="0" algn="l">
+              <a:lnSpc>
+                <a:spcPct val="130000"/>
+              </a:lnSpc>
+              <a:spcBef>
+                <a:spcPts val="0"/>
+              </a:spcBef>
+              <a:spcAft>
+                <a:spcPts val="0"/>
+              </a:spcAft>
+              <a:buClr>
+                <a:srgbClr val="E3FEF7"/>
+              </a:buClr>
+              <a:buSzPts val="1800"/>
+              <a:buChar char="●"/>
+            </a:pPr>
+            <a:r>
+              <a:rPr b="1" lang="en" sz="1800">
+                <a:solidFill>
+                  <a:srgbClr val="E3FEF7"/>
+                </a:solidFill>
+              </a:rPr>
+              <a:t>Caracteristici principale:</a:t>
+            </a:r>
+            <a:endParaRPr b="1" sz="1800">
+              <a:solidFill>
+                <a:srgbClr val="E3FEF7"/>
+              </a:solidFill>
+            </a:endParaRPr>
+          </a:p>
+          <a:p>
+            <a:pPr indent="-342900" lvl="1" marL="914400" rtl="0" algn="l">
+              <a:lnSpc>
+                <a:spcPct val="130000"/>
+              </a:lnSpc>
+              <a:spcBef>
+                <a:spcPts val="0"/>
+              </a:spcBef>
+              <a:spcAft>
+                <a:spcPts val="0"/>
+              </a:spcAft>
+              <a:buClr>
+                <a:srgbClr val="E3FEF7"/>
+              </a:buClr>
+              <a:buSzPts val="1800"/>
+              <a:buChar char="○"/>
+            </a:pPr>
+            <a:r>
+              <a:rPr b="1" lang="en" sz="1800">
+                <a:solidFill>
+                  <a:srgbClr val="E3FEF7"/>
+                </a:solidFill>
+              </a:rPr>
+              <a:t>Flexibilitate:</a:t>
+            </a:r>
+            <a:endParaRPr b="1" sz="1800">
+              <a:solidFill>
+                <a:srgbClr val="E3FEF7"/>
+              </a:solidFill>
+            </a:endParaRPr>
+          </a:p>
+          <a:p>
+            <a:pPr indent="-342900" lvl="2" marL="1371600" rtl="0" algn="l">
+              <a:lnSpc>
+                <a:spcPct val="130000"/>
+              </a:lnSpc>
+              <a:spcBef>
+                <a:spcPts val="0"/>
+              </a:spcBef>
+              <a:spcAft>
+                <a:spcPts val="0"/>
+              </a:spcAft>
+              <a:buClr>
+                <a:srgbClr val="E3FEF7"/>
+              </a:buClr>
+              <a:buSzPts val="1800"/>
+              <a:buChar char="■"/>
+            </a:pPr>
+            <a:r>
+              <a:rPr b="1" lang="en" sz="1800">
+                <a:solidFill>
+                  <a:srgbClr val="E3FEF7"/>
+                </a:solidFill>
+              </a:rPr>
+              <a:t>Reguli diferite pentru părți diferite ale documentului.</a:t>
+            </a:r>
+            <a:endParaRPr b="1" sz="1800">
+              <a:solidFill>
+                <a:srgbClr val="E3FEF7"/>
+              </a:solidFill>
+            </a:endParaRPr>
+          </a:p>
+          <a:p>
+            <a:pPr indent="-342900" lvl="1" marL="914400" rtl="0" algn="l">
+              <a:lnSpc>
+                <a:spcPct val="130000"/>
+              </a:lnSpc>
+              <a:spcBef>
+                <a:spcPts val="0"/>
+              </a:spcBef>
+              <a:spcAft>
+                <a:spcPts val="0"/>
+              </a:spcAft>
+              <a:buClr>
+                <a:srgbClr val="E3FEF7"/>
+              </a:buClr>
+              <a:buSzPts val="1800"/>
+              <a:buChar char="○"/>
+            </a:pPr>
+            <a:r>
+              <a:rPr b="1" lang="en" sz="1800">
+                <a:solidFill>
+                  <a:srgbClr val="E3FEF7"/>
+                </a:solidFill>
+              </a:rPr>
+              <a:t>Protecția datelor sensibile:</a:t>
+            </a:r>
+            <a:endParaRPr b="1" sz="1800">
+              <a:solidFill>
+                <a:srgbClr val="E3FEF7"/>
+              </a:solidFill>
+            </a:endParaRPr>
+          </a:p>
+          <a:p>
+            <a:pPr indent="-342900" lvl="2" marL="1371600" rtl="0" algn="l">
+              <a:lnSpc>
+                <a:spcPct val="130000"/>
+              </a:lnSpc>
+              <a:spcBef>
+                <a:spcPts val="0"/>
+              </a:spcBef>
+              <a:spcAft>
+                <a:spcPts val="0"/>
+              </a:spcAft>
+              <a:buClr>
+                <a:srgbClr val="E3FEF7"/>
+              </a:buClr>
+              <a:buSzPts val="1800"/>
+              <a:buChar char="■"/>
+            </a:pPr>
+            <a:r>
+              <a:rPr b="1" lang="en" sz="1800">
+                <a:solidFill>
+                  <a:srgbClr val="E3FEF7"/>
+                </a:solidFill>
+              </a:rPr>
+              <a:t>Acces personalizat pentru utilizatori autorizați.</a:t>
+            </a:r>
+            <a:endParaRPr b="1" sz="1800">
+              <a:solidFill>
+                <a:srgbClr val="E3FEF7"/>
+              </a:solidFill>
+            </a:endParaRPr>
+          </a:p>
+          <a:p>
+            <a:pPr indent="-342900" lvl="1" marL="914400" rtl="0" algn="l">
+              <a:lnSpc>
+                <a:spcPct val="130000"/>
+              </a:lnSpc>
+              <a:spcBef>
+                <a:spcPts val="0"/>
+              </a:spcBef>
+              <a:spcAft>
+                <a:spcPts val="0"/>
+              </a:spcAft>
+              <a:buClr>
+                <a:srgbClr val="E3FEF7"/>
+              </a:buClr>
+              <a:buSzPts val="1800"/>
+              <a:buChar char="○"/>
+            </a:pPr>
+            <a:r>
+              <a:rPr b="1" lang="en" sz="1800">
+                <a:solidFill>
+                  <a:srgbClr val="E3FEF7"/>
+                </a:solidFill>
+              </a:rPr>
+              <a:t>Aplicații:</a:t>
+            </a:r>
+            <a:endParaRPr b="1" sz="1800">
+              <a:solidFill>
+                <a:srgbClr val="E3FEF7"/>
+              </a:solidFill>
+            </a:endParaRPr>
+          </a:p>
+          <a:p>
+            <a:pPr indent="-342900" lvl="2" marL="1371600" rtl="0" algn="l">
+              <a:lnSpc>
+                <a:spcPct val="130000"/>
+              </a:lnSpc>
+              <a:spcBef>
+                <a:spcPts val="0"/>
+              </a:spcBef>
+              <a:spcAft>
+                <a:spcPts val="0"/>
+              </a:spcAft>
+              <a:buClr>
+                <a:srgbClr val="E3FEF7"/>
+              </a:buClr>
+              <a:buSzPts val="1800"/>
+              <a:buChar char="■"/>
+            </a:pPr>
+            <a:r>
+              <a:rPr b="1" lang="en" sz="1800">
+                <a:solidFill>
+                  <a:srgbClr val="E3FEF7"/>
+                </a:solidFill>
+              </a:rPr>
+              <a:t>Sisteme financiare, guvernamentale, sănătate.</a:t>
+            </a:r>
+            <a:endParaRPr b="1" sz="1800">
               <a:solidFill>
                 <a:srgbClr val="E3FEF7"/>
               </a:solidFill>
@@ -10384,7 +11272,7 @@
                   <a:srgbClr val="E3FEF7"/>
                 </a:solidFill>
               </a:rPr>
-              <a:t>Access Control Policy Languages</a:t>
+              <a:t>Modele de Control al Accesului XML</a:t>
             </a:r>
             <a:endParaRPr b="1" sz="4000">
               <a:solidFill>
@@ -10397,56 +11285,6 @@
       <p:sp>
         <p:nvSpPr>
           <p:cNvPr id="110" name="Google Shape;110;p21"/>
-          <p:cNvSpPr txBox="1"/>
-          <p:nvPr/>
-        </p:nvSpPr>
-        <p:spPr>
-          <a:xfrm>
-            <a:off x="479750" y="1793125"/>
-            <a:ext cx="8234400" cy="2917800"/>
-          </a:xfrm>
-          <a:prstGeom prst="rect">
-            <a:avLst/>
-          </a:prstGeom>
-          <a:noFill/>
-          <a:ln>
-            <a:noFill/>
-          </a:ln>
-        </p:spPr>
-        <p:txBody>
-          <a:bodyPr anchorCtr="0" anchor="ctr" bIns="91425" lIns="91425" spcFirstLastPara="1" rIns="91425" wrap="square" tIns="91425">
-            <a:noAutofit/>
-          </a:bodyPr>
-          <a:lstStyle/>
-          <a:p>
-            <a:pPr indent="0" lvl="0" marL="0" rtl="0" algn="ctr">
-              <a:spcBef>
-                <a:spcPts val="0"/>
-              </a:spcBef>
-              <a:spcAft>
-                <a:spcPts val="0"/>
-              </a:spcAft>
-              <a:buNone/>
-            </a:pPr>
-            <a:r>
-              <a:rPr lang="en" sz="1800">
-                <a:solidFill>
-                  <a:srgbClr val="E3FEF7"/>
-                </a:solidFill>
-              </a:rPr>
-              <a:t>Write here.</a:t>
-            </a:r>
-            <a:endParaRPr i="1" sz="1800">
-              <a:solidFill>
-                <a:srgbClr val="E3FEF7"/>
-              </a:solidFill>
-            </a:endParaRPr>
-          </a:p>
-        </p:txBody>
-      </p:sp>
-      <p:sp>
-        <p:nvSpPr>
-          <p:cNvPr id="111" name="Google Shape;111;p21"/>
           <p:cNvSpPr txBox="1"/>
           <p:nvPr/>
         </p:nvSpPr>
@@ -10484,9 +11322,221 @@
                   <a:srgbClr val="E3FEF7"/>
                 </a:solidFill>
               </a:rPr>
-              <a:t>XACML</a:t>
+              <a:t>Control al Accesului Fin</a:t>
             </a:r>
             <a:endParaRPr b="1" sz="2600">
+              <a:solidFill>
+                <a:srgbClr val="E3FEF7"/>
+              </a:solidFill>
+            </a:endParaRPr>
+          </a:p>
+        </p:txBody>
+      </p:sp>
+      <p:sp>
+        <p:nvSpPr>
+          <p:cNvPr id="111" name="Google Shape;111;p21"/>
+          <p:cNvSpPr txBox="1"/>
+          <p:nvPr/>
+        </p:nvSpPr>
+        <p:spPr>
+          <a:xfrm>
+            <a:off x="454800" y="1557300"/>
+            <a:ext cx="8234400" cy="3303000"/>
+          </a:xfrm>
+          <a:prstGeom prst="rect">
+            <a:avLst/>
+          </a:prstGeom>
+          <a:noFill/>
+          <a:ln>
+            <a:noFill/>
+          </a:ln>
+        </p:spPr>
+        <p:txBody>
+          <a:bodyPr anchorCtr="0" anchor="t" bIns="91425" lIns="91425" spcFirstLastPara="1" rIns="91425" wrap="square" tIns="91425">
+            <a:noAutofit/>
+          </a:bodyPr>
+          <a:lstStyle/>
+          <a:p>
+            <a:pPr indent="-342900" lvl="0" marL="457200" rtl="0" algn="l">
+              <a:lnSpc>
+                <a:spcPct val="130000"/>
+              </a:lnSpc>
+              <a:spcBef>
+                <a:spcPts val="0"/>
+              </a:spcBef>
+              <a:spcAft>
+                <a:spcPts val="0"/>
+              </a:spcAft>
+              <a:buClr>
+                <a:srgbClr val="E3FEF7"/>
+              </a:buClr>
+              <a:buSzPts val="1800"/>
+              <a:buChar char="●"/>
+            </a:pPr>
+            <a:r>
+              <a:rPr b="1" lang="en" sz="1800">
+                <a:solidFill>
+                  <a:srgbClr val="E3FEF7"/>
+                </a:solidFill>
+              </a:rPr>
+              <a:t>Implementare:</a:t>
+            </a:r>
+            <a:endParaRPr b="1" sz="1800">
+              <a:solidFill>
+                <a:srgbClr val="E3FEF7"/>
+              </a:solidFill>
+            </a:endParaRPr>
+          </a:p>
+          <a:p>
+            <a:pPr indent="-342900" lvl="1" marL="914400" rtl="0" algn="l">
+              <a:lnSpc>
+                <a:spcPct val="130000"/>
+              </a:lnSpc>
+              <a:spcBef>
+                <a:spcPts val="0"/>
+              </a:spcBef>
+              <a:spcAft>
+                <a:spcPts val="0"/>
+              </a:spcAft>
+              <a:buClr>
+                <a:srgbClr val="E3FEF7"/>
+              </a:buClr>
+              <a:buSzPts val="1800"/>
+              <a:buChar char="○"/>
+            </a:pPr>
+            <a:r>
+              <a:rPr b="1" lang="en" sz="1800">
+                <a:solidFill>
+                  <a:srgbClr val="E3FEF7"/>
+                </a:solidFill>
+              </a:rPr>
+              <a:t>Utilizarea limbajelor precum XACML pentru definirea politicilor.</a:t>
+            </a:r>
+            <a:endParaRPr b="1" sz="1800">
+              <a:solidFill>
+                <a:srgbClr val="E3FEF7"/>
+              </a:solidFill>
+            </a:endParaRPr>
+          </a:p>
+          <a:p>
+            <a:pPr indent="-342900" lvl="1" marL="914400" rtl="0" algn="l">
+              <a:lnSpc>
+                <a:spcPct val="130000"/>
+              </a:lnSpc>
+              <a:spcBef>
+                <a:spcPts val="0"/>
+              </a:spcBef>
+              <a:spcAft>
+                <a:spcPts val="0"/>
+              </a:spcAft>
+              <a:buClr>
+                <a:srgbClr val="E3FEF7"/>
+              </a:buClr>
+              <a:buSzPts val="1800"/>
+              <a:buChar char="○"/>
+            </a:pPr>
+            <a:r>
+              <a:rPr b="1" lang="en" sz="1800">
+                <a:solidFill>
+                  <a:srgbClr val="E3FEF7"/>
+                </a:solidFill>
+              </a:rPr>
+              <a:t>Exemplu:</a:t>
+            </a:r>
+            <a:endParaRPr b="1" sz="1800">
+              <a:solidFill>
+                <a:srgbClr val="E3FEF7"/>
+              </a:solidFill>
+            </a:endParaRPr>
+          </a:p>
+          <a:p>
+            <a:pPr indent="-342900" lvl="2" marL="1371600" rtl="0" algn="l">
+              <a:lnSpc>
+                <a:spcPct val="130000"/>
+              </a:lnSpc>
+              <a:spcBef>
+                <a:spcPts val="0"/>
+              </a:spcBef>
+              <a:spcAft>
+                <a:spcPts val="0"/>
+              </a:spcAft>
+              <a:buClr>
+                <a:srgbClr val="E3FEF7"/>
+              </a:buClr>
+              <a:buSzPts val="1800"/>
+              <a:buChar char="■"/>
+            </a:pPr>
+            <a:r>
+              <a:rPr b="1" lang="en" sz="1800">
+                <a:solidFill>
+                  <a:srgbClr val="E3FEF7"/>
+                </a:solidFill>
+              </a:rPr>
+              <a:t>Protecție pe elemente precum:</a:t>
+            </a:r>
+            <a:endParaRPr b="1" sz="1800">
+              <a:solidFill>
+                <a:srgbClr val="E3FEF7"/>
+              </a:solidFill>
+            </a:endParaRPr>
+          </a:p>
+          <a:p>
+            <a:pPr indent="-342900" lvl="3" marL="1828800" rtl="0" algn="l">
+              <a:lnSpc>
+                <a:spcPct val="130000"/>
+              </a:lnSpc>
+              <a:spcBef>
+                <a:spcPts val="0"/>
+              </a:spcBef>
+              <a:spcAft>
+                <a:spcPts val="0"/>
+              </a:spcAft>
+              <a:buClr>
+                <a:srgbClr val="E3FEF7"/>
+              </a:buClr>
+              <a:buSzPts val="1800"/>
+              <a:buChar char="●"/>
+            </a:pPr>
+            <a:r>
+              <a:rPr b="1" lang="en" sz="1800">
+                <a:solidFill>
+                  <a:srgbClr val="E3FEF7"/>
+                </a:solidFill>
+              </a:rPr>
+              <a:t>&lt;Pacient&gt;</a:t>
+            </a:r>
+            <a:endParaRPr b="1" sz="1800">
+              <a:solidFill>
+                <a:srgbClr val="E3FEF7"/>
+              </a:solidFill>
+            </a:endParaRPr>
+          </a:p>
+          <a:p>
+            <a:pPr indent="-342900" lvl="3" marL="1828800" rtl="0" algn="l">
+              <a:lnSpc>
+                <a:spcPct val="130000"/>
+              </a:lnSpc>
+              <a:spcBef>
+                <a:spcPts val="0"/>
+              </a:spcBef>
+              <a:spcAft>
+                <a:spcPts val="0"/>
+              </a:spcAft>
+              <a:buClr>
+                <a:srgbClr val="E3FEF7"/>
+              </a:buClr>
+              <a:buSzPts val="1800"/>
+              <a:buChar char="●"/>
+            </a:pPr>
+            <a:r>
+              <a:rPr b="1" lang="en" sz="1800">
+                <a:solidFill>
+                  <a:srgbClr val="E3FEF7"/>
+                </a:solidFill>
+              </a:rPr>
+              <a:t>&lt;Salariu&gt;</a:t>
+            </a:r>
+            <a:endParaRPr b="1" sz="1800">
               <a:solidFill>
                 <a:srgbClr val="E3FEF7"/>
               </a:solidFill>

--- a/Access Control for XML - Presentation.pptx
+++ b/Access Control for XML - Presentation.pptx
@@ -25,6 +25,8 @@
     <p:sldId id="270" r:id="rId20"/>
     <p:sldId id="271" r:id="rId21"/>
     <p:sldId id="272" r:id="rId22"/>
+    <p:sldId id="273" r:id="rId23"/>
+    <p:sldId id="274" r:id="rId24"/>
   </p:sldIdLst>
   <p:sldSz cy="5143500" cx="9144000"/>
   <p:notesSz cx="6858000" cy="9144000"/>
@@ -919,7 +921,7 @@
       </p:grpSpPr>
       <p:sp>
         <p:nvSpPr>
-          <p:cNvPr id="120" name="Google Shape;120;g324d1e3a553_0_399:notes"/>
+          <p:cNvPr id="120" name="Google Shape;120;g325249bb49a_0_32:notes"/>
           <p:cNvSpPr/>
           <p:nvPr>
             <p:ph idx="2" type="sldImg"/>
@@ -954,7 +956,7 @@
       </p:sp>
       <p:sp>
         <p:nvSpPr>
-          <p:cNvPr id="121" name="Google Shape;121;g324d1e3a553_0_399:notes"/>
+          <p:cNvPr id="121" name="Google Shape;121;g325249bb49a_0_32:notes"/>
           <p:cNvSpPr txBox="1"/>
           <p:nvPr>
             <p:ph idx="1" type="body"/>
@@ -1018,7 +1020,7 @@
       </p:grpSpPr>
       <p:sp>
         <p:nvSpPr>
-          <p:cNvPr id="127" name="Google Shape;127;g324d1e3a553_0_405:notes"/>
+          <p:cNvPr id="127" name="Google Shape;127;g325249bb49a_0_38:notes"/>
           <p:cNvSpPr/>
           <p:nvPr>
             <p:ph idx="2" type="sldImg"/>
@@ -1053,7 +1055,7 @@
       </p:sp>
       <p:sp>
         <p:nvSpPr>
-          <p:cNvPr id="128" name="Google Shape;128;g324d1e3a553_0_405:notes"/>
+          <p:cNvPr id="128" name="Google Shape;128;g325249bb49a_0_38:notes"/>
           <p:cNvSpPr txBox="1"/>
           <p:nvPr>
             <p:ph idx="1" type="body"/>
@@ -1117,7 +1119,7 @@
       </p:grpSpPr>
       <p:sp>
         <p:nvSpPr>
-          <p:cNvPr id="134" name="Google Shape;134;g324d1e3a553_0_412:notes"/>
+          <p:cNvPr id="134" name="Google Shape;134;g324d1e3a553_0_399:notes"/>
           <p:cNvSpPr/>
           <p:nvPr>
             <p:ph idx="2" type="sldImg"/>
@@ -1152,7 +1154,7 @@
       </p:sp>
       <p:sp>
         <p:nvSpPr>
-          <p:cNvPr id="135" name="Google Shape;135;g324d1e3a553_0_412:notes"/>
+          <p:cNvPr id="135" name="Google Shape;135;g324d1e3a553_0_399:notes"/>
           <p:cNvSpPr txBox="1"/>
           <p:nvPr>
             <p:ph idx="1" type="body"/>
@@ -1216,7 +1218,7 @@
       </p:grpSpPr>
       <p:sp>
         <p:nvSpPr>
-          <p:cNvPr id="141" name="Google Shape;141;g324d1e3a553_0_420:notes"/>
+          <p:cNvPr id="141" name="Google Shape;141;g324d1e3a553_0_405:notes"/>
           <p:cNvSpPr/>
           <p:nvPr>
             <p:ph idx="2" type="sldImg"/>
@@ -1251,7 +1253,7 @@
       </p:sp>
       <p:sp>
         <p:nvSpPr>
-          <p:cNvPr id="142" name="Google Shape;142;g324d1e3a553_0_420:notes"/>
+          <p:cNvPr id="142" name="Google Shape;142;g324d1e3a553_0_405:notes"/>
           <p:cNvSpPr txBox="1"/>
           <p:nvPr>
             <p:ph idx="1" type="body"/>
@@ -1315,7 +1317,7 @@
       </p:grpSpPr>
       <p:sp>
         <p:nvSpPr>
-          <p:cNvPr id="148" name="Google Shape;148;g324d1e3a553_0_427:notes"/>
+          <p:cNvPr id="148" name="Google Shape;148;g324d1e3a553_0_412:notes"/>
           <p:cNvSpPr/>
           <p:nvPr>
             <p:ph idx="2" type="sldImg"/>
@@ -1350,7 +1352,7 @@
       </p:sp>
       <p:sp>
         <p:nvSpPr>
-          <p:cNvPr id="149" name="Google Shape;149;g324d1e3a553_0_427:notes"/>
+          <p:cNvPr id="149" name="Google Shape;149;g324d1e3a553_0_412:notes"/>
           <p:cNvSpPr txBox="1"/>
           <p:nvPr>
             <p:ph idx="1" type="body"/>
@@ -1400,7 +1402,7 @@
   <p:cSld>
     <p:spTree>
       <p:nvGrpSpPr>
-        <p:cNvPr id="153" name="Shape 153"/>
+        <p:cNvPr id="154" name="Shape 154"/>
         <p:cNvGrpSpPr/>
         <p:nvPr/>
       </p:nvGrpSpPr>
@@ -1414,7 +1416,7 @@
       </p:grpSpPr>
       <p:sp>
         <p:nvSpPr>
-          <p:cNvPr id="154" name="Google Shape;154;g324d1e3a553_0_434:notes"/>
+          <p:cNvPr id="155" name="Google Shape;155;g324d1e3a553_0_420:notes"/>
           <p:cNvSpPr/>
           <p:nvPr>
             <p:ph idx="2" type="sldImg"/>
@@ -1449,7 +1451,7 @@
       </p:sp>
       <p:sp>
         <p:nvSpPr>
-          <p:cNvPr id="155" name="Google Shape;155;g324d1e3a553_0_434:notes"/>
+          <p:cNvPr id="156" name="Google Shape;156;g324d1e3a553_0_420:notes"/>
           <p:cNvSpPr txBox="1"/>
           <p:nvPr>
             <p:ph idx="1" type="body"/>
@@ -1499,7 +1501,7 @@
   <p:cSld>
     <p:spTree>
       <p:nvGrpSpPr>
-        <p:cNvPr id="159" name="Shape 159"/>
+        <p:cNvPr id="161" name="Shape 161"/>
         <p:cNvGrpSpPr/>
         <p:nvPr/>
       </p:nvGrpSpPr>
@@ -1513,7 +1515,7 @@
       </p:grpSpPr>
       <p:sp>
         <p:nvSpPr>
-          <p:cNvPr id="160" name="Google Shape;160;g324d1e3a553_0_439:notes"/>
+          <p:cNvPr id="162" name="Google Shape;162;g324d1e3a553_0_427:notes"/>
           <p:cNvSpPr/>
           <p:nvPr>
             <p:ph idx="2" type="sldImg"/>
@@ -1548,7 +1550,205 @@
       </p:sp>
       <p:sp>
         <p:nvSpPr>
-          <p:cNvPr id="161" name="Google Shape;161;g324d1e3a553_0_439:notes"/>
+          <p:cNvPr id="163" name="Google Shape;163;g324d1e3a553_0_427:notes"/>
+          <p:cNvSpPr txBox="1"/>
+          <p:nvPr>
+            <p:ph idx="1" type="body"/>
+          </p:nvPr>
+        </p:nvSpPr>
+        <p:spPr>
+          <a:xfrm>
+            <a:off x="685800" y="4343400"/>
+            <a:ext cx="5486400" cy="4114800"/>
+          </a:xfrm>
+          <a:prstGeom prst="rect">
+            <a:avLst/>
+          </a:prstGeom>
+        </p:spPr>
+        <p:txBody>
+          <a:bodyPr anchorCtr="0" anchor="t" bIns="91425" lIns="91425" spcFirstLastPara="1" rIns="91425" wrap="square" tIns="91425">
+            <a:noAutofit/>
+          </a:bodyPr>
+          <a:lstStyle/>
+          <a:p>
+            <a:pPr indent="0" lvl="0" marL="0" rtl="0" algn="l">
+              <a:spcBef>
+                <a:spcPts val="0"/>
+              </a:spcBef>
+              <a:spcAft>
+                <a:spcPts val="0"/>
+              </a:spcAft>
+              <a:buNone/>
+            </a:pPr>
+            <a:r>
+              <a:t/>
+            </a:r>
+            <a:endParaRPr/>
+          </a:p>
+        </p:txBody>
+      </p:sp>
+    </p:spTree>
+  </p:cSld>
+  <p:clrMapOvr>
+    <a:masterClrMapping/>
+  </p:clrMapOvr>
+</p:notes>
+</file>
+
+<file path=ppt/notesSlides/notesSlide18.xml><?xml version="1.0" encoding="utf-8"?>
+<p:notes xmlns:a="http://schemas.openxmlformats.org/drawingml/2006/main" xmlns:r="http://schemas.openxmlformats.org/officeDocument/2006/relationships" xmlns:mc="http://schemas.openxmlformats.org/markup-compatibility/2006" xmlns:mv="urn:schemas-microsoft-com:mac:vml" xmlns:p="http://schemas.openxmlformats.org/presentationml/2006/main" xmlns:c="http://schemas.openxmlformats.org/drawingml/2006/chart" xmlns:dgm="http://schemas.openxmlformats.org/drawingml/2006/diagram" xmlns:o="urn:schemas-microsoft-com:office:office" xmlns:v="urn:schemas-microsoft-com:vml" xmlns:pvml="urn:schemas-microsoft-com:office:powerpoint" xmlns:com="http://schemas.openxmlformats.org/drawingml/2006/compatibility" xmlns:p14="http://schemas.microsoft.com/office/powerpoint/2010/main" xmlns:p15="http://schemas.microsoft.com/office/powerpoint/2012/main" xmlns:ahyp="http://schemas.microsoft.com/office/drawing/2018/hyperlinkcolor" showMasterPhAnim="0" showMasterSp="0">
+  <p:cSld>
+    <p:spTree>
+      <p:nvGrpSpPr>
+        <p:cNvPr id="167" name="Shape 167"/>
+        <p:cNvGrpSpPr/>
+        <p:nvPr/>
+      </p:nvGrpSpPr>
+      <p:grpSpPr>
+        <a:xfrm>
+          <a:off x="0" y="0"/>
+          <a:ext cx="0" cy="0"/>
+          <a:chOff x="0" y="0"/>
+          <a:chExt cx="0" cy="0"/>
+        </a:xfrm>
+      </p:grpSpPr>
+      <p:sp>
+        <p:nvSpPr>
+          <p:cNvPr id="168" name="Google Shape;168;g324d1e3a553_0_434:notes"/>
+          <p:cNvSpPr/>
+          <p:nvPr>
+            <p:ph idx="2" type="sldImg"/>
+          </p:nvPr>
+        </p:nvSpPr>
+        <p:spPr>
+          <a:xfrm>
+            <a:off x="381300" y="685800"/>
+            <a:ext cx="6096000" cy="3429000"/>
+          </a:xfrm>
+          <a:custGeom>
+            <a:rect b="b" l="l" r="r" t="t"/>
+            <a:pathLst>
+              <a:path extrusionOk="0" h="120000" w="120000">
+                <a:moveTo>
+                  <a:pt x="0" y="0"/>
+                </a:moveTo>
+                <a:lnTo>
+                  <a:pt x="120000" y="0"/>
+                </a:lnTo>
+                <a:lnTo>
+                  <a:pt x="120000" y="120000"/>
+                </a:lnTo>
+                <a:lnTo>
+                  <a:pt x="0" y="120000"/>
+                </a:lnTo>
+                <a:close/>
+              </a:path>
+            </a:pathLst>
+          </a:custGeom>
+        </p:spPr>
+      </p:sp>
+      <p:sp>
+        <p:nvSpPr>
+          <p:cNvPr id="169" name="Google Shape;169;g324d1e3a553_0_434:notes"/>
+          <p:cNvSpPr txBox="1"/>
+          <p:nvPr>
+            <p:ph idx="1" type="body"/>
+          </p:nvPr>
+        </p:nvSpPr>
+        <p:spPr>
+          <a:xfrm>
+            <a:off x="685800" y="4343400"/>
+            <a:ext cx="5486400" cy="4114800"/>
+          </a:xfrm>
+          <a:prstGeom prst="rect">
+            <a:avLst/>
+          </a:prstGeom>
+        </p:spPr>
+        <p:txBody>
+          <a:bodyPr anchorCtr="0" anchor="t" bIns="91425" lIns="91425" spcFirstLastPara="1" rIns="91425" wrap="square" tIns="91425">
+            <a:noAutofit/>
+          </a:bodyPr>
+          <a:lstStyle/>
+          <a:p>
+            <a:pPr indent="0" lvl="0" marL="0" rtl="0" algn="l">
+              <a:spcBef>
+                <a:spcPts val="0"/>
+              </a:spcBef>
+              <a:spcAft>
+                <a:spcPts val="0"/>
+              </a:spcAft>
+              <a:buNone/>
+            </a:pPr>
+            <a:r>
+              <a:t/>
+            </a:r>
+            <a:endParaRPr/>
+          </a:p>
+        </p:txBody>
+      </p:sp>
+    </p:spTree>
+  </p:cSld>
+  <p:clrMapOvr>
+    <a:masterClrMapping/>
+  </p:clrMapOvr>
+</p:notes>
+</file>
+
+<file path=ppt/notesSlides/notesSlide19.xml><?xml version="1.0" encoding="utf-8"?>
+<p:notes xmlns:a="http://schemas.openxmlformats.org/drawingml/2006/main" xmlns:r="http://schemas.openxmlformats.org/officeDocument/2006/relationships" xmlns:mc="http://schemas.openxmlformats.org/markup-compatibility/2006" xmlns:mv="urn:schemas-microsoft-com:mac:vml" xmlns:p="http://schemas.openxmlformats.org/presentationml/2006/main" xmlns:c="http://schemas.openxmlformats.org/drawingml/2006/chart" xmlns:dgm="http://schemas.openxmlformats.org/drawingml/2006/diagram" xmlns:o="urn:schemas-microsoft-com:office:office" xmlns:v="urn:schemas-microsoft-com:vml" xmlns:pvml="urn:schemas-microsoft-com:office:powerpoint" xmlns:com="http://schemas.openxmlformats.org/drawingml/2006/compatibility" xmlns:p14="http://schemas.microsoft.com/office/powerpoint/2010/main" xmlns:p15="http://schemas.microsoft.com/office/powerpoint/2012/main" xmlns:ahyp="http://schemas.microsoft.com/office/drawing/2018/hyperlinkcolor" showMasterPhAnim="0" showMasterSp="0">
+  <p:cSld>
+    <p:spTree>
+      <p:nvGrpSpPr>
+        <p:cNvPr id="173" name="Shape 173"/>
+        <p:cNvGrpSpPr/>
+        <p:nvPr/>
+      </p:nvGrpSpPr>
+      <p:grpSpPr>
+        <a:xfrm>
+          <a:off x="0" y="0"/>
+          <a:ext cx="0" cy="0"/>
+          <a:chOff x="0" y="0"/>
+          <a:chExt cx="0" cy="0"/>
+        </a:xfrm>
+      </p:grpSpPr>
+      <p:sp>
+        <p:nvSpPr>
+          <p:cNvPr id="174" name="Google Shape;174;g324d1e3a553_0_439:notes"/>
+          <p:cNvSpPr/>
+          <p:nvPr>
+            <p:ph idx="2" type="sldImg"/>
+          </p:nvPr>
+        </p:nvSpPr>
+        <p:spPr>
+          <a:xfrm>
+            <a:off x="381300" y="685800"/>
+            <a:ext cx="6096000" cy="3429000"/>
+          </a:xfrm>
+          <a:custGeom>
+            <a:rect b="b" l="l" r="r" t="t"/>
+            <a:pathLst>
+              <a:path extrusionOk="0" h="120000" w="120000">
+                <a:moveTo>
+                  <a:pt x="0" y="0"/>
+                </a:moveTo>
+                <a:lnTo>
+                  <a:pt x="120000" y="0"/>
+                </a:lnTo>
+                <a:lnTo>
+                  <a:pt x="120000" y="120000"/>
+                </a:lnTo>
+                <a:lnTo>
+                  <a:pt x="0" y="120000"/>
+                </a:lnTo>
+                <a:close/>
+              </a:path>
+            </a:pathLst>
+          </a:custGeom>
+        </p:spPr>
+      </p:sp>
+      <p:sp>
+        <p:nvSpPr>
+          <p:cNvPr id="175" name="Google Shape;175;g324d1e3a553_0_439:notes"/>
           <p:cNvSpPr txBox="1"/>
           <p:nvPr>
             <p:ph idx="1" type="body"/>
@@ -7402,7 +7602,7 @@
                   <a:srgbClr val="E3FEF7"/>
                 </a:solidFill>
               </a:rPr>
-              <a:t>XML Access Control Models</a:t>
+              <a:t>Modele de Control al Accesului XML</a:t>
             </a:r>
             <a:endParaRPr b="1" sz="4000">
               <a:solidFill>
@@ -7415,56 +7615,6 @@
       <p:sp>
         <p:nvSpPr>
           <p:cNvPr id="117" name="Google Shape;117;p22"/>
-          <p:cNvSpPr txBox="1"/>
-          <p:nvPr/>
-        </p:nvSpPr>
-        <p:spPr>
-          <a:xfrm>
-            <a:off x="479750" y="1793125"/>
-            <a:ext cx="8234400" cy="2917800"/>
-          </a:xfrm>
-          <a:prstGeom prst="rect">
-            <a:avLst/>
-          </a:prstGeom>
-          <a:noFill/>
-          <a:ln>
-            <a:noFill/>
-          </a:ln>
-        </p:spPr>
-        <p:txBody>
-          <a:bodyPr anchorCtr="0" anchor="ctr" bIns="91425" lIns="91425" spcFirstLastPara="1" rIns="91425" wrap="square" tIns="91425">
-            <a:noAutofit/>
-          </a:bodyPr>
-          <a:lstStyle/>
-          <a:p>
-            <a:pPr indent="0" lvl="0" marL="0" rtl="0" algn="ctr">
-              <a:spcBef>
-                <a:spcPts val="0"/>
-              </a:spcBef>
-              <a:spcAft>
-                <a:spcPts val="0"/>
-              </a:spcAft>
-              <a:buNone/>
-            </a:pPr>
-            <a:r>
-              <a:rPr lang="en" sz="1800">
-                <a:solidFill>
-                  <a:srgbClr val="E3FEF7"/>
-                </a:solidFill>
-              </a:rPr>
-              <a:t>Write here.</a:t>
-            </a:r>
-            <a:endParaRPr i="1" sz="1800">
-              <a:solidFill>
-                <a:srgbClr val="E3FEF7"/>
-              </a:solidFill>
-            </a:endParaRPr>
-          </a:p>
-        </p:txBody>
-      </p:sp>
-      <p:sp>
-        <p:nvSpPr>
-          <p:cNvPr id="118" name="Google Shape;118;p22"/>
           <p:cNvSpPr txBox="1"/>
           <p:nvPr/>
         </p:nvSpPr>
@@ -7502,9 +7652,260 @@
                   <a:srgbClr val="E3FEF7"/>
                 </a:solidFill>
               </a:rPr>
-              <a:t>Role-Based Access Control for XML</a:t>
+              <a:t>Controlul Accesului Bazat pe Roluri pentru XML</a:t>
             </a:r>
             <a:endParaRPr b="1" sz="2600">
+              <a:solidFill>
+                <a:srgbClr val="E3FEF7"/>
+              </a:solidFill>
+            </a:endParaRPr>
+          </a:p>
+        </p:txBody>
+      </p:sp>
+      <p:sp>
+        <p:nvSpPr>
+          <p:cNvPr id="118" name="Google Shape;118;p22"/>
+          <p:cNvSpPr txBox="1"/>
+          <p:nvPr/>
+        </p:nvSpPr>
+        <p:spPr>
+          <a:xfrm>
+            <a:off x="454800" y="1557300"/>
+            <a:ext cx="8234400" cy="3303000"/>
+          </a:xfrm>
+          <a:prstGeom prst="rect">
+            <a:avLst/>
+          </a:prstGeom>
+          <a:noFill/>
+          <a:ln>
+            <a:noFill/>
+          </a:ln>
+        </p:spPr>
+        <p:txBody>
+          <a:bodyPr anchorCtr="0" anchor="t" bIns="91425" lIns="91425" spcFirstLastPara="1" rIns="91425" wrap="square" tIns="91425">
+            <a:noAutofit/>
+          </a:bodyPr>
+          <a:lstStyle/>
+          <a:p>
+            <a:pPr indent="-342900" lvl="0" marL="457200" rtl="0" algn="l">
+              <a:lnSpc>
+                <a:spcPct val="130000"/>
+              </a:lnSpc>
+              <a:spcBef>
+                <a:spcPts val="0"/>
+              </a:spcBef>
+              <a:spcAft>
+                <a:spcPts val="0"/>
+              </a:spcAft>
+              <a:buClr>
+                <a:srgbClr val="E3FEF7"/>
+              </a:buClr>
+              <a:buSzPts val="1800"/>
+              <a:buChar char="●"/>
+            </a:pPr>
+            <a:r>
+              <a:rPr b="1" lang="en" sz="1800">
+                <a:solidFill>
+                  <a:srgbClr val="E3FEF7"/>
+                </a:solidFill>
+              </a:rPr>
+              <a:t>Definiție</a:t>
+            </a:r>
+            <a:r>
+              <a:rPr b="1" lang="en" sz="1800">
+                <a:solidFill>
+                  <a:srgbClr val="E3FEF7"/>
+                </a:solidFill>
+              </a:rPr>
+              <a:t>:</a:t>
+            </a:r>
+            <a:endParaRPr b="1" sz="1800">
+              <a:solidFill>
+                <a:srgbClr val="E3FEF7"/>
+              </a:solidFill>
+            </a:endParaRPr>
+          </a:p>
+          <a:p>
+            <a:pPr indent="-342900" lvl="1" marL="914400" rtl="0" algn="l">
+              <a:lnSpc>
+                <a:spcPct val="130000"/>
+              </a:lnSpc>
+              <a:spcBef>
+                <a:spcPts val="0"/>
+              </a:spcBef>
+              <a:spcAft>
+                <a:spcPts val="0"/>
+              </a:spcAft>
+              <a:buClr>
+                <a:srgbClr val="E3FEF7"/>
+              </a:buClr>
+              <a:buSzPts val="1800"/>
+              <a:buChar char="○"/>
+            </a:pPr>
+            <a:r>
+              <a:rPr b="1" lang="en" sz="1800">
+                <a:solidFill>
+                  <a:srgbClr val="E3FEF7"/>
+                </a:solidFill>
+              </a:rPr>
+              <a:t>Permite gestionarea drepturilor de acces prin atribuirea de roluri utilizatorilor, nu individualizat.</a:t>
+            </a:r>
+            <a:endParaRPr b="1" sz="1800">
+              <a:solidFill>
+                <a:srgbClr val="E3FEF7"/>
+              </a:solidFill>
+            </a:endParaRPr>
+          </a:p>
+          <a:p>
+            <a:pPr indent="-342900" lvl="0" marL="457200" rtl="0" algn="l">
+              <a:lnSpc>
+                <a:spcPct val="130000"/>
+              </a:lnSpc>
+              <a:spcBef>
+                <a:spcPts val="0"/>
+              </a:spcBef>
+              <a:spcAft>
+                <a:spcPts val="0"/>
+              </a:spcAft>
+              <a:buClr>
+                <a:srgbClr val="E3FEF7"/>
+              </a:buClr>
+              <a:buSzPts val="1800"/>
+              <a:buChar char="●"/>
+            </a:pPr>
+            <a:r>
+              <a:rPr b="1" lang="en" sz="1800">
+                <a:solidFill>
+                  <a:srgbClr val="E3FEF7"/>
+                </a:solidFill>
+              </a:rPr>
+              <a:t>Principiul RBAC:</a:t>
+            </a:r>
+            <a:endParaRPr b="1" sz="1800">
+              <a:solidFill>
+                <a:srgbClr val="E3FEF7"/>
+              </a:solidFill>
+            </a:endParaRPr>
+          </a:p>
+          <a:p>
+            <a:pPr indent="-342900" lvl="1" marL="914400" rtl="0" algn="l">
+              <a:lnSpc>
+                <a:spcPct val="130000"/>
+              </a:lnSpc>
+              <a:spcBef>
+                <a:spcPts val="0"/>
+              </a:spcBef>
+              <a:spcAft>
+                <a:spcPts val="0"/>
+              </a:spcAft>
+              <a:buClr>
+                <a:srgbClr val="E3FEF7"/>
+              </a:buClr>
+              <a:buSzPts val="1800"/>
+              <a:buChar char="○"/>
+            </a:pPr>
+            <a:r>
+              <a:rPr b="1" lang="en" sz="1800">
+                <a:solidFill>
+                  <a:srgbClr val="E3FEF7"/>
+                </a:solidFill>
+              </a:rPr>
+              <a:t>Roluri:</a:t>
+            </a:r>
+            <a:endParaRPr b="1" sz="1800">
+              <a:solidFill>
+                <a:srgbClr val="E3FEF7"/>
+              </a:solidFill>
+            </a:endParaRPr>
+          </a:p>
+          <a:p>
+            <a:pPr indent="-342900" lvl="2" marL="1371600" rtl="0" algn="l">
+              <a:lnSpc>
+                <a:spcPct val="130000"/>
+              </a:lnSpc>
+              <a:spcBef>
+                <a:spcPts val="0"/>
+              </a:spcBef>
+              <a:spcAft>
+                <a:spcPts val="0"/>
+              </a:spcAft>
+              <a:buClr>
+                <a:srgbClr val="E3FEF7"/>
+              </a:buClr>
+              <a:buSzPts val="1800"/>
+              <a:buChar char="■"/>
+            </a:pPr>
+            <a:r>
+              <a:rPr b="1" lang="en" sz="1800">
+                <a:solidFill>
+                  <a:srgbClr val="E3FEF7"/>
+                </a:solidFill>
+              </a:rPr>
+              <a:t>Grupuri de utilizatori cu permisiuni specifice.</a:t>
+            </a:r>
+            <a:endParaRPr b="1" sz="1800">
+              <a:solidFill>
+                <a:srgbClr val="E3FEF7"/>
+              </a:solidFill>
+            </a:endParaRPr>
+          </a:p>
+          <a:p>
+            <a:pPr indent="-342900" lvl="1" marL="914400" rtl="0" algn="l">
+              <a:lnSpc>
+                <a:spcPct val="130000"/>
+              </a:lnSpc>
+              <a:spcBef>
+                <a:spcPts val="0"/>
+              </a:spcBef>
+              <a:spcAft>
+                <a:spcPts val="0"/>
+              </a:spcAft>
+              <a:buClr>
+                <a:srgbClr val="E3FEF7"/>
+              </a:buClr>
+              <a:buSzPts val="1800"/>
+              <a:buChar char="○"/>
+            </a:pPr>
+            <a:r>
+              <a:rPr b="1" lang="en" sz="1800">
+                <a:solidFill>
+                  <a:srgbClr val="E3FEF7"/>
+                </a:solidFill>
+              </a:rPr>
+              <a:t>Permisiuni:</a:t>
+            </a:r>
+            <a:endParaRPr b="1" sz="1800">
+              <a:solidFill>
+                <a:srgbClr val="E3FEF7"/>
+              </a:solidFill>
+            </a:endParaRPr>
+          </a:p>
+          <a:p>
+            <a:pPr indent="-342900" lvl="2" marL="1371600" rtl="0" algn="l">
+              <a:lnSpc>
+                <a:spcPct val="130000"/>
+              </a:lnSpc>
+              <a:spcBef>
+                <a:spcPts val="0"/>
+              </a:spcBef>
+              <a:spcAft>
+                <a:spcPts val="0"/>
+              </a:spcAft>
+              <a:buClr>
+                <a:srgbClr val="E3FEF7"/>
+              </a:buClr>
+              <a:buSzPts val="1800"/>
+              <a:buChar char="■"/>
+            </a:pPr>
+            <a:r>
+              <a:rPr b="1" lang="en" sz="1800">
+                <a:solidFill>
+                  <a:srgbClr val="E3FEF7"/>
+                </a:solidFill>
+              </a:rPr>
+              <a:t>Definirea acțiunilor posibile pentru fiecare rol (ex. citire, scriere).</a:t>
+            </a:r>
+            <a:endParaRPr b="1" sz="1800">
               <a:solidFill>
                 <a:srgbClr val="E3FEF7"/>
               </a:solidFill>
@@ -7584,7 +7985,7 @@
                   <a:srgbClr val="E3FEF7"/>
                 </a:solidFill>
               </a:rPr>
-              <a:t>Access Control Policy Languages</a:t>
+              <a:t>Modele de Control al Accesului XML</a:t>
             </a:r>
             <a:endParaRPr b="1" sz="4000">
               <a:solidFill>
@@ -7597,56 +7998,6 @@
       <p:sp>
         <p:nvSpPr>
           <p:cNvPr id="124" name="Google Shape;124;p23"/>
-          <p:cNvSpPr txBox="1"/>
-          <p:nvPr/>
-        </p:nvSpPr>
-        <p:spPr>
-          <a:xfrm>
-            <a:off x="479750" y="1793125"/>
-            <a:ext cx="8234400" cy="2917800"/>
-          </a:xfrm>
-          <a:prstGeom prst="rect">
-            <a:avLst/>
-          </a:prstGeom>
-          <a:noFill/>
-          <a:ln>
-            <a:noFill/>
-          </a:ln>
-        </p:spPr>
-        <p:txBody>
-          <a:bodyPr anchorCtr="0" anchor="ctr" bIns="91425" lIns="91425" spcFirstLastPara="1" rIns="91425" wrap="square" tIns="91425">
-            <a:noAutofit/>
-          </a:bodyPr>
-          <a:lstStyle/>
-          <a:p>
-            <a:pPr indent="0" lvl="0" marL="0" rtl="0" algn="ctr">
-              <a:spcBef>
-                <a:spcPts val="0"/>
-              </a:spcBef>
-              <a:spcAft>
-                <a:spcPts val="0"/>
-              </a:spcAft>
-              <a:buNone/>
-            </a:pPr>
-            <a:r>
-              <a:rPr lang="en" sz="1800">
-                <a:solidFill>
-                  <a:srgbClr val="E3FEF7"/>
-                </a:solidFill>
-              </a:rPr>
-              <a:t>Write here.</a:t>
-            </a:r>
-            <a:endParaRPr i="1" sz="1800">
-              <a:solidFill>
-                <a:srgbClr val="E3FEF7"/>
-              </a:solidFill>
-            </a:endParaRPr>
-          </a:p>
-        </p:txBody>
-      </p:sp>
-      <p:sp>
-        <p:nvSpPr>
-          <p:cNvPr id="125" name="Google Shape;125;p23"/>
           <p:cNvSpPr txBox="1"/>
           <p:nvPr/>
         </p:nvSpPr>
@@ -7684,9 +8035,167 @@
                   <a:srgbClr val="E3FEF7"/>
                 </a:solidFill>
               </a:rPr>
-              <a:t>XACML</a:t>
+              <a:t>Controlul Accesului Bazat pe Roluri pentru XML</a:t>
             </a:r>
             <a:endParaRPr b="1" sz="2600">
+              <a:solidFill>
+                <a:srgbClr val="E3FEF7"/>
+              </a:solidFill>
+            </a:endParaRPr>
+          </a:p>
+        </p:txBody>
+      </p:sp>
+      <p:sp>
+        <p:nvSpPr>
+          <p:cNvPr id="125" name="Google Shape;125;p23"/>
+          <p:cNvSpPr txBox="1"/>
+          <p:nvPr/>
+        </p:nvSpPr>
+        <p:spPr>
+          <a:xfrm>
+            <a:off x="454800" y="1557300"/>
+            <a:ext cx="8234400" cy="3303000"/>
+          </a:xfrm>
+          <a:prstGeom prst="rect">
+            <a:avLst/>
+          </a:prstGeom>
+          <a:noFill/>
+          <a:ln>
+            <a:noFill/>
+          </a:ln>
+        </p:spPr>
+        <p:txBody>
+          <a:bodyPr anchorCtr="0" anchor="t" bIns="91425" lIns="91425" spcFirstLastPara="1" rIns="91425" wrap="square" tIns="91425">
+            <a:noAutofit/>
+          </a:bodyPr>
+          <a:lstStyle/>
+          <a:p>
+            <a:pPr indent="-342900" lvl="0" marL="457200" rtl="0" algn="l">
+              <a:lnSpc>
+                <a:spcPct val="130000"/>
+              </a:lnSpc>
+              <a:spcBef>
+                <a:spcPts val="0"/>
+              </a:spcBef>
+              <a:spcAft>
+                <a:spcPts val="0"/>
+              </a:spcAft>
+              <a:buClr>
+                <a:srgbClr val="E3FEF7"/>
+              </a:buClr>
+              <a:buSzPts val="1800"/>
+              <a:buChar char="●"/>
+            </a:pPr>
+            <a:r>
+              <a:rPr b="1" lang="en" sz="1800">
+                <a:solidFill>
+                  <a:srgbClr val="E3FEF7"/>
+                </a:solidFill>
+              </a:rPr>
+              <a:t>Aplicabilitate în XML</a:t>
+            </a:r>
+            <a:r>
+              <a:rPr b="1" lang="en" sz="1800">
+                <a:solidFill>
+                  <a:srgbClr val="E3FEF7"/>
+                </a:solidFill>
+              </a:rPr>
+              <a:t>:</a:t>
+            </a:r>
+            <a:endParaRPr b="1" sz="1800">
+              <a:solidFill>
+                <a:srgbClr val="E3FEF7"/>
+              </a:solidFill>
+            </a:endParaRPr>
+          </a:p>
+          <a:p>
+            <a:pPr indent="-342900" lvl="1" marL="914400" rtl="0" algn="l">
+              <a:lnSpc>
+                <a:spcPct val="130000"/>
+              </a:lnSpc>
+              <a:spcBef>
+                <a:spcPts val="0"/>
+              </a:spcBef>
+              <a:spcAft>
+                <a:spcPts val="0"/>
+              </a:spcAft>
+              <a:buClr>
+                <a:srgbClr val="E3FEF7"/>
+              </a:buClr>
+              <a:buSzPts val="1800"/>
+              <a:buChar char="○"/>
+            </a:pPr>
+            <a:r>
+              <a:rPr b="1" lang="en" sz="1800">
+                <a:solidFill>
+                  <a:srgbClr val="E3FEF7"/>
+                </a:solidFill>
+              </a:rPr>
+              <a:t>Restricționează accesul la elemente/atribute ale unui document XML în funcție de rolul utilizatorului.</a:t>
+            </a:r>
+            <a:endParaRPr b="1" sz="1800">
+              <a:solidFill>
+                <a:srgbClr val="E3FEF7"/>
+              </a:solidFill>
+            </a:endParaRPr>
+          </a:p>
+          <a:p>
+            <a:pPr indent="-342900" lvl="1" marL="914400" rtl="0" algn="l">
+              <a:lnSpc>
+                <a:spcPct val="130000"/>
+              </a:lnSpc>
+              <a:spcBef>
+                <a:spcPts val="0"/>
+              </a:spcBef>
+              <a:spcAft>
+                <a:spcPts val="0"/>
+              </a:spcAft>
+              <a:buClr>
+                <a:srgbClr val="E3FEF7"/>
+              </a:buClr>
+              <a:buSzPts val="1800"/>
+              <a:buChar char="○"/>
+            </a:pPr>
+            <a:r>
+              <a:rPr b="1" lang="en" sz="1800">
+                <a:solidFill>
+                  <a:srgbClr val="E3FEF7"/>
+                </a:solidFill>
+              </a:rPr>
+              <a:t>Exemple:</a:t>
+            </a:r>
+            <a:endParaRPr b="1" sz="1800">
+              <a:solidFill>
+                <a:srgbClr val="E3FEF7"/>
+              </a:solidFill>
+            </a:endParaRPr>
+          </a:p>
+          <a:p>
+            <a:pPr indent="-342900" lvl="2" marL="1371600" rtl="0" algn="l">
+              <a:lnSpc>
+                <a:spcPct val="130000"/>
+              </a:lnSpc>
+              <a:spcBef>
+                <a:spcPts val="0"/>
+              </a:spcBef>
+              <a:spcAft>
+                <a:spcPts val="0"/>
+              </a:spcAft>
+              <a:buClr>
+                <a:srgbClr val="E3FEF7"/>
+              </a:buClr>
+              <a:buSzPts val="1800"/>
+              <a:buChar char="■"/>
+            </a:pPr>
+            <a:r>
+              <a:rPr b="1" lang="en" sz="1800">
+                <a:solidFill>
+                  <a:srgbClr val="E3FEF7"/>
+                </a:solidFill>
+              </a:rPr>
+              <a:t>Rol „HR” pentru acces la datele salariale, „Manager” pentru informațiile complete ale angajatului.</a:t>
+            </a:r>
+            <a:endParaRPr b="1" sz="1800">
               <a:solidFill>
                 <a:srgbClr val="E3FEF7"/>
               </a:solidFill>
@@ -7766,7 +8275,7 @@
                   <a:srgbClr val="E3FEF7"/>
                 </a:solidFill>
               </a:rPr>
-              <a:t>Access Control Policy Languages</a:t>
+              <a:t>Modele de Control al Accesului XML</a:t>
             </a:r>
             <a:endParaRPr b="1" sz="4000">
               <a:solidFill>
@@ -7779,56 +8288,6 @@
       <p:sp>
         <p:nvSpPr>
           <p:cNvPr id="131" name="Google Shape;131;p24"/>
-          <p:cNvSpPr txBox="1"/>
-          <p:nvPr/>
-        </p:nvSpPr>
-        <p:spPr>
-          <a:xfrm>
-            <a:off x="479750" y="1793125"/>
-            <a:ext cx="8234400" cy="2917800"/>
-          </a:xfrm>
-          <a:prstGeom prst="rect">
-            <a:avLst/>
-          </a:prstGeom>
-          <a:noFill/>
-          <a:ln>
-            <a:noFill/>
-          </a:ln>
-        </p:spPr>
-        <p:txBody>
-          <a:bodyPr anchorCtr="0" anchor="ctr" bIns="91425" lIns="91425" spcFirstLastPara="1" rIns="91425" wrap="square" tIns="91425">
-            <a:noAutofit/>
-          </a:bodyPr>
-          <a:lstStyle/>
-          <a:p>
-            <a:pPr indent="0" lvl="0" marL="0" rtl="0" algn="ctr">
-              <a:spcBef>
-                <a:spcPts val="0"/>
-              </a:spcBef>
-              <a:spcAft>
-                <a:spcPts val="0"/>
-              </a:spcAft>
-              <a:buNone/>
-            </a:pPr>
-            <a:r>
-              <a:rPr lang="en" sz="1800">
-                <a:solidFill>
-                  <a:srgbClr val="E3FEF7"/>
-                </a:solidFill>
-              </a:rPr>
-              <a:t>Write here.</a:t>
-            </a:r>
-            <a:endParaRPr i="1" sz="1800">
-              <a:solidFill>
-                <a:srgbClr val="E3FEF7"/>
-              </a:solidFill>
-            </a:endParaRPr>
-          </a:p>
-        </p:txBody>
-      </p:sp>
-      <p:sp>
-        <p:nvSpPr>
-          <p:cNvPr id="132" name="Google Shape;132;p24"/>
           <p:cNvSpPr txBox="1"/>
           <p:nvPr/>
         </p:nvSpPr>
@@ -7866,9 +8325,229 @@
                   <a:srgbClr val="E3FEF7"/>
                 </a:solidFill>
               </a:rPr>
-              <a:t>Custom Policy Specifications</a:t>
+              <a:t>Controlul Accesului Bazat pe Roluri pentru XML</a:t>
             </a:r>
             <a:endParaRPr b="1" sz="2600">
+              <a:solidFill>
+                <a:srgbClr val="E3FEF7"/>
+              </a:solidFill>
+            </a:endParaRPr>
+          </a:p>
+        </p:txBody>
+      </p:sp>
+      <p:sp>
+        <p:nvSpPr>
+          <p:cNvPr id="132" name="Google Shape;132;p24"/>
+          <p:cNvSpPr txBox="1"/>
+          <p:nvPr/>
+        </p:nvSpPr>
+        <p:spPr>
+          <a:xfrm>
+            <a:off x="454800" y="1557300"/>
+            <a:ext cx="8234400" cy="3303000"/>
+          </a:xfrm>
+          <a:prstGeom prst="rect">
+            <a:avLst/>
+          </a:prstGeom>
+          <a:noFill/>
+          <a:ln>
+            <a:noFill/>
+          </a:ln>
+        </p:spPr>
+        <p:txBody>
+          <a:bodyPr anchorCtr="0" anchor="t" bIns="91425" lIns="91425" spcFirstLastPara="1" rIns="91425" wrap="square" tIns="91425">
+            <a:noAutofit/>
+          </a:bodyPr>
+          <a:lstStyle/>
+          <a:p>
+            <a:pPr indent="-342900" lvl="0" marL="457200" rtl="0" algn="l">
+              <a:lnSpc>
+                <a:spcPct val="130000"/>
+              </a:lnSpc>
+              <a:spcBef>
+                <a:spcPts val="0"/>
+              </a:spcBef>
+              <a:spcAft>
+                <a:spcPts val="0"/>
+              </a:spcAft>
+              <a:buClr>
+                <a:srgbClr val="E3FEF7"/>
+              </a:buClr>
+              <a:buSzPts val="1800"/>
+              <a:buChar char="●"/>
+            </a:pPr>
+            <a:r>
+              <a:rPr b="1" lang="en" sz="1800">
+                <a:solidFill>
+                  <a:srgbClr val="E3FEF7"/>
+                </a:solidFill>
+              </a:rPr>
+              <a:t>Implementare:</a:t>
+            </a:r>
+            <a:endParaRPr b="1" sz="1800">
+              <a:solidFill>
+                <a:srgbClr val="E3FEF7"/>
+              </a:solidFill>
+            </a:endParaRPr>
+          </a:p>
+          <a:p>
+            <a:pPr indent="-342900" lvl="1" marL="914400" rtl="0" algn="l">
+              <a:lnSpc>
+                <a:spcPct val="130000"/>
+              </a:lnSpc>
+              <a:spcBef>
+                <a:spcPts val="0"/>
+              </a:spcBef>
+              <a:spcAft>
+                <a:spcPts val="0"/>
+              </a:spcAft>
+              <a:buClr>
+                <a:srgbClr val="E3FEF7"/>
+              </a:buClr>
+              <a:buSzPts val="1800"/>
+              <a:buChar char="○"/>
+            </a:pPr>
+            <a:r>
+              <a:rPr b="1" lang="en" sz="1800">
+                <a:solidFill>
+                  <a:srgbClr val="E3FEF7"/>
+                </a:solidFill>
+              </a:rPr>
+              <a:t>Utilizarea de politici de acces și limbaje precum XACML pentru a lega rolurile de resursele XML.</a:t>
+            </a:r>
+            <a:endParaRPr b="1" sz="1800">
+              <a:solidFill>
+                <a:srgbClr val="E3FEF7"/>
+              </a:solidFill>
+            </a:endParaRPr>
+          </a:p>
+          <a:p>
+            <a:pPr indent="-342900" lvl="0" marL="457200" rtl="0" algn="l">
+              <a:lnSpc>
+                <a:spcPct val="130000"/>
+              </a:lnSpc>
+              <a:spcBef>
+                <a:spcPts val="0"/>
+              </a:spcBef>
+              <a:spcAft>
+                <a:spcPts val="0"/>
+              </a:spcAft>
+              <a:buClr>
+                <a:srgbClr val="E3FEF7"/>
+              </a:buClr>
+              <a:buSzPts val="1800"/>
+              <a:buChar char="●"/>
+            </a:pPr>
+            <a:r>
+              <a:rPr b="1" lang="en" sz="1800">
+                <a:solidFill>
+                  <a:srgbClr val="E3FEF7"/>
+                </a:solidFill>
+              </a:rPr>
+              <a:t>Avantaje</a:t>
+            </a:r>
+            <a:r>
+              <a:rPr b="1" lang="en" sz="1800">
+                <a:solidFill>
+                  <a:srgbClr val="E3FEF7"/>
+                </a:solidFill>
+              </a:rPr>
+              <a:t>:</a:t>
+            </a:r>
+            <a:endParaRPr b="1" sz="1800">
+              <a:solidFill>
+                <a:srgbClr val="E3FEF7"/>
+              </a:solidFill>
+            </a:endParaRPr>
+          </a:p>
+          <a:p>
+            <a:pPr indent="-342900" lvl="1" marL="914400" rtl="0" algn="l">
+              <a:lnSpc>
+                <a:spcPct val="130000"/>
+              </a:lnSpc>
+              <a:spcBef>
+                <a:spcPts val="0"/>
+              </a:spcBef>
+              <a:spcAft>
+                <a:spcPts val="0"/>
+              </a:spcAft>
+              <a:buClr>
+                <a:srgbClr val="E3FEF7"/>
+              </a:buClr>
+              <a:buSzPts val="1800"/>
+              <a:buChar char="○"/>
+            </a:pPr>
+            <a:r>
+              <a:rPr b="1" lang="en" sz="1800">
+                <a:solidFill>
+                  <a:srgbClr val="E3FEF7"/>
+                </a:solidFill>
+              </a:rPr>
+              <a:t>Simplifică administrarea permisiunilor și reduce complexitatea.</a:t>
+            </a:r>
+            <a:endParaRPr b="1" sz="1800">
+              <a:solidFill>
+                <a:srgbClr val="E3FEF7"/>
+              </a:solidFill>
+            </a:endParaRPr>
+          </a:p>
+          <a:p>
+            <a:pPr indent="-342900" lvl="0" marL="457200" rtl="0" algn="l">
+              <a:lnSpc>
+                <a:spcPct val="130000"/>
+              </a:lnSpc>
+              <a:spcBef>
+                <a:spcPts val="0"/>
+              </a:spcBef>
+              <a:spcAft>
+                <a:spcPts val="0"/>
+              </a:spcAft>
+              <a:buClr>
+                <a:srgbClr val="E3FEF7"/>
+              </a:buClr>
+              <a:buSzPts val="1800"/>
+              <a:buChar char="●"/>
+            </a:pPr>
+            <a:r>
+              <a:rPr b="1" lang="en" sz="1800">
+                <a:solidFill>
+                  <a:srgbClr val="E3FEF7"/>
+                </a:solidFill>
+              </a:rPr>
+              <a:t>Provocări:</a:t>
+            </a:r>
+            <a:endParaRPr b="1" sz="1800">
+              <a:solidFill>
+                <a:srgbClr val="E3FEF7"/>
+              </a:solidFill>
+            </a:endParaRPr>
+          </a:p>
+          <a:p>
+            <a:pPr indent="-342900" lvl="1" marL="914400" rtl="0" algn="l">
+              <a:lnSpc>
+                <a:spcPct val="130000"/>
+              </a:lnSpc>
+              <a:spcBef>
+                <a:spcPts val="0"/>
+              </a:spcBef>
+              <a:spcAft>
+                <a:spcPts val="0"/>
+              </a:spcAft>
+              <a:buClr>
+                <a:srgbClr val="E3FEF7"/>
+              </a:buClr>
+              <a:buSzPts val="1800"/>
+              <a:buChar char="○"/>
+            </a:pPr>
+            <a:r>
+              <a:rPr b="1" lang="en" sz="1800">
+                <a:solidFill>
+                  <a:srgbClr val="E3FEF7"/>
+                </a:solidFill>
+              </a:rPr>
+              <a:t>Dificultăți în organizarea rolurilor complexe și în gestionarea accesului detaliat.</a:t>
+            </a:r>
+            <a:endParaRPr b="1" sz="1800">
               <a:solidFill>
                 <a:srgbClr val="E3FEF7"/>
               </a:solidFill>
@@ -7948,7 +8627,7 @@
                   <a:srgbClr val="E3FEF7"/>
                 </a:solidFill>
               </a:rPr>
-              <a:t>Implementation Approaches</a:t>
+              <a:t>Access Control Policy Languages</a:t>
             </a:r>
             <a:endParaRPr b="1" sz="4000">
               <a:solidFill>
@@ -8048,7 +8727,7 @@
                   <a:srgbClr val="E3FEF7"/>
                 </a:solidFill>
               </a:rPr>
-              <a:t>Enforcement Mechanisms</a:t>
+              <a:t>XACML</a:t>
             </a:r>
             <a:endParaRPr b="1" sz="2600">
               <a:solidFill>
@@ -8130,7 +8809,7 @@
                   <a:srgbClr val="E3FEF7"/>
                 </a:solidFill>
               </a:rPr>
-              <a:t>Implementation Approaches</a:t>
+              <a:t>Access Control Policy Languages</a:t>
             </a:r>
             <a:endParaRPr b="1" sz="4000">
               <a:solidFill>
@@ -8230,7 +8909,7 @@
                   <a:srgbClr val="E3FEF7"/>
                 </a:solidFill>
               </a:rPr>
-              <a:t>Performance Considerations</a:t>
+              <a:t>Custom Policy Specifications</a:t>
             </a:r>
             <a:endParaRPr b="1" sz="2600">
               <a:solidFill>
@@ -8312,7 +8991,7 @@
                   <a:srgbClr val="E3FEF7"/>
                 </a:solidFill>
               </a:rPr>
-              <a:t>Case Studies</a:t>
+              <a:t>Implementation Approaches</a:t>
             </a:r>
             <a:endParaRPr b="1" sz="4000">
               <a:solidFill>
@@ -8372,6 +9051,56 @@
           </a:p>
         </p:txBody>
       </p:sp>
+      <p:sp>
+        <p:nvSpPr>
+          <p:cNvPr id="153" name="Google Shape;153;p27"/>
+          <p:cNvSpPr txBox="1"/>
+          <p:nvPr/>
+        </p:nvSpPr>
+        <p:spPr>
+          <a:xfrm>
+            <a:off x="0" y="1061700"/>
+            <a:ext cx="9144000" cy="495600"/>
+          </a:xfrm>
+          <a:prstGeom prst="rect">
+            <a:avLst/>
+          </a:prstGeom>
+          <a:noFill/>
+          <a:ln>
+            <a:noFill/>
+          </a:ln>
+        </p:spPr>
+        <p:txBody>
+          <a:bodyPr anchorCtr="0" anchor="ctr" bIns="91425" lIns="91425" spcFirstLastPara="1" rIns="91425" wrap="square" tIns="91425">
+            <a:noAutofit/>
+          </a:bodyPr>
+          <a:lstStyle/>
+          <a:p>
+            <a:pPr indent="0" lvl="0" marL="0" rtl="0" algn="ctr">
+              <a:spcBef>
+                <a:spcPts val="0"/>
+              </a:spcBef>
+              <a:spcAft>
+                <a:spcPts val="0"/>
+              </a:spcAft>
+              <a:buNone/>
+            </a:pPr>
+            <a:r>
+              <a:rPr b="1" lang="en" sz="2600">
+                <a:solidFill>
+                  <a:srgbClr val="E3FEF7"/>
+                </a:solidFill>
+              </a:rPr>
+              <a:t>Enforcement Mechanisms</a:t>
+            </a:r>
+            <a:endParaRPr b="1" sz="2600">
+              <a:solidFill>
+                <a:srgbClr val="E3FEF7"/>
+              </a:solidFill>
+            </a:endParaRPr>
+          </a:p>
+        </p:txBody>
+      </p:sp>
     </p:spTree>
   </p:cSld>
   <p:clrMapOvr>
@@ -8392,7 +9121,7 @@
     </p:bg>
     <p:spTree>
       <p:nvGrpSpPr>
-        <p:cNvPr id="156" name="Shape 156"/>
+        <p:cNvPr id="157" name="Shape 157"/>
         <p:cNvGrpSpPr/>
         <p:nvPr/>
       </p:nvGrpSpPr>
@@ -8406,7 +9135,7 @@
       </p:grpSpPr>
       <p:sp>
         <p:nvSpPr>
-          <p:cNvPr id="157" name="Google Shape;157;p28"/>
+          <p:cNvPr id="158" name="Google Shape;158;p28"/>
           <p:cNvSpPr txBox="1"/>
           <p:nvPr/>
         </p:nvSpPr>
@@ -8444,7 +9173,7 @@
                   <a:srgbClr val="E3FEF7"/>
                 </a:solidFill>
               </a:rPr>
-              <a:t>Conclusions</a:t>
+              <a:t>Implementation Approaches</a:t>
             </a:r>
             <a:endParaRPr b="1" sz="4000">
               <a:solidFill>
@@ -8456,7 +9185,7 @@
       </p:sp>
       <p:sp>
         <p:nvSpPr>
-          <p:cNvPr id="158" name="Google Shape;158;p28"/>
+          <p:cNvPr id="159" name="Google Shape;159;p28"/>
           <p:cNvSpPr txBox="1"/>
           <p:nvPr/>
         </p:nvSpPr>
@@ -8497,6 +9226,56 @@
               <a:t>Write here.</a:t>
             </a:r>
             <a:endParaRPr i="1" sz="1800">
+              <a:solidFill>
+                <a:srgbClr val="E3FEF7"/>
+              </a:solidFill>
+            </a:endParaRPr>
+          </a:p>
+        </p:txBody>
+      </p:sp>
+      <p:sp>
+        <p:nvSpPr>
+          <p:cNvPr id="160" name="Google Shape;160;p28"/>
+          <p:cNvSpPr txBox="1"/>
+          <p:nvPr/>
+        </p:nvSpPr>
+        <p:spPr>
+          <a:xfrm>
+            <a:off x="0" y="1061700"/>
+            <a:ext cx="9144000" cy="495600"/>
+          </a:xfrm>
+          <a:prstGeom prst="rect">
+            <a:avLst/>
+          </a:prstGeom>
+          <a:noFill/>
+          <a:ln>
+            <a:noFill/>
+          </a:ln>
+        </p:spPr>
+        <p:txBody>
+          <a:bodyPr anchorCtr="0" anchor="ctr" bIns="91425" lIns="91425" spcFirstLastPara="1" rIns="91425" wrap="square" tIns="91425">
+            <a:noAutofit/>
+          </a:bodyPr>
+          <a:lstStyle/>
+          <a:p>
+            <a:pPr indent="0" lvl="0" marL="0" rtl="0" algn="ctr">
+              <a:spcBef>
+                <a:spcPts val="0"/>
+              </a:spcBef>
+              <a:spcAft>
+                <a:spcPts val="0"/>
+              </a:spcAft>
+              <a:buNone/>
+            </a:pPr>
+            <a:r>
+              <a:rPr b="1" lang="en" sz="2600">
+                <a:solidFill>
+                  <a:srgbClr val="E3FEF7"/>
+                </a:solidFill>
+              </a:rPr>
+              <a:t>Performance Considerations</a:t>
+            </a:r>
+            <a:endParaRPr b="1" sz="2600">
               <a:solidFill>
                 <a:srgbClr val="E3FEF7"/>
               </a:solidFill>
@@ -8524,7 +9303,7 @@
     </p:bg>
     <p:spTree>
       <p:nvGrpSpPr>
-        <p:cNvPr id="162" name="Shape 162"/>
+        <p:cNvPr id="164" name="Shape 164"/>
         <p:cNvGrpSpPr/>
         <p:nvPr/>
       </p:nvGrpSpPr>
@@ -8538,7 +9317,7 @@
       </p:grpSpPr>
       <p:sp>
         <p:nvSpPr>
-          <p:cNvPr id="163" name="Google Shape;163;p29"/>
+          <p:cNvPr id="165" name="Google Shape;165;p29"/>
           <p:cNvSpPr txBox="1"/>
           <p:nvPr/>
         </p:nvSpPr>
@@ -8576,7 +9355,7 @@
                   <a:srgbClr val="E3FEF7"/>
                 </a:solidFill>
               </a:rPr>
-              <a:t>References</a:t>
+              <a:t>Case Studies</a:t>
             </a:r>
             <a:endParaRPr b="1" sz="4000">
               <a:solidFill>
@@ -8588,7 +9367,271 @@
       </p:sp>
       <p:sp>
         <p:nvSpPr>
-          <p:cNvPr id="164" name="Google Shape;164;p29"/>
+          <p:cNvPr id="166" name="Google Shape;166;p29"/>
+          <p:cNvSpPr txBox="1"/>
+          <p:nvPr/>
+        </p:nvSpPr>
+        <p:spPr>
+          <a:xfrm>
+            <a:off x="479750" y="1793125"/>
+            <a:ext cx="8234400" cy="2917800"/>
+          </a:xfrm>
+          <a:prstGeom prst="rect">
+            <a:avLst/>
+          </a:prstGeom>
+          <a:noFill/>
+          <a:ln>
+            <a:noFill/>
+          </a:ln>
+        </p:spPr>
+        <p:txBody>
+          <a:bodyPr anchorCtr="0" anchor="ctr" bIns="91425" lIns="91425" spcFirstLastPara="1" rIns="91425" wrap="square" tIns="91425">
+            <a:noAutofit/>
+          </a:bodyPr>
+          <a:lstStyle/>
+          <a:p>
+            <a:pPr indent="0" lvl="0" marL="0" rtl="0" algn="ctr">
+              <a:spcBef>
+                <a:spcPts val="0"/>
+              </a:spcBef>
+              <a:spcAft>
+                <a:spcPts val="0"/>
+              </a:spcAft>
+              <a:buNone/>
+            </a:pPr>
+            <a:r>
+              <a:rPr lang="en" sz="1800">
+                <a:solidFill>
+                  <a:srgbClr val="E3FEF7"/>
+                </a:solidFill>
+              </a:rPr>
+              <a:t>Write here.</a:t>
+            </a:r>
+            <a:endParaRPr i="1" sz="1800">
+              <a:solidFill>
+                <a:srgbClr val="E3FEF7"/>
+              </a:solidFill>
+            </a:endParaRPr>
+          </a:p>
+        </p:txBody>
+      </p:sp>
+    </p:spTree>
+  </p:cSld>
+  <p:clrMapOvr>
+    <a:masterClrMapping/>
+  </p:clrMapOvr>
+</p:sld>
+</file>
+
+<file path=ppt/slides/slide18.xml><?xml version="1.0" encoding="utf-8"?>
+<p:sld xmlns:a="http://schemas.openxmlformats.org/drawingml/2006/main" xmlns:r="http://schemas.openxmlformats.org/officeDocument/2006/relationships" xmlns:mc="http://schemas.openxmlformats.org/markup-compatibility/2006" xmlns:mv="urn:schemas-microsoft-com:mac:vml" xmlns:p="http://schemas.openxmlformats.org/presentationml/2006/main" xmlns:c="http://schemas.openxmlformats.org/drawingml/2006/chart" xmlns:dgm="http://schemas.openxmlformats.org/drawingml/2006/diagram" xmlns:o="urn:schemas-microsoft-com:office:office" xmlns:v="urn:schemas-microsoft-com:vml" xmlns:pvml="urn:schemas-microsoft-com:office:powerpoint" xmlns:com="http://schemas.openxmlformats.org/drawingml/2006/compatibility" xmlns:p14="http://schemas.microsoft.com/office/powerpoint/2010/main" xmlns:p15="http://schemas.microsoft.com/office/powerpoint/2012/main" xmlns:ahyp="http://schemas.microsoft.com/office/drawing/2018/hyperlinkcolor">
+  <p:cSld>
+    <p:bg>
+      <p:bgPr>
+        <a:solidFill>
+          <a:srgbClr val="003C43"/>
+        </a:solidFill>
+      </p:bgPr>
+    </p:bg>
+    <p:spTree>
+      <p:nvGrpSpPr>
+        <p:cNvPr id="170" name="Shape 170"/>
+        <p:cNvGrpSpPr/>
+        <p:nvPr/>
+      </p:nvGrpSpPr>
+      <p:grpSpPr>
+        <a:xfrm>
+          <a:off x="0" y="0"/>
+          <a:ext cx="0" cy="0"/>
+          <a:chOff x="0" y="0"/>
+          <a:chExt cx="0" cy="0"/>
+        </a:xfrm>
+      </p:grpSpPr>
+      <p:sp>
+        <p:nvSpPr>
+          <p:cNvPr id="171" name="Google Shape;171;p30"/>
+          <p:cNvSpPr txBox="1"/>
+          <p:nvPr/>
+        </p:nvSpPr>
+        <p:spPr>
+          <a:xfrm>
+            <a:off x="0" y="180900"/>
+            <a:ext cx="9144000" cy="880800"/>
+          </a:xfrm>
+          <a:prstGeom prst="rect">
+            <a:avLst/>
+          </a:prstGeom>
+          <a:noFill/>
+          <a:ln>
+            <a:noFill/>
+          </a:ln>
+        </p:spPr>
+        <p:txBody>
+          <a:bodyPr anchorCtr="0" anchor="ctr" bIns="91425" lIns="91425" spcFirstLastPara="1" rIns="91425" wrap="square" tIns="91425">
+            <a:noAutofit/>
+          </a:bodyPr>
+          <a:lstStyle/>
+          <a:p>
+            <a:pPr indent="0" lvl="0" marL="0" rtl="0" algn="ctr">
+              <a:spcBef>
+                <a:spcPts val="0"/>
+              </a:spcBef>
+              <a:spcAft>
+                <a:spcPts val="0"/>
+              </a:spcAft>
+              <a:buNone/>
+            </a:pPr>
+            <a:r>
+              <a:rPr b="1" lang="en" sz="4000">
+                <a:solidFill>
+                  <a:srgbClr val="E3FEF7"/>
+                </a:solidFill>
+              </a:rPr>
+              <a:t>Conclusions</a:t>
+            </a:r>
+            <a:endParaRPr b="1" sz="4000">
+              <a:solidFill>
+                <a:srgbClr val="E3FEF7"/>
+              </a:solidFill>
+            </a:endParaRPr>
+          </a:p>
+        </p:txBody>
+      </p:sp>
+      <p:sp>
+        <p:nvSpPr>
+          <p:cNvPr id="172" name="Google Shape;172;p30"/>
+          <p:cNvSpPr txBox="1"/>
+          <p:nvPr/>
+        </p:nvSpPr>
+        <p:spPr>
+          <a:xfrm>
+            <a:off x="479750" y="1793125"/>
+            <a:ext cx="8234400" cy="2917800"/>
+          </a:xfrm>
+          <a:prstGeom prst="rect">
+            <a:avLst/>
+          </a:prstGeom>
+          <a:noFill/>
+          <a:ln>
+            <a:noFill/>
+          </a:ln>
+        </p:spPr>
+        <p:txBody>
+          <a:bodyPr anchorCtr="0" anchor="ctr" bIns="91425" lIns="91425" spcFirstLastPara="1" rIns="91425" wrap="square" tIns="91425">
+            <a:noAutofit/>
+          </a:bodyPr>
+          <a:lstStyle/>
+          <a:p>
+            <a:pPr indent="0" lvl="0" marL="0" rtl="0" algn="ctr">
+              <a:spcBef>
+                <a:spcPts val="0"/>
+              </a:spcBef>
+              <a:spcAft>
+                <a:spcPts val="0"/>
+              </a:spcAft>
+              <a:buNone/>
+            </a:pPr>
+            <a:r>
+              <a:rPr lang="en" sz="1800">
+                <a:solidFill>
+                  <a:srgbClr val="E3FEF7"/>
+                </a:solidFill>
+              </a:rPr>
+              <a:t>Write here.</a:t>
+            </a:r>
+            <a:endParaRPr i="1" sz="1800">
+              <a:solidFill>
+                <a:srgbClr val="E3FEF7"/>
+              </a:solidFill>
+            </a:endParaRPr>
+          </a:p>
+        </p:txBody>
+      </p:sp>
+    </p:spTree>
+  </p:cSld>
+  <p:clrMapOvr>
+    <a:masterClrMapping/>
+  </p:clrMapOvr>
+</p:sld>
+</file>
+
+<file path=ppt/slides/slide19.xml><?xml version="1.0" encoding="utf-8"?>
+<p:sld xmlns:a="http://schemas.openxmlformats.org/drawingml/2006/main" xmlns:r="http://schemas.openxmlformats.org/officeDocument/2006/relationships" xmlns:mc="http://schemas.openxmlformats.org/markup-compatibility/2006" xmlns:mv="urn:schemas-microsoft-com:mac:vml" xmlns:p="http://schemas.openxmlformats.org/presentationml/2006/main" xmlns:c="http://schemas.openxmlformats.org/drawingml/2006/chart" xmlns:dgm="http://schemas.openxmlformats.org/drawingml/2006/diagram" xmlns:o="urn:schemas-microsoft-com:office:office" xmlns:v="urn:schemas-microsoft-com:vml" xmlns:pvml="urn:schemas-microsoft-com:office:powerpoint" xmlns:com="http://schemas.openxmlformats.org/drawingml/2006/compatibility" xmlns:p14="http://schemas.microsoft.com/office/powerpoint/2010/main" xmlns:p15="http://schemas.microsoft.com/office/powerpoint/2012/main" xmlns:ahyp="http://schemas.microsoft.com/office/drawing/2018/hyperlinkcolor">
+  <p:cSld>
+    <p:bg>
+      <p:bgPr>
+        <a:solidFill>
+          <a:srgbClr val="003C43"/>
+        </a:solidFill>
+      </p:bgPr>
+    </p:bg>
+    <p:spTree>
+      <p:nvGrpSpPr>
+        <p:cNvPr id="176" name="Shape 176"/>
+        <p:cNvGrpSpPr/>
+        <p:nvPr/>
+      </p:nvGrpSpPr>
+      <p:grpSpPr>
+        <a:xfrm>
+          <a:off x="0" y="0"/>
+          <a:ext cx="0" cy="0"/>
+          <a:chOff x="0" y="0"/>
+          <a:chExt cx="0" cy="0"/>
+        </a:xfrm>
+      </p:grpSpPr>
+      <p:sp>
+        <p:nvSpPr>
+          <p:cNvPr id="177" name="Google Shape;177;p31"/>
+          <p:cNvSpPr txBox="1"/>
+          <p:nvPr/>
+        </p:nvSpPr>
+        <p:spPr>
+          <a:xfrm>
+            <a:off x="0" y="180900"/>
+            <a:ext cx="9144000" cy="880800"/>
+          </a:xfrm>
+          <a:prstGeom prst="rect">
+            <a:avLst/>
+          </a:prstGeom>
+          <a:noFill/>
+          <a:ln>
+            <a:noFill/>
+          </a:ln>
+        </p:spPr>
+        <p:txBody>
+          <a:bodyPr anchorCtr="0" anchor="ctr" bIns="91425" lIns="91425" spcFirstLastPara="1" rIns="91425" wrap="square" tIns="91425">
+            <a:noAutofit/>
+          </a:bodyPr>
+          <a:lstStyle/>
+          <a:p>
+            <a:pPr indent="0" lvl="0" marL="0" rtl="0" algn="ctr">
+              <a:spcBef>
+                <a:spcPts val="0"/>
+              </a:spcBef>
+              <a:spcAft>
+                <a:spcPts val="0"/>
+              </a:spcAft>
+              <a:buNone/>
+            </a:pPr>
+            <a:r>
+              <a:rPr b="1" lang="en" sz="4000">
+                <a:solidFill>
+                  <a:srgbClr val="E3FEF7"/>
+                </a:solidFill>
+              </a:rPr>
+              <a:t>References</a:t>
+            </a:r>
+            <a:endParaRPr b="1" sz="4000">
+              <a:solidFill>
+                <a:srgbClr val="E3FEF7"/>
+              </a:solidFill>
+            </a:endParaRPr>
+          </a:p>
+        </p:txBody>
+      </p:sp>
+      <p:sp>
+        <p:nvSpPr>
+          <p:cNvPr id="178" name="Google Shape;178;p31"/>
           <p:cNvSpPr txBox="1"/>
           <p:nvPr/>
         </p:nvSpPr>
